--- a/Documents/QA Powerpoints/Module 10.pptx
+++ b/Documents/QA Powerpoints/Module 10.pptx
@@ -5,30 +5,28 @@
     <p:sldMasterId id="2147483695" r:id="rId4"/>
   </p:sldMasterIdLst>
   <p:notesMasterIdLst>
-    <p:notesMasterId r:id="rId20"/>
+    <p:notesMasterId r:id="rId18"/>
   </p:notesMasterIdLst>
   <p:handoutMasterIdLst>
-    <p:handoutMasterId r:id="rId21"/>
+    <p:handoutMasterId r:id="rId19"/>
   </p:handoutMasterIdLst>
   <p:sldIdLst>
     <p:sldId id="256" r:id="rId5"/>
     <p:sldId id="257" r:id="rId6"/>
     <p:sldId id="258" r:id="rId7"/>
-    <p:sldId id="260" r:id="rId8"/>
-    <p:sldId id="263" r:id="rId9"/>
-    <p:sldId id="266" r:id="rId10"/>
-    <p:sldId id="259" r:id="rId11"/>
-    <p:sldId id="267" r:id="rId12"/>
-    <p:sldId id="270" r:id="rId13"/>
-    <p:sldId id="269" r:id="rId14"/>
-    <p:sldId id="271" r:id="rId15"/>
-    <p:sldId id="272" r:id="rId16"/>
-    <p:sldId id="273" r:id="rId17"/>
-    <p:sldId id="274" r:id="rId18"/>
-    <p:sldId id="275" r:id="rId19"/>
+    <p:sldId id="259" r:id="rId8"/>
+    <p:sldId id="260" r:id="rId9"/>
+    <p:sldId id="261" r:id="rId10"/>
+    <p:sldId id="262" r:id="rId11"/>
+    <p:sldId id="263" r:id="rId12"/>
+    <p:sldId id="264" r:id="rId13"/>
+    <p:sldId id="265" r:id="rId14"/>
+    <p:sldId id="266" r:id="rId15"/>
+    <p:sldId id="267" r:id="rId16"/>
+    <p:sldId id="268" r:id="rId17"/>
   </p:sldIdLst>
   <p:sldSz cx="12192000" cy="6858000"/>
-  <p:notesSz cx="6858000" cy="9144000"/>
+  <p:notesSz cx="6794500" cy="9921875"/>
   <p:defaultTextStyle>
     <a:defPPr>
       <a:defRPr lang="en-GB"/>
@@ -187,512 +185,6 @@
 </p:presentation>
 </file>
 
-<file path=ppt/revisionInfo.xml><?xml version="1.0" encoding="utf-8"?>
-<p1510:revInfo xmlns:a="http://schemas.openxmlformats.org/drawingml/2006/main" xmlns:r="http://schemas.openxmlformats.org/officeDocument/2006/relationships" xmlns:p1510="http://schemas.microsoft.com/office/powerpoint/2015/10/main">
-  <p1510:revLst>
-    <p1510:client id="{397F156E-9FF3-47F4-867E-53E44292364E}" v="4" dt="2018-08-31T11:33:14.445"/>
-  </p1510:revLst>
-</p1510:revInfo>
-</file>
-
-<file path=ppt/changesInfos/changesInfo1.xml><?xml version="1.0" encoding="utf-8"?>
-<pc:chgInfo xmlns:a="http://schemas.openxmlformats.org/drawingml/2006/main" xmlns:r="http://schemas.openxmlformats.org/officeDocument/2006/relationships" xmlns:ac="http://schemas.microsoft.com/office/drawing/2013/main/command" xmlns:pc="http://schemas.microsoft.com/office/powerpoint/2013/main/command">
-  <pc:docChgLst>
-    <pc:chgData name="Paul Cabrelli" userId="S::paul@ccabrelli.onmicrosoft.com::ce59c9a4-a98c-414c-bd6b-3261e99c52b6" providerId="AD" clId="Web-{397F156E-9FF3-47F4-867E-53E44292364E}"/>
-    <pc:docChg chg="addSld delSld modSld sldOrd">
-      <pc:chgData name="Paul Cabrelli" userId="S::paul@ccabrelli.onmicrosoft.com::ce59c9a4-a98c-414c-bd6b-3261e99c52b6" providerId="AD" clId="Web-{397F156E-9FF3-47F4-867E-53E44292364E}" dt="2018-08-31T13:46:05.963" v="378" actId="20577"/>
-      <pc:docMkLst>
-        <pc:docMk/>
-      </pc:docMkLst>
-      <pc:sldChg chg="modNotes">
-        <pc:chgData name="Paul Cabrelli" userId="S::paul@ccabrelli.onmicrosoft.com::ce59c9a4-a98c-414c-bd6b-3261e99c52b6" providerId="AD" clId="Web-{397F156E-9FF3-47F4-867E-53E44292364E}" dt="2018-08-31T11:48:38.842" v="170" actId="20577"/>
-        <pc:sldMkLst>
-          <pc:docMk/>
-          <pc:sldMk cId="0" sldId="256"/>
-        </pc:sldMkLst>
-      </pc:sldChg>
-      <pc:sldChg chg="modSp">
-        <pc:chgData name="Paul Cabrelli" userId="S::paul@ccabrelli.onmicrosoft.com::ce59c9a4-a98c-414c-bd6b-3261e99c52b6" providerId="AD" clId="Web-{397F156E-9FF3-47F4-867E-53E44292364E}" dt="2018-08-31T11:49:38.498" v="176" actId="20577"/>
-        <pc:sldMkLst>
-          <pc:docMk/>
-          <pc:sldMk cId="3525306015" sldId="257"/>
-        </pc:sldMkLst>
-        <pc:spChg chg="mod">
-          <ac:chgData name="Paul Cabrelli" userId="S::paul@ccabrelli.onmicrosoft.com::ce59c9a4-a98c-414c-bd6b-3261e99c52b6" providerId="AD" clId="Web-{397F156E-9FF3-47F4-867E-53E44292364E}" dt="2018-08-31T11:49:38.498" v="176" actId="20577"/>
-          <ac:spMkLst>
-            <pc:docMk/>
-            <pc:sldMk cId="3525306015" sldId="257"/>
-            <ac:spMk id="2" creationId="{CED346D0-5D4F-4BC0-BB47-0BF1521B27A3}"/>
-          </ac:spMkLst>
-        </pc:spChg>
-      </pc:sldChg>
-      <pc:sldChg chg="modSp">
-        <pc:chgData name="Paul Cabrelli" userId="S::paul@ccabrelli.onmicrosoft.com::ce59c9a4-a98c-414c-bd6b-3261e99c52b6" providerId="AD" clId="Web-{397F156E-9FF3-47F4-867E-53E44292364E}" dt="2018-08-31T11:24:45.246" v="0" actId="20577"/>
-        <pc:sldMkLst>
-          <pc:docMk/>
-          <pc:sldMk cId="2946907453" sldId="258"/>
-        </pc:sldMkLst>
-        <pc:spChg chg="mod">
-          <ac:chgData name="Paul Cabrelli" userId="S::paul@ccabrelli.onmicrosoft.com::ce59c9a4-a98c-414c-bd6b-3261e99c52b6" providerId="AD" clId="Web-{397F156E-9FF3-47F4-867E-53E44292364E}" dt="2018-08-31T11:24:45.246" v="0" actId="20577"/>
-          <ac:spMkLst>
-            <pc:docMk/>
-            <pc:sldMk cId="2946907453" sldId="258"/>
-            <ac:spMk id="2" creationId="{6387C35B-1465-4FB4-B60D-F2C6C5C1E9FF}"/>
-          </ac:spMkLst>
-        </pc:spChg>
-      </pc:sldChg>
-      <pc:sldChg chg="modSp">
-        <pc:chgData name="Paul Cabrelli" userId="S::paul@ccabrelli.onmicrosoft.com::ce59c9a4-a98c-414c-bd6b-3261e99c52b6" providerId="AD" clId="Web-{397F156E-9FF3-47F4-867E-53E44292364E}" dt="2018-08-31T11:49:47.264" v="179" actId="20577"/>
-        <pc:sldMkLst>
-          <pc:docMk/>
-          <pc:sldMk cId="1426270711" sldId="259"/>
-        </pc:sldMkLst>
-        <pc:spChg chg="mod">
-          <ac:chgData name="Paul Cabrelli" userId="S::paul@ccabrelli.onmicrosoft.com::ce59c9a4-a98c-414c-bd6b-3261e99c52b6" providerId="AD" clId="Web-{397F156E-9FF3-47F4-867E-53E44292364E}" dt="2018-08-31T11:49:47.264" v="179" actId="20577"/>
-          <ac:spMkLst>
-            <pc:docMk/>
-            <pc:sldMk cId="1426270711" sldId="259"/>
-            <ac:spMk id="3" creationId="{CEB8C6C0-1E5A-4CF8-A7E4-17A42EBC5744}"/>
-          </ac:spMkLst>
-        </pc:spChg>
-      </pc:sldChg>
-      <pc:sldChg chg="modSp ord">
-        <pc:chgData name="Paul Cabrelli" userId="S::paul@ccabrelli.onmicrosoft.com::ce59c9a4-a98c-414c-bd6b-3261e99c52b6" providerId="AD" clId="Web-{397F156E-9FF3-47F4-867E-53E44292364E}" dt="2018-08-31T13:46:05.963" v="378" actId="20577"/>
-        <pc:sldMkLst>
-          <pc:docMk/>
-          <pc:sldMk cId="1517123969" sldId="260"/>
-        </pc:sldMkLst>
-        <pc:spChg chg="mod">
-          <ac:chgData name="Paul Cabrelli" userId="S::paul@ccabrelli.onmicrosoft.com::ce59c9a4-a98c-414c-bd6b-3261e99c52b6" providerId="AD" clId="Web-{397F156E-9FF3-47F4-867E-53E44292364E}" dt="2018-08-31T13:46:05.963" v="378" actId="20577"/>
-          <ac:spMkLst>
-            <pc:docMk/>
-            <pc:sldMk cId="1517123969" sldId="260"/>
-            <ac:spMk id="2" creationId="{B06A2CD2-D2E9-4392-B362-0448AFFE71CD}"/>
-          </ac:spMkLst>
-        </pc:spChg>
-      </pc:sldChg>
-      <pc:sldChg chg="del">
-        <pc:chgData name="Paul Cabrelli" userId="S::paul@ccabrelli.onmicrosoft.com::ce59c9a4-a98c-414c-bd6b-3261e99c52b6" providerId="AD" clId="Web-{397F156E-9FF3-47F4-867E-53E44292364E}" dt="2018-08-31T11:33:54.195" v="120" actId="20577"/>
-        <pc:sldMkLst>
-          <pc:docMk/>
-          <pc:sldMk cId="3255455211" sldId="261"/>
-        </pc:sldMkLst>
-      </pc:sldChg>
-      <pc:sldChg chg="del">
-        <pc:chgData name="Paul Cabrelli" userId="S::paul@ccabrelli.onmicrosoft.com::ce59c9a4-a98c-414c-bd6b-3261e99c52b6" providerId="AD" clId="Web-{397F156E-9FF3-47F4-867E-53E44292364E}" dt="2018-08-31T11:33:57.460" v="121" actId="20577"/>
-        <pc:sldMkLst>
-          <pc:docMk/>
-          <pc:sldMk cId="1290662832" sldId="262"/>
-        </pc:sldMkLst>
-      </pc:sldChg>
-      <pc:sldChg chg="addSp delSp modSp">
-        <pc:chgData name="Paul Cabrelli" userId="S::paul@ccabrelli.onmicrosoft.com::ce59c9a4-a98c-414c-bd6b-3261e99c52b6" providerId="AD" clId="Web-{397F156E-9FF3-47F4-867E-53E44292364E}" dt="2018-08-31T11:33:14.445" v="119" actId="20577"/>
-        <pc:sldMkLst>
-          <pc:docMk/>
-          <pc:sldMk cId="1754826813" sldId="263"/>
-        </pc:sldMkLst>
-        <pc:spChg chg="add del mod">
-          <ac:chgData name="Paul Cabrelli" userId="S::paul@ccabrelli.onmicrosoft.com::ce59c9a4-a98c-414c-bd6b-3261e99c52b6" providerId="AD" clId="Web-{397F156E-9FF3-47F4-867E-53E44292364E}" dt="2018-08-31T11:33:14.445" v="119" actId="20577"/>
-          <ac:spMkLst>
-            <pc:docMk/>
-            <pc:sldMk cId="1754826813" sldId="263"/>
-            <ac:spMk id="2" creationId="{6387C35B-1465-4FB4-B60D-F2C6C5C1E9FF}"/>
-          </ac:spMkLst>
-        </pc:spChg>
-        <pc:spChg chg="add del mod">
-          <ac:chgData name="Paul Cabrelli" userId="S::paul@ccabrelli.onmicrosoft.com::ce59c9a4-a98c-414c-bd6b-3261e99c52b6" providerId="AD" clId="Web-{397F156E-9FF3-47F4-867E-53E44292364E}" dt="2018-08-31T11:33:13.195" v="115" actId="20577"/>
-          <ac:spMkLst>
-            <pc:docMk/>
-            <pc:sldMk cId="1754826813" sldId="263"/>
-            <ac:spMk id="5" creationId="{2A5D1A2A-F267-4E26-8CBA-EB40992F9B60}"/>
-          </ac:spMkLst>
-        </pc:spChg>
-      </pc:sldChg>
-      <pc:sldChg chg="modSp add del replId modNotes">
-        <pc:chgData name="Paul Cabrelli" userId="S::paul@ccabrelli.onmicrosoft.com::ce59c9a4-a98c-414c-bd6b-3261e99c52b6" providerId="AD" clId="Web-{397F156E-9FF3-47F4-867E-53E44292364E}" dt="2018-08-31T11:34:15.835" v="122" actId="20577"/>
-        <pc:sldMkLst>
-          <pc:docMk/>
-          <pc:sldMk cId="3562032821" sldId="264"/>
-        </pc:sldMkLst>
-        <pc:spChg chg="mod">
-          <ac:chgData name="Paul Cabrelli" userId="S::paul@ccabrelli.onmicrosoft.com::ce59c9a4-a98c-414c-bd6b-3261e99c52b6" providerId="AD" clId="Web-{397F156E-9FF3-47F4-867E-53E44292364E}" dt="2018-08-31T11:31:55.039" v="109" actId="20577"/>
-          <ac:spMkLst>
-            <pc:docMk/>
-            <pc:sldMk cId="3562032821" sldId="264"/>
-            <ac:spMk id="2" creationId="{6387C35B-1465-4FB4-B60D-F2C6C5C1E9FF}"/>
-          </ac:spMkLst>
-        </pc:spChg>
-        <pc:spChg chg="mod">
-          <ac:chgData name="Paul Cabrelli" userId="S::paul@ccabrelli.onmicrosoft.com::ce59c9a4-a98c-414c-bd6b-3261e99c52b6" providerId="AD" clId="Web-{397F156E-9FF3-47F4-867E-53E44292364E}" dt="2018-08-31T11:25:23.293" v="4" actId="20577"/>
-          <ac:spMkLst>
-            <pc:docMk/>
-            <pc:sldMk cId="3562032821" sldId="264"/>
-            <ac:spMk id="3" creationId="{CEB8C6C0-1E5A-4CF8-A7E4-17A42EBC5744}"/>
-          </ac:spMkLst>
-        </pc:spChg>
-      </pc:sldChg>
-      <pc:sldChg chg="modSp add replId">
-        <pc:chgData name="Paul Cabrelli" userId="S::paul@ccabrelli.onmicrosoft.com::ce59c9a4-a98c-414c-bd6b-3261e99c52b6" providerId="AD" clId="Web-{397F156E-9FF3-47F4-867E-53E44292364E}" dt="2018-08-31T11:30:39.478" v="84" actId="20577"/>
-        <pc:sldMkLst>
-          <pc:docMk/>
-          <pc:sldMk cId="3308289108" sldId="265"/>
-        </pc:sldMkLst>
-        <pc:spChg chg="mod">
-          <ac:chgData name="Paul Cabrelli" userId="S::paul@ccabrelli.onmicrosoft.com::ce59c9a4-a98c-414c-bd6b-3261e99c52b6" providerId="AD" clId="Web-{397F156E-9FF3-47F4-867E-53E44292364E}" dt="2018-08-31T11:30:39.478" v="84" actId="20577"/>
-          <ac:spMkLst>
-            <pc:docMk/>
-            <pc:sldMk cId="3308289108" sldId="265"/>
-            <ac:spMk id="2" creationId="{6387C35B-1465-4FB4-B60D-F2C6C5C1E9FF}"/>
-          </ac:spMkLst>
-        </pc:spChg>
-        <pc:spChg chg="mod">
-          <ac:chgData name="Paul Cabrelli" userId="S::paul@ccabrelli.onmicrosoft.com::ce59c9a4-a98c-414c-bd6b-3261e99c52b6" providerId="AD" clId="Web-{397F156E-9FF3-47F4-867E-53E44292364E}" dt="2018-08-31T11:29:01.119" v="71" actId="20577"/>
-          <ac:spMkLst>
-            <pc:docMk/>
-            <pc:sldMk cId="3308289108" sldId="265"/>
-            <ac:spMk id="3" creationId="{CEB8C6C0-1E5A-4CF8-A7E4-17A42EBC5744}"/>
-          </ac:spMkLst>
-        </pc:spChg>
-      </pc:sldChg>
-      <pc:sldChg chg="modSp add replId modNotes">
-        <pc:chgData name="Paul Cabrelli" userId="S::paul@ccabrelli.onmicrosoft.com::ce59c9a4-a98c-414c-bd6b-3261e99c52b6" providerId="AD" clId="Web-{397F156E-9FF3-47F4-867E-53E44292364E}" dt="2018-08-31T11:46:40.328" v="168" actId="20577"/>
-        <pc:sldMkLst>
-          <pc:docMk/>
-          <pc:sldMk cId="2028711776" sldId="266"/>
-        </pc:sldMkLst>
-        <pc:spChg chg="mod">
-          <ac:chgData name="Paul Cabrelli" userId="S::paul@ccabrelli.onmicrosoft.com::ce59c9a4-a98c-414c-bd6b-3261e99c52b6" providerId="AD" clId="Web-{397F156E-9FF3-47F4-867E-53E44292364E}" dt="2018-08-31T11:46:40.328" v="168" actId="20577"/>
-          <ac:spMkLst>
-            <pc:docMk/>
-            <pc:sldMk cId="2028711776" sldId="266"/>
-            <ac:spMk id="2" creationId="{6387C35B-1465-4FB4-B60D-F2C6C5C1E9FF}"/>
-          </ac:spMkLst>
-        </pc:spChg>
-        <pc:spChg chg="mod">
-          <ac:chgData name="Paul Cabrelli" userId="S::paul@ccabrelli.onmicrosoft.com::ce59c9a4-a98c-414c-bd6b-3261e99c52b6" providerId="AD" clId="Web-{397F156E-9FF3-47F4-867E-53E44292364E}" dt="2018-08-31T11:42:59.658" v="133" actId="20577"/>
-          <ac:spMkLst>
-            <pc:docMk/>
-            <pc:sldMk cId="2028711776" sldId="266"/>
-            <ac:spMk id="3" creationId="{CEB8C6C0-1E5A-4CF8-A7E4-17A42EBC5744}"/>
-          </ac:spMkLst>
-        </pc:spChg>
-      </pc:sldChg>
-      <pc:sldChg chg="addSp modSp add replId modNotes">
-        <pc:chgData name="Paul Cabrelli" userId="S::paul@ccabrelli.onmicrosoft.com::ce59c9a4-a98c-414c-bd6b-3261e99c52b6" providerId="AD" clId="Web-{397F156E-9FF3-47F4-867E-53E44292364E}" dt="2018-08-31T12:31:13.592" v="194" actId="1076"/>
-        <pc:sldMkLst>
-          <pc:docMk/>
-          <pc:sldMk cId="696743190" sldId="267"/>
-        </pc:sldMkLst>
-        <pc:spChg chg="mod">
-          <ac:chgData name="Paul Cabrelli" userId="S::paul@ccabrelli.onmicrosoft.com::ce59c9a4-a98c-414c-bd6b-3261e99c52b6" providerId="AD" clId="Web-{397F156E-9FF3-47F4-867E-53E44292364E}" dt="2018-08-31T12:06:57.674" v="184" actId="20577"/>
-          <ac:spMkLst>
-            <pc:docMk/>
-            <pc:sldMk cId="696743190" sldId="267"/>
-            <ac:spMk id="2" creationId="{6387C35B-1465-4FB4-B60D-F2C6C5C1E9FF}"/>
-          </ac:spMkLst>
-        </pc:spChg>
-        <pc:spChg chg="mod">
-          <ac:chgData name="Paul Cabrelli" userId="S::paul@ccabrelli.onmicrosoft.com::ce59c9a4-a98c-414c-bd6b-3261e99c52b6" providerId="AD" clId="Web-{397F156E-9FF3-47F4-867E-53E44292364E}" dt="2018-08-31T12:06:52.752" v="183" actId="20577"/>
-          <ac:spMkLst>
-            <pc:docMk/>
-            <pc:sldMk cId="696743190" sldId="267"/>
-            <ac:spMk id="3" creationId="{CEB8C6C0-1E5A-4CF8-A7E4-17A42EBC5744}"/>
-          </ac:spMkLst>
-        </pc:spChg>
-        <pc:picChg chg="add mod">
-          <ac:chgData name="Paul Cabrelli" userId="S::paul@ccabrelli.onmicrosoft.com::ce59c9a4-a98c-414c-bd6b-3261e99c52b6" providerId="AD" clId="Web-{397F156E-9FF3-47F4-867E-53E44292364E}" dt="2018-08-31T12:25:03.329" v="189" actId="1076"/>
-          <ac:picMkLst>
-            <pc:docMk/>
-            <pc:sldMk cId="696743190" sldId="267"/>
-            <ac:picMk id="4" creationId="{CD0CAC40-0267-4B9D-96DB-7810197BE7D1}"/>
-          </ac:picMkLst>
-        </pc:picChg>
-        <pc:picChg chg="add mod">
-          <ac:chgData name="Paul Cabrelli" userId="S::paul@ccabrelli.onmicrosoft.com::ce59c9a4-a98c-414c-bd6b-3261e99c52b6" providerId="AD" clId="Web-{397F156E-9FF3-47F4-867E-53E44292364E}" dt="2018-08-31T12:31:13.592" v="194" actId="1076"/>
-          <ac:picMkLst>
-            <pc:docMk/>
-            <pc:sldMk cId="696743190" sldId="267"/>
-            <ac:picMk id="6" creationId="{6A669505-ED1B-4CB1-9A8C-C2756D1105A0}"/>
-          </ac:picMkLst>
-        </pc:picChg>
-      </pc:sldChg>
-      <pc:sldChg chg="addSp delSp modSp add del ord replId">
-        <pc:chgData name="Paul Cabrelli" userId="S::paul@ccabrelli.onmicrosoft.com::ce59c9a4-a98c-414c-bd6b-3261e99c52b6" providerId="AD" clId="Web-{397F156E-9FF3-47F4-867E-53E44292364E}" dt="2018-08-31T12:47:29.205" v="216" actId="20577"/>
-        <pc:sldMkLst>
-          <pc:docMk/>
-          <pc:sldMk cId="3487398768" sldId="268"/>
-        </pc:sldMkLst>
-        <pc:picChg chg="del">
-          <ac:chgData name="Paul Cabrelli" userId="S::paul@ccabrelli.onmicrosoft.com::ce59c9a4-a98c-414c-bd6b-3261e99c52b6" providerId="AD" clId="Web-{397F156E-9FF3-47F4-867E-53E44292364E}" dt="2018-08-31T12:34:43.325" v="196" actId="20577"/>
-          <ac:picMkLst>
-            <pc:docMk/>
-            <pc:sldMk cId="3487398768" sldId="268"/>
-            <ac:picMk id="4" creationId="{CD0CAC40-0267-4B9D-96DB-7810197BE7D1}"/>
-          </ac:picMkLst>
-        </pc:picChg>
-        <pc:picChg chg="add del mod">
-          <ac:chgData name="Paul Cabrelli" userId="S::paul@ccabrelli.onmicrosoft.com::ce59c9a4-a98c-414c-bd6b-3261e99c52b6" providerId="AD" clId="Web-{397F156E-9FF3-47F4-867E-53E44292364E}" dt="2018-08-31T12:35:37.371" v="200" actId="20577"/>
-          <ac:picMkLst>
-            <pc:docMk/>
-            <pc:sldMk cId="3487398768" sldId="268"/>
-            <ac:picMk id="5" creationId="{5ED88527-5574-4601-9DBF-5A7D05182D40}"/>
-          </ac:picMkLst>
-        </pc:picChg>
-        <pc:picChg chg="del">
-          <ac:chgData name="Paul Cabrelli" userId="S::paul@ccabrelli.onmicrosoft.com::ce59c9a4-a98c-414c-bd6b-3261e99c52b6" providerId="AD" clId="Web-{397F156E-9FF3-47F4-867E-53E44292364E}" dt="2018-08-31T12:34:45.434" v="197" actId="20577"/>
-          <ac:picMkLst>
-            <pc:docMk/>
-            <pc:sldMk cId="3487398768" sldId="268"/>
-            <ac:picMk id="6" creationId="{6A669505-ED1B-4CB1-9A8C-C2756D1105A0}"/>
-          </ac:picMkLst>
-        </pc:picChg>
-        <pc:picChg chg="add mod">
-          <ac:chgData name="Paul Cabrelli" userId="S::paul@ccabrelli.onmicrosoft.com::ce59c9a4-a98c-414c-bd6b-3261e99c52b6" providerId="AD" clId="Web-{397F156E-9FF3-47F4-867E-53E44292364E}" dt="2018-08-31T12:35:55.777" v="204" actId="14100"/>
-          <ac:picMkLst>
-            <pc:docMk/>
-            <pc:sldMk cId="3487398768" sldId="268"/>
-            <ac:picMk id="8" creationId="{B7A11AA5-D824-4571-B6F4-9C0EF8AFE5D1}"/>
-          </ac:picMkLst>
-        </pc:picChg>
-      </pc:sldChg>
-      <pc:sldChg chg="addSp delSp modSp add ord replId">
-        <pc:chgData name="Paul Cabrelli" userId="S::paul@ccabrelli.onmicrosoft.com::ce59c9a4-a98c-414c-bd6b-3261e99c52b6" providerId="AD" clId="Web-{397F156E-9FF3-47F4-867E-53E44292364E}" dt="2018-08-31T12:47:01.752" v="213" actId="20577"/>
-        <pc:sldMkLst>
-          <pc:docMk/>
-          <pc:sldMk cId="8710816" sldId="269"/>
-        </pc:sldMkLst>
-        <pc:spChg chg="mod">
-          <ac:chgData name="Paul Cabrelli" userId="S::paul@ccabrelli.onmicrosoft.com::ce59c9a4-a98c-414c-bd6b-3261e99c52b6" providerId="AD" clId="Web-{397F156E-9FF3-47F4-867E-53E44292364E}" dt="2018-08-31T12:36:49.745" v="207" actId="20577"/>
-          <ac:spMkLst>
-            <pc:docMk/>
-            <pc:sldMk cId="8710816" sldId="269"/>
-            <ac:spMk id="3" creationId="{CEB8C6C0-1E5A-4CF8-A7E4-17A42EBC5744}"/>
-          </ac:spMkLst>
-        </pc:spChg>
-        <pc:picChg chg="add mod">
-          <ac:chgData name="Paul Cabrelli" userId="S::paul@ccabrelli.onmicrosoft.com::ce59c9a4-a98c-414c-bd6b-3261e99c52b6" providerId="AD" clId="Web-{397F156E-9FF3-47F4-867E-53E44292364E}" dt="2018-08-31T12:42:04.381" v="211" actId="14100"/>
-          <ac:picMkLst>
-            <pc:docMk/>
-            <pc:sldMk cId="8710816" sldId="269"/>
-            <ac:picMk id="4" creationId="{5D65F0BB-39F7-4D3A-9E3A-658C3BDCACFE}"/>
-          </ac:picMkLst>
-        </pc:picChg>
-        <pc:picChg chg="del">
-          <ac:chgData name="Paul Cabrelli" userId="S::paul@ccabrelli.onmicrosoft.com::ce59c9a4-a98c-414c-bd6b-3261e99c52b6" providerId="AD" clId="Web-{397F156E-9FF3-47F4-867E-53E44292364E}" dt="2018-08-31T12:41:55.584" v="208" actId="20577"/>
-          <ac:picMkLst>
-            <pc:docMk/>
-            <pc:sldMk cId="8710816" sldId="269"/>
-            <ac:picMk id="8" creationId="{B7A11AA5-D824-4571-B6F4-9C0EF8AFE5D1}"/>
-          </ac:picMkLst>
-        </pc:picChg>
-      </pc:sldChg>
-      <pc:sldChg chg="add ord replId">
-        <pc:chgData name="Paul Cabrelli" userId="S::paul@ccabrelli.onmicrosoft.com::ce59c9a4-a98c-414c-bd6b-3261e99c52b6" providerId="AD" clId="Web-{397F156E-9FF3-47F4-867E-53E44292364E}" dt="2018-08-31T12:47:18.315" v="215" actId="20577"/>
-        <pc:sldMkLst>
-          <pc:docMk/>
-          <pc:sldMk cId="1843814996" sldId="270"/>
-        </pc:sldMkLst>
-      </pc:sldChg>
-      <pc:sldChg chg="addSp delSp modSp add replId modNotes">
-        <pc:chgData name="Paul Cabrelli" userId="S::paul@ccabrelli.onmicrosoft.com::ce59c9a4-a98c-414c-bd6b-3261e99c52b6" providerId="AD" clId="Web-{397F156E-9FF3-47F4-867E-53E44292364E}" dt="2018-08-31T12:53:35.357" v="260" actId="20577"/>
-        <pc:sldMkLst>
-          <pc:docMk/>
-          <pc:sldMk cId="4021636762" sldId="271"/>
-        </pc:sldMkLst>
-        <pc:spChg chg="mod">
-          <ac:chgData name="Paul Cabrelli" userId="S::paul@ccabrelli.onmicrosoft.com::ce59c9a4-a98c-414c-bd6b-3261e99c52b6" providerId="AD" clId="Web-{397F156E-9FF3-47F4-867E-53E44292364E}" dt="2018-08-31T12:52:58.717" v="235" actId="20577"/>
-          <ac:spMkLst>
-            <pc:docMk/>
-            <pc:sldMk cId="4021636762" sldId="271"/>
-            <ac:spMk id="3" creationId="{CEB8C6C0-1E5A-4CF8-A7E4-17A42EBC5744}"/>
-          </ac:spMkLst>
-        </pc:spChg>
-        <pc:picChg chg="del">
-          <ac:chgData name="Paul Cabrelli" userId="S::paul@ccabrelli.onmicrosoft.com::ce59c9a4-a98c-414c-bd6b-3261e99c52b6" providerId="AD" clId="Web-{397F156E-9FF3-47F4-867E-53E44292364E}" dt="2018-08-31T12:47:37.643" v="218" actId="20577"/>
-          <ac:picMkLst>
-            <pc:docMk/>
-            <pc:sldMk cId="4021636762" sldId="271"/>
-            <ac:picMk id="4" creationId="{5D65F0BB-39F7-4D3A-9E3A-658C3BDCACFE}"/>
-          </ac:picMkLst>
-        </pc:picChg>
-        <pc:picChg chg="add mod">
-          <ac:chgData name="Paul Cabrelli" userId="S::paul@ccabrelli.onmicrosoft.com::ce59c9a4-a98c-414c-bd6b-3261e99c52b6" providerId="AD" clId="Web-{397F156E-9FF3-47F4-867E-53E44292364E}" dt="2018-08-31T12:48:07.877" v="221" actId="14100"/>
-          <ac:picMkLst>
-            <pc:docMk/>
-            <pc:sldMk cId="4021636762" sldId="271"/>
-            <ac:picMk id="5" creationId="{FC0A8B86-F414-4D8D-B5AA-00A0D0C9EFD3}"/>
-          </ac:picMkLst>
-        </pc:picChg>
-      </pc:sldChg>
-      <pc:sldChg chg="addSp delSp modSp add replId">
-        <pc:chgData name="Paul Cabrelli" userId="S::paul@ccabrelli.onmicrosoft.com::ce59c9a4-a98c-414c-bd6b-3261e99c52b6" providerId="AD" clId="Web-{397F156E-9FF3-47F4-867E-53E44292364E}" dt="2018-08-31T12:51:36.999" v="231" actId="14100"/>
-        <pc:sldMkLst>
-          <pc:docMk/>
-          <pc:sldMk cId="3024059906" sldId="272"/>
-        </pc:sldMkLst>
-        <pc:spChg chg="del">
-          <ac:chgData name="Paul Cabrelli" userId="S::paul@ccabrelli.onmicrosoft.com::ce59c9a4-a98c-414c-bd6b-3261e99c52b6" providerId="AD" clId="Web-{397F156E-9FF3-47F4-867E-53E44292364E}" dt="2018-08-31T12:51:03.359" v="227" actId="14100"/>
-          <ac:spMkLst>
-            <pc:docMk/>
-            <pc:sldMk cId="3024059906" sldId="272"/>
-            <ac:spMk id="2" creationId="{6387C35B-1465-4FB4-B60D-F2C6C5C1E9FF}"/>
-          </ac:spMkLst>
-        </pc:spChg>
-        <pc:spChg chg="add del mod">
-          <ac:chgData name="Paul Cabrelli" userId="S::paul@ccabrelli.onmicrosoft.com::ce59c9a4-a98c-414c-bd6b-3261e99c52b6" providerId="AD" clId="Web-{397F156E-9FF3-47F4-867E-53E44292364E}" dt="2018-08-31T12:51:29.031" v="228" actId="14100"/>
-          <ac:spMkLst>
-            <pc:docMk/>
-            <pc:sldMk cId="3024059906" sldId="272"/>
-            <ac:spMk id="6" creationId="{6E237ECF-33E5-42EB-B90C-AB00C59A8DA1}"/>
-          </ac:spMkLst>
-        </pc:spChg>
-        <pc:picChg chg="del">
-          <ac:chgData name="Paul Cabrelli" userId="S::paul@ccabrelli.onmicrosoft.com::ce59c9a4-a98c-414c-bd6b-3261e99c52b6" providerId="AD" clId="Web-{397F156E-9FF3-47F4-867E-53E44292364E}" dt="2018-08-31T12:50:45.781" v="226" actId="14100"/>
-          <ac:picMkLst>
-            <pc:docMk/>
-            <pc:sldMk cId="3024059906" sldId="272"/>
-            <ac:picMk id="5" creationId="{FC0A8B86-F414-4D8D-B5AA-00A0D0C9EFD3}"/>
-          </ac:picMkLst>
-        </pc:picChg>
-        <pc:picChg chg="add mod">
-          <ac:chgData name="Paul Cabrelli" userId="S::paul@ccabrelli.onmicrosoft.com::ce59c9a4-a98c-414c-bd6b-3261e99c52b6" providerId="AD" clId="Web-{397F156E-9FF3-47F4-867E-53E44292364E}" dt="2018-08-31T12:51:36.999" v="231" actId="14100"/>
-          <ac:picMkLst>
-            <pc:docMk/>
-            <pc:sldMk cId="3024059906" sldId="272"/>
-            <ac:picMk id="7" creationId="{EDECE117-2A75-4305-9CD7-E30597042F3B}"/>
-          </ac:picMkLst>
-        </pc:picChg>
-      </pc:sldChg>
-      <pc:sldChg chg="addSp delSp modSp add replId">
-        <pc:chgData name="Paul Cabrelli" userId="S::paul@ccabrelli.onmicrosoft.com::ce59c9a4-a98c-414c-bd6b-3261e99c52b6" providerId="AD" clId="Web-{397F156E-9FF3-47F4-867E-53E44292364E}" dt="2018-08-31T12:58:02.198" v="267" actId="14100"/>
-        <pc:sldMkLst>
-          <pc:docMk/>
-          <pc:sldMk cId="1064995131" sldId="273"/>
-        </pc:sldMkLst>
-        <pc:spChg chg="mod">
-          <ac:chgData name="Paul Cabrelli" userId="S::paul@ccabrelli.onmicrosoft.com::ce59c9a4-a98c-414c-bd6b-3261e99c52b6" providerId="AD" clId="Web-{397F156E-9FF3-47F4-867E-53E44292364E}" dt="2018-08-31T12:53:54.169" v="263" actId="20577"/>
-          <ac:spMkLst>
-            <pc:docMk/>
-            <pc:sldMk cId="1064995131" sldId="273"/>
-            <ac:spMk id="3" creationId="{CEB8C6C0-1E5A-4CF8-A7E4-17A42EBC5744}"/>
-          </ac:spMkLst>
-        </pc:spChg>
-        <pc:picChg chg="add mod">
-          <ac:chgData name="Paul Cabrelli" userId="S::paul@ccabrelli.onmicrosoft.com::ce59c9a4-a98c-414c-bd6b-3261e99c52b6" providerId="AD" clId="Web-{397F156E-9FF3-47F4-867E-53E44292364E}" dt="2018-08-31T12:58:02.198" v="267" actId="14100"/>
-          <ac:picMkLst>
-            <pc:docMk/>
-            <pc:sldMk cId="1064995131" sldId="273"/>
-            <ac:picMk id="2" creationId="{7EE3807B-F086-4350-9DA8-4D3FE429703F}"/>
-          </ac:picMkLst>
-        </pc:picChg>
-        <pc:picChg chg="del">
-          <ac:chgData name="Paul Cabrelli" userId="S::paul@ccabrelli.onmicrosoft.com::ce59c9a4-a98c-414c-bd6b-3261e99c52b6" providerId="AD" clId="Web-{397F156E-9FF3-47F4-867E-53E44292364E}" dt="2018-08-31T12:57:53.057" v="264" actId="14100"/>
-          <ac:picMkLst>
-            <pc:docMk/>
-            <pc:sldMk cId="1064995131" sldId="273"/>
-            <ac:picMk id="7" creationId="{EDECE117-2A75-4305-9CD7-E30597042F3B}"/>
-          </ac:picMkLst>
-        </pc:picChg>
-      </pc:sldChg>
-      <pc:sldChg chg="addSp delSp modSp add replId modNotes">
-        <pc:chgData name="Paul Cabrelli" userId="S::paul@ccabrelli.onmicrosoft.com::ce59c9a4-a98c-414c-bd6b-3261e99c52b6" providerId="AD" clId="Web-{397F156E-9FF3-47F4-867E-53E44292364E}" dt="2018-08-31T13:43:42.383" v="327" actId="14100"/>
-        <pc:sldMkLst>
-          <pc:docMk/>
-          <pc:sldMk cId="1192864228" sldId="274"/>
-        </pc:sldMkLst>
-        <pc:spChg chg="del mod">
-          <ac:chgData name="Paul Cabrelli" userId="S::paul@ccabrelli.onmicrosoft.com::ce59c9a4-a98c-414c-bd6b-3261e99c52b6" providerId="AD" clId="Web-{397F156E-9FF3-47F4-867E-53E44292364E}" dt="2018-08-31T12:59:27.010" v="287" actId="14100"/>
-          <ac:spMkLst>
-            <pc:docMk/>
-            <pc:sldMk cId="1192864228" sldId="274"/>
-            <ac:spMk id="2" creationId="{6387C35B-1465-4FB4-B60D-F2C6C5C1E9FF}"/>
-          </ac:spMkLst>
-        </pc:spChg>
-        <pc:spChg chg="mod">
-          <ac:chgData name="Paul Cabrelli" userId="S::paul@ccabrelli.onmicrosoft.com::ce59c9a4-a98c-414c-bd6b-3261e99c52b6" providerId="AD" clId="Web-{397F156E-9FF3-47F4-867E-53E44292364E}" dt="2018-08-31T13:00:35.541" v="316" actId="20577"/>
-          <ac:spMkLst>
-            <pc:docMk/>
-            <pc:sldMk cId="1192864228" sldId="274"/>
-            <ac:spMk id="3" creationId="{CEB8C6C0-1E5A-4CF8-A7E4-17A42EBC5744}"/>
-          </ac:spMkLst>
-        </pc:spChg>
-        <pc:spChg chg="add mod">
-          <ac:chgData name="Paul Cabrelli" userId="S::paul@ccabrelli.onmicrosoft.com::ce59c9a4-a98c-414c-bd6b-3261e99c52b6" providerId="AD" clId="Web-{397F156E-9FF3-47F4-867E-53E44292364E}" dt="2018-08-31T12:59:27.010" v="287" actId="14100"/>
-          <ac:spMkLst>
-            <pc:docMk/>
-            <pc:sldMk cId="1192864228" sldId="274"/>
-            <ac:spMk id="5" creationId="{545B9060-CFB3-435F-9AB0-E6F82508F20C}"/>
-          </ac:spMkLst>
-        </pc:spChg>
-        <pc:picChg chg="add mod">
-          <ac:chgData name="Paul Cabrelli" userId="S::paul@ccabrelli.onmicrosoft.com::ce59c9a4-a98c-414c-bd6b-3261e99c52b6" providerId="AD" clId="Web-{397F156E-9FF3-47F4-867E-53E44292364E}" dt="2018-08-31T13:42:52.069" v="323" actId="1076"/>
-          <ac:picMkLst>
-            <pc:docMk/>
-            <pc:sldMk cId="1192864228" sldId="274"/>
-            <ac:picMk id="2" creationId="{C7318402-B1D4-4D94-BA0A-43EEC1B9ECE8}"/>
-          </ac:picMkLst>
-        </pc:picChg>
-        <pc:picChg chg="add mod">
-          <ac:chgData name="Paul Cabrelli" userId="S::paul@ccabrelli.onmicrosoft.com::ce59c9a4-a98c-414c-bd6b-3261e99c52b6" providerId="AD" clId="Web-{397F156E-9FF3-47F4-867E-53E44292364E}" dt="2018-08-31T13:43:42.383" v="327" actId="14100"/>
-          <ac:picMkLst>
-            <pc:docMk/>
-            <pc:sldMk cId="1192864228" sldId="274"/>
-            <ac:picMk id="6" creationId="{30A699D4-2DDC-421C-8CF0-5DF02CD64EF2}"/>
-          </ac:picMkLst>
-        </pc:picChg>
-      </pc:sldChg>
-      <pc:sldChg chg="modSp add replId">
-        <pc:chgData name="Paul Cabrelli" userId="S::paul@ccabrelli.onmicrosoft.com::ce59c9a4-a98c-414c-bd6b-3261e99c52b6" providerId="AD" clId="Web-{397F156E-9FF3-47F4-867E-53E44292364E}" dt="2018-08-31T13:45:22.181" v="374" actId="20577"/>
-        <pc:sldMkLst>
-          <pc:docMk/>
-          <pc:sldMk cId="953819148" sldId="275"/>
-        </pc:sldMkLst>
-        <pc:spChg chg="mod">
-          <ac:chgData name="Paul Cabrelli" userId="S::paul@ccabrelli.onmicrosoft.com::ce59c9a4-a98c-414c-bd6b-3261e99c52b6" providerId="AD" clId="Web-{397F156E-9FF3-47F4-867E-53E44292364E}" dt="2018-08-31T13:45:22.181" v="374" actId="20577"/>
-          <ac:spMkLst>
-            <pc:docMk/>
-            <pc:sldMk cId="953819148" sldId="275"/>
-            <ac:spMk id="2" creationId="{6387C35B-1465-4FB4-B60D-F2C6C5C1E9FF}"/>
-          </ac:spMkLst>
-        </pc:spChg>
-        <pc:spChg chg="mod">
-          <ac:chgData name="Paul Cabrelli" userId="S::paul@ccabrelli.onmicrosoft.com::ce59c9a4-a98c-414c-bd6b-3261e99c52b6" providerId="AD" clId="Web-{397F156E-9FF3-47F4-867E-53E44292364E}" dt="2018-08-31T13:44:52.852" v="351" actId="20577"/>
-          <ac:spMkLst>
-            <pc:docMk/>
-            <pc:sldMk cId="953819148" sldId="275"/>
-            <ac:spMk id="3" creationId="{CEB8C6C0-1E5A-4CF8-A7E4-17A42EBC5744}"/>
-          </ac:spMkLst>
-        </pc:spChg>
-      </pc:sldChg>
-    </pc:docChg>
-  </pc:docChgLst>
-  <pc:docChgLst>
-    <pc:chgData name="Paul Cabrelli" userId="S::paul@ccabrelli.onmicrosoft.com::ce59c9a4-a98c-414c-bd6b-3261e99c52b6" providerId="AD" clId="Web-{9DC66DD6-4646-4105-A45F-1B0365935DD4}"/>
-    <pc:docChg chg="modSld">
-      <pc:chgData name="Paul Cabrelli" userId="S::paul@ccabrelli.onmicrosoft.com::ce59c9a4-a98c-414c-bd6b-3261e99c52b6" providerId="AD" clId="Web-{9DC66DD6-4646-4105-A45F-1B0365935DD4}" dt="2018-08-31T14:45:20.053" v="0" actId="14100"/>
-      <pc:docMkLst>
-        <pc:docMk/>
-      </pc:docMkLst>
-      <pc:sldChg chg="modSp">
-        <pc:chgData name="Paul Cabrelli" userId="S::paul@ccabrelli.onmicrosoft.com::ce59c9a4-a98c-414c-bd6b-3261e99c52b6" providerId="AD" clId="Web-{9DC66DD6-4646-4105-A45F-1B0365935DD4}" dt="2018-08-31T14:45:20.053" v="0" actId="14100"/>
-        <pc:sldMkLst>
-          <pc:docMk/>
-          <pc:sldMk cId="696743190" sldId="267"/>
-        </pc:sldMkLst>
-        <pc:picChg chg="mod">
-          <ac:chgData name="Paul Cabrelli" userId="S::paul@ccabrelli.onmicrosoft.com::ce59c9a4-a98c-414c-bd6b-3261e99c52b6" providerId="AD" clId="Web-{9DC66DD6-4646-4105-A45F-1B0365935DD4}" dt="2018-08-31T14:45:20.053" v="0" actId="14100"/>
-          <ac:picMkLst>
-            <pc:docMk/>
-            <pc:sldMk cId="696743190" sldId="267"/>
-            <ac:picMk id="6" creationId="{6A669505-ED1B-4CB1-9A8C-C2756D1105A0}"/>
-          </ac:picMkLst>
-        </pc:picChg>
-      </pc:sldChg>
-    </pc:docChg>
-  </pc:docChgLst>
-</pc:chgInfo>
-</file>
-
 <file path=ppt/handoutMasters/handoutMaster1.xml><?xml version="1.0" encoding="utf-8"?>
 <p:handoutMaster xmlns:a="http://schemas.openxmlformats.org/drawingml/2006/main" xmlns:r="http://schemas.openxmlformats.org/officeDocument/2006/relationships" xmlns:p="http://schemas.openxmlformats.org/presentationml/2006/main">
   <p:cSld>
@@ -901,7 +393,7 @@
         <p:spPr>
           <a:xfrm>
             <a:off x="576264" y="179388"/>
-            <a:ext cx="5400675" cy="400110"/>
+            <a:ext cx="5400675" cy="246221"/>
           </a:xfrm>
           <a:prstGeom prst="rect">
             <a:avLst/>
@@ -924,22 +416,25 @@
               <a:defRPr/>
             </a:pPr>
             <a:r>
-              <a:rPr lang="en-GB" sz="1000" cap="all" spc="300" baseline="0" dirty="0" smtClean="0">
+              <a:rPr lang="en-GB" sz="1000" cap="all" spc="300" baseline="0" dirty="0">
                 <a:solidFill>
                   <a:schemeClr val="accent4"/>
                 </a:solidFill>
                 <a:latin typeface="Segoe UI" panose="020B0502040204020203" pitchFamily="34" charset="0"/>
                 <a:cs typeface="Segoe UI" panose="020B0502040204020203" pitchFamily="34" charset="0"/>
               </a:rPr>
-              <a:t>Microsoft Dynamics CRM &amp; Dynamics 365 Fast Track for Developers</a:t>
-            </a:r>
-            <a:endParaRPr lang="en-GB" sz="1000" cap="all" spc="300" baseline="0" dirty="0">
-              <a:solidFill>
-                <a:schemeClr val="accent1"/>
-              </a:solidFill>
-              <a:latin typeface="Segoe UI" panose="020B0502040204020203" pitchFamily="34" charset="0"/>
-              <a:cs typeface="Segoe UI" panose="020B0502040204020203" pitchFamily="34" charset="0"/>
-            </a:endParaRPr>
+              <a:t>Edit course title here</a:t>
+            </a:r>
+            <a:r>
+              <a:rPr lang="en-GB" sz="1000" cap="all" spc="300" baseline="0" dirty="0">
+                <a:solidFill>
+                  <a:schemeClr val="accent1"/>
+                </a:solidFill>
+                <a:latin typeface="Segoe UI" panose="020B0502040204020203" pitchFamily="34" charset="0"/>
+                <a:cs typeface="Segoe UI" panose="020B0502040204020203" pitchFamily="34" charset="0"/>
+              </a:rPr>
+              <a:t>	</a:t>
+            </a:r>
           </a:p>
         </p:txBody>
       </p:sp>
@@ -951,7 +446,7 @@
         </p:nvSpPr>
         <p:spPr>
           <a:xfrm>
-            <a:off x="793974" y="8663948"/>
+            <a:off x="892785" y="9590088"/>
             <a:ext cx="5400675" cy="246221"/>
           </a:xfrm>
           <a:prstGeom prst="rect">
@@ -1015,8 +510,8 @@
         </p:nvSpPr>
         <p:spPr>
           <a:xfrm>
-            <a:off x="570999" y="3952481"/>
-            <a:ext cx="5716002" cy="4536764"/>
+            <a:off x="570999" y="3952480"/>
+            <a:ext cx="5716002" cy="5461151"/>
           </a:xfrm>
           <a:prstGeom prst="rect">
             <a:avLst/>
@@ -1030,35 +525,35 @@
           <a:p>
             <a:pPr lvl="0"/>
             <a:r>
-              <a:rPr lang="en-US" noProof="0" dirty="0"/>
+              <a:rPr lang="en-US" noProof="0" dirty="0" smtClean="0"/>
               <a:t>Click to edit Master text styles</a:t>
             </a:r>
           </a:p>
           <a:p>
             <a:pPr lvl="1"/>
             <a:r>
-              <a:rPr lang="en-US" noProof="0" dirty="0"/>
+              <a:rPr lang="en-US" noProof="0" dirty="0" smtClean="0"/>
               <a:t>Second level</a:t>
             </a:r>
           </a:p>
           <a:p>
             <a:pPr lvl="2"/>
             <a:r>
-              <a:rPr lang="en-US" noProof="0" dirty="0"/>
+              <a:rPr lang="en-US" noProof="0" dirty="0" smtClean="0"/>
               <a:t>Third level</a:t>
             </a:r>
           </a:p>
           <a:p>
             <a:pPr lvl="3"/>
             <a:r>
-              <a:rPr lang="en-US" noProof="0" dirty="0"/>
+              <a:rPr lang="en-US" noProof="0" dirty="0" smtClean="0"/>
               <a:t>Fourth level</a:t>
             </a:r>
           </a:p>
           <a:p>
             <a:pPr lvl="4"/>
             <a:r>
-              <a:rPr lang="en-US" noProof="0" dirty="0"/>
+              <a:rPr lang="en-US" noProof="0" dirty="0" smtClean="0"/>
               <a:t>Fifth level</a:t>
             </a:r>
             <a:endParaRPr lang="en-GB" noProof="0" dirty="0"/>
@@ -1077,7 +572,7 @@
         </p:nvSpPr>
         <p:spPr>
           <a:xfrm>
-            <a:off x="3342188" y="8644662"/>
+            <a:off x="3440999" y="9570802"/>
             <a:ext cx="2944813" cy="265271"/>
           </a:xfrm>
           <a:prstGeom prst="rect">
@@ -1115,7 +610,7 @@
               <a:defRPr/>
             </a:pPr>
             <a:r>
-              <a:rPr lang="en-GB" dirty="0"/>
+              <a:rPr lang="en-GB" dirty="0" smtClean="0"/>
               <a:t>CONTINUED </a:t>
             </a:r>
             <a:fld id="{993982D2-741D-4BC6-8F8E-84F7C8891268}" type="slidenum">
@@ -1374,9 +869,8 @@
           <a:p>
             <a:r>
               <a:rPr lang="en-GB" dirty="0"/>
-              <a:t>Virtual entities replace previous client-side and server-side approaches to integrating external data, which required customized code and suffered from numerous limitations, including imperfect integration, data duplication, or extensive commitment of development resources. In addition, for administrators and system customizers, the use of virtual entities greatly simplifies administration and configuration</a:t>
-            </a:r>
-            <a:endParaRPr lang="en-US" dirty="0"/>
+              <a:t>What changes are in the latest version that are of interest to developers</a:t>
+            </a:r>
           </a:p>
         </p:txBody>
       </p:sp>
@@ -1393,7 +887,7 @@
 </p:notes>
 </file>
 
-<file path=ppt/notesSlides/notesSlide10.xml><?xml version="1.0" encoding="utf-8"?>
+<file path=ppt/notesSlides/notesSlide2.xml><?xml version="1.0" encoding="utf-8"?>
 <p:notes xmlns:a="http://schemas.openxmlformats.org/drawingml/2006/main" xmlns:r="http://schemas.openxmlformats.org/officeDocument/2006/relationships" xmlns:p="http://schemas.openxmlformats.org/presentationml/2006/main">
   <p:cSld>
     <p:spTree>
@@ -1443,564 +937,137 @@
           <a:lstStyle/>
           <a:p>
             <a:pPr rtl="0"/>
-            <a:endParaRPr lang="en-US" dirty="0"/>
+            <a:endParaRPr lang="en-US" dirty="0">
+              <a:effectLst/>
+            </a:endParaRPr>
           </a:p>
           <a:p>
             <a:pPr rtl="0"/>
             <a:endParaRPr lang="en-US" dirty="0">
               <a:effectLst/>
             </a:endParaRPr>
+          </a:p>
+          <a:p>
+            <a:pPr rtl="0"/>
+            <a:r>
+              <a:rPr lang="en-US" dirty="0">
+                <a:effectLst/>
+              </a:rPr>
+              <a:t>On a form, there can be multiple execution contexts active at the same time. For example, a form with a quick form and an editable grid will have a context for the entity displayed on the form, another context for the quick form, a grid context for the editable grid, and an entity context for each row in the editable grid. </a:t>
+            </a:r>
+            <a:r>
+              <a:rPr lang="en-US" b="1" dirty="0" err="1">
+                <a:effectLst/>
+              </a:rPr>
+              <a:t>Xrm.Page</a:t>
+            </a:r>
+            <a:r>
+              <a:rPr lang="en-US" dirty="0">
+                <a:effectLst/>
+              </a:rPr>
+              <a:t> is the primary form context. If a script is run on a secondary context (grid row, quick form, related entity) then </a:t>
+            </a:r>
+            <a:r>
+              <a:rPr lang="en-US" b="1" dirty="0" err="1">
+                <a:effectLst/>
+              </a:rPr>
+              <a:t>Xrm.Page</a:t>
+            </a:r>
+            <a:r>
+              <a:rPr lang="en-US" dirty="0">
+                <a:effectLst/>
+              </a:rPr>
+              <a:t> won’t be the correct form context.1 </a:t>
+            </a:r>
+          </a:p>
+          <a:p>
+            <a:pPr rtl="0"/>
+            <a:r>
+              <a:rPr lang="en-US" dirty="0">
+                <a:effectLst/>
+              </a:rPr>
+              <a:t>The execution context on a form is automatically passed to the form events and event handlers. So, instead of using the static </a:t>
+            </a:r>
+            <a:r>
+              <a:rPr lang="en-US" b="1" dirty="0" err="1">
+                <a:effectLst/>
+              </a:rPr>
+              <a:t>Xrm.Page</a:t>
+            </a:r>
+            <a:r>
+              <a:rPr lang="en-US" dirty="0">
+                <a:effectLst/>
+              </a:rPr>
+              <a:t> object to get the form context, you should now use the </a:t>
+            </a:r>
+            <a:r>
+              <a:rPr lang="en-US" b="1" dirty="0" err="1">
+                <a:effectLst/>
+              </a:rPr>
+              <a:t>executionContext.getFormContext</a:t>
+            </a:r>
+            <a:r>
+              <a:rPr lang="en-US" dirty="0">
+                <a:effectLst/>
+              </a:rPr>
+              <a:t> method to get the form context instance, and then use it to execute client API methods so that you can use same scripts on various contexts.+ </a:t>
+            </a:r>
+          </a:p>
+          <a:p>
+            <a:pPr rtl="0"/>
+            <a:r>
+              <a:rPr lang="en-US" dirty="0">
+                <a:effectLst/>
+              </a:rPr>
+              <a:t>Also, </a:t>
+            </a:r>
+            <a:r>
+              <a:rPr lang="en-US" dirty="0" err="1">
+                <a:effectLst/>
+                <a:hlinkClick r:id="rId3"/>
+              </a:rPr>
+              <a:t>Xrm.Page.context</a:t>
+            </a:r>
+            <a:r>
+              <a:rPr lang="en-US" dirty="0">
+                <a:effectLst/>
+              </a:rPr>
+              <a:t> that is used to reference the client-side context is deprecated in this release; you should now use the new </a:t>
+            </a:r>
+            <a:r>
+              <a:rPr lang="en-US" b="1" dirty="0" err="1">
+                <a:effectLst/>
+              </a:rPr>
+              <a:t>Xrm.Utility.getGlobalContext</a:t>
+            </a:r>
+            <a:r>
+              <a:rPr lang="en-US" dirty="0">
+                <a:effectLst/>
+              </a:rPr>
+              <a:t> method to get the global context instead of going through the form context. The new method contains an equivalent of all the methods available for the </a:t>
+            </a:r>
+            <a:r>
+              <a:rPr lang="en-US" b="1" dirty="0" err="1">
+                <a:effectLst/>
+              </a:rPr>
+              <a:t>Xrm.Page.context</a:t>
+            </a:r>
+            <a:r>
+              <a:rPr lang="en-US" dirty="0">
+                <a:effectLst/>
+              </a:rPr>
+              <a:t> object to retrieve information specific to an organization or a user.</a:t>
+            </a:r>
+          </a:p>
+          <a:p>
+            <a:endParaRPr lang="en-GB" dirty="0"/>
           </a:p>
         </p:txBody>
       </p:sp>
     </p:spTree>
     <p:extLst>
       <p:ext uri="{BB962C8B-B14F-4D97-AF65-F5344CB8AC3E}">
-        <p14:creationId xmlns:p14="http://schemas.microsoft.com/office/powerpoint/2010/main" val="1493807679"/>
-      </p:ext>
-    </p:extLst>
-  </p:cSld>
-  <p:clrMapOvr>
-    <a:masterClrMapping/>
-  </p:clrMapOvr>
-</p:notes>
-</file>
-
-<file path=ppt/notesSlides/notesSlide11.xml><?xml version="1.0" encoding="utf-8"?>
-<p:notes xmlns:a="http://schemas.openxmlformats.org/drawingml/2006/main" xmlns:r="http://schemas.openxmlformats.org/officeDocument/2006/relationships" xmlns:p="http://schemas.openxmlformats.org/presentationml/2006/main">
-  <p:cSld>
-    <p:spTree>
-      <p:nvGrpSpPr>
-        <p:cNvPr id="1" name=""/>
-        <p:cNvGrpSpPr/>
-        <p:nvPr/>
-      </p:nvGrpSpPr>
-      <p:grpSpPr>
-        <a:xfrm>
-          <a:off x="0" y="0"/>
-          <a:ext cx="0" cy="0"/>
-          <a:chOff x="0" y="0"/>
-          <a:chExt cx="0" cy="0"/>
-        </a:xfrm>
-      </p:grpSpPr>
-      <p:sp>
-        <p:nvSpPr>
-          <p:cNvPr id="2" name="Slide Image Placeholder 1"/>
-          <p:cNvSpPr>
-            <a:spLocks noGrp="1" noRot="1" noChangeAspect="1"/>
-          </p:cNvSpPr>
-          <p:nvPr>
-            <p:ph type="sldImg"/>
-          </p:nvPr>
-        </p:nvSpPr>
-        <p:spPr>
-          <a:xfrm>
-            <a:off x="571500" y="581025"/>
-            <a:ext cx="5715000" cy="3216275"/>
-          </a:xfrm>
-        </p:spPr>
-      </p:sp>
-      <p:sp>
-        <p:nvSpPr>
-          <p:cNvPr id="3" name="Notes Placeholder 2"/>
-          <p:cNvSpPr>
-            <a:spLocks noGrp="1"/>
-          </p:cNvSpPr>
-          <p:nvPr>
-            <p:ph type="body" idx="1"/>
-          </p:nvPr>
-        </p:nvSpPr>
-        <p:spPr/>
-        <p:txBody>
-          <a:bodyPr/>
-          <a:lstStyle/>
-          <a:p>
-            <a:pPr rtl="0"/>
-            <a:endParaRPr lang="en-US" dirty="0"/>
-          </a:p>
-          <a:p>
-            <a:r>
-              <a:rPr lang="en-US"/>
-              <a:t>Name and ID fields for virtual entity are automatically created but mapping must be completed as shown in the slides</a:t>
-            </a:r>
-            <a:endParaRPr lang="en-US" dirty="0">
-              <a:effectLst/>
-            </a:endParaRPr>
-          </a:p>
-        </p:txBody>
-      </p:sp>
-    </p:spTree>
-    <p:extLst>
-      <p:ext uri="{BB962C8B-B14F-4D97-AF65-F5344CB8AC3E}">
-        <p14:creationId xmlns:p14="http://schemas.microsoft.com/office/powerpoint/2010/main" val="3527835709"/>
-      </p:ext>
-    </p:extLst>
-  </p:cSld>
-  <p:clrMapOvr>
-    <a:masterClrMapping/>
-  </p:clrMapOvr>
-</p:notes>
-</file>
-
-<file path=ppt/notesSlides/notesSlide12.xml><?xml version="1.0" encoding="utf-8"?>
-<p:notes xmlns:a="http://schemas.openxmlformats.org/drawingml/2006/main" xmlns:r="http://schemas.openxmlformats.org/officeDocument/2006/relationships" xmlns:p="http://schemas.openxmlformats.org/presentationml/2006/main">
-  <p:cSld>
-    <p:spTree>
-      <p:nvGrpSpPr>
-        <p:cNvPr id="1" name=""/>
-        <p:cNvGrpSpPr/>
-        <p:nvPr/>
-      </p:nvGrpSpPr>
-      <p:grpSpPr>
-        <a:xfrm>
-          <a:off x="0" y="0"/>
-          <a:ext cx="0" cy="0"/>
-          <a:chOff x="0" y="0"/>
-          <a:chExt cx="0" cy="0"/>
-        </a:xfrm>
-      </p:grpSpPr>
-      <p:sp>
-        <p:nvSpPr>
-          <p:cNvPr id="2" name="Slide Image Placeholder 1"/>
-          <p:cNvSpPr>
-            <a:spLocks noGrp="1" noRot="1" noChangeAspect="1"/>
-          </p:cNvSpPr>
-          <p:nvPr>
-            <p:ph type="sldImg"/>
-          </p:nvPr>
-        </p:nvSpPr>
-        <p:spPr>
-          <a:xfrm>
-            <a:off x="571500" y="581025"/>
-            <a:ext cx="5715000" cy="3216275"/>
-          </a:xfrm>
-        </p:spPr>
-      </p:sp>
-      <p:sp>
-        <p:nvSpPr>
-          <p:cNvPr id="3" name="Notes Placeholder 2"/>
-          <p:cNvSpPr>
-            <a:spLocks noGrp="1"/>
-          </p:cNvSpPr>
-          <p:nvPr>
-            <p:ph type="body" idx="1"/>
-          </p:nvPr>
-        </p:nvSpPr>
-        <p:spPr/>
-        <p:txBody>
-          <a:bodyPr/>
-          <a:lstStyle/>
-          <a:p>
-            <a:pPr rtl="0"/>
-            <a:endParaRPr lang="en-US" dirty="0"/>
-          </a:p>
-          <a:p>
-            <a:pPr rtl="0"/>
-            <a:endParaRPr lang="en-US" dirty="0">
-              <a:effectLst/>
-            </a:endParaRPr>
-          </a:p>
-        </p:txBody>
-      </p:sp>
-    </p:spTree>
-    <p:extLst>
-      <p:ext uri="{BB962C8B-B14F-4D97-AF65-F5344CB8AC3E}">
-        <p14:creationId xmlns:p14="http://schemas.microsoft.com/office/powerpoint/2010/main" val="1135821608"/>
-      </p:ext>
-    </p:extLst>
-  </p:cSld>
-  <p:clrMapOvr>
-    <a:masterClrMapping/>
-  </p:clrMapOvr>
-</p:notes>
-</file>
-
-<file path=ppt/notesSlides/notesSlide13.xml><?xml version="1.0" encoding="utf-8"?>
-<p:notes xmlns:a="http://schemas.openxmlformats.org/drawingml/2006/main" xmlns:r="http://schemas.openxmlformats.org/officeDocument/2006/relationships" xmlns:p="http://schemas.openxmlformats.org/presentationml/2006/main">
-  <p:cSld>
-    <p:spTree>
-      <p:nvGrpSpPr>
-        <p:cNvPr id="1" name=""/>
-        <p:cNvGrpSpPr/>
-        <p:nvPr/>
-      </p:nvGrpSpPr>
-      <p:grpSpPr>
-        <a:xfrm>
-          <a:off x="0" y="0"/>
-          <a:ext cx="0" cy="0"/>
-          <a:chOff x="0" y="0"/>
-          <a:chExt cx="0" cy="0"/>
-        </a:xfrm>
-      </p:grpSpPr>
-      <p:sp>
-        <p:nvSpPr>
-          <p:cNvPr id="2" name="Slide Image Placeholder 1"/>
-          <p:cNvSpPr>
-            <a:spLocks noGrp="1" noRot="1" noChangeAspect="1"/>
-          </p:cNvSpPr>
-          <p:nvPr>
-            <p:ph type="sldImg"/>
-          </p:nvPr>
-        </p:nvSpPr>
-        <p:spPr>
-          <a:xfrm>
-            <a:off x="571500" y="581025"/>
-            <a:ext cx="5715000" cy="3216275"/>
-          </a:xfrm>
-        </p:spPr>
-      </p:sp>
-      <p:sp>
-        <p:nvSpPr>
-          <p:cNvPr id="3" name="Notes Placeholder 2"/>
-          <p:cNvSpPr>
-            <a:spLocks noGrp="1"/>
-          </p:cNvSpPr>
-          <p:nvPr>
-            <p:ph type="body" idx="1"/>
-          </p:nvPr>
-        </p:nvSpPr>
-        <p:spPr/>
-        <p:txBody>
-          <a:bodyPr/>
-          <a:lstStyle/>
-          <a:p>
-            <a:pPr rtl="0"/>
-            <a:endParaRPr lang="en-US" dirty="0"/>
-          </a:p>
-          <a:p>
-            <a:pPr rtl="0"/>
-            <a:endParaRPr lang="en-US" dirty="0">
-              <a:effectLst/>
-            </a:endParaRPr>
-          </a:p>
-        </p:txBody>
-      </p:sp>
-    </p:spTree>
-    <p:extLst>
-      <p:ext uri="{BB962C8B-B14F-4D97-AF65-F5344CB8AC3E}">
-        <p14:creationId xmlns:p14="http://schemas.microsoft.com/office/powerpoint/2010/main" val="172892934"/>
-      </p:ext>
-    </p:extLst>
-  </p:cSld>
-  <p:clrMapOvr>
-    <a:masterClrMapping/>
-  </p:clrMapOvr>
-</p:notes>
-</file>
-
-<file path=ppt/notesSlides/notesSlide14.xml><?xml version="1.0" encoding="utf-8"?>
-<p:notes xmlns:a="http://schemas.openxmlformats.org/drawingml/2006/main" xmlns:r="http://schemas.openxmlformats.org/officeDocument/2006/relationships" xmlns:p="http://schemas.openxmlformats.org/presentationml/2006/main">
-  <p:cSld>
-    <p:spTree>
-      <p:nvGrpSpPr>
-        <p:cNvPr id="1" name=""/>
-        <p:cNvGrpSpPr/>
-        <p:nvPr/>
-      </p:nvGrpSpPr>
-      <p:grpSpPr>
-        <a:xfrm>
-          <a:off x="0" y="0"/>
-          <a:ext cx="0" cy="0"/>
-          <a:chOff x="0" y="0"/>
-          <a:chExt cx="0" cy="0"/>
-        </a:xfrm>
-      </p:grpSpPr>
-      <p:sp>
-        <p:nvSpPr>
-          <p:cNvPr id="2" name="Slide Image Placeholder 1"/>
-          <p:cNvSpPr>
-            <a:spLocks noGrp="1" noRot="1" noChangeAspect="1"/>
-          </p:cNvSpPr>
-          <p:nvPr>
-            <p:ph type="sldImg"/>
-          </p:nvPr>
-        </p:nvSpPr>
-        <p:spPr>
-          <a:xfrm>
-            <a:off x="571500" y="581025"/>
-            <a:ext cx="5715000" cy="3216275"/>
-          </a:xfrm>
-        </p:spPr>
-      </p:sp>
-      <p:sp>
-        <p:nvSpPr>
-          <p:cNvPr id="3" name="Notes Placeholder 2"/>
-          <p:cNvSpPr>
-            <a:spLocks noGrp="1"/>
-          </p:cNvSpPr>
-          <p:nvPr>
-            <p:ph type="body" idx="1"/>
-          </p:nvPr>
-        </p:nvSpPr>
-        <p:spPr/>
-        <p:txBody>
-          <a:bodyPr/>
-          <a:lstStyle/>
-          <a:p>
-            <a:pPr rtl="0"/>
-            <a:endParaRPr lang="en-US" dirty="0"/>
-          </a:p>
-          <a:p>
-            <a:pPr rtl="0"/>
-            <a:endParaRPr lang="en-US" dirty="0">
-              <a:effectLst/>
-            </a:endParaRPr>
-          </a:p>
-        </p:txBody>
-      </p:sp>
-    </p:spTree>
-    <p:extLst>
-      <p:ext uri="{BB962C8B-B14F-4D97-AF65-F5344CB8AC3E}">
-        <p14:creationId xmlns:p14="http://schemas.microsoft.com/office/powerpoint/2010/main" val="3677865043"/>
-      </p:ext>
-    </p:extLst>
-  </p:cSld>
-  <p:clrMapOvr>
-    <a:masterClrMapping/>
-  </p:clrMapOvr>
-</p:notes>
-</file>
-
-<file path=ppt/notesSlides/notesSlide15.xml><?xml version="1.0" encoding="utf-8"?>
-<p:notes xmlns:a="http://schemas.openxmlformats.org/drawingml/2006/main" xmlns:r="http://schemas.openxmlformats.org/officeDocument/2006/relationships" xmlns:p="http://schemas.openxmlformats.org/presentationml/2006/main">
-  <p:cSld>
-    <p:spTree>
-      <p:nvGrpSpPr>
-        <p:cNvPr id="1" name=""/>
-        <p:cNvGrpSpPr/>
-        <p:nvPr/>
-      </p:nvGrpSpPr>
-      <p:grpSpPr>
-        <a:xfrm>
-          <a:off x="0" y="0"/>
-          <a:ext cx="0" cy="0"/>
-          <a:chOff x="0" y="0"/>
-          <a:chExt cx="0" cy="0"/>
-        </a:xfrm>
-      </p:grpSpPr>
-      <p:sp>
-        <p:nvSpPr>
-          <p:cNvPr id="2" name="Slide Image Placeholder 1"/>
-          <p:cNvSpPr>
-            <a:spLocks noGrp="1" noRot="1" noChangeAspect="1"/>
-          </p:cNvSpPr>
-          <p:nvPr>
-            <p:ph type="sldImg"/>
-          </p:nvPr>
-        </p:nvSpPr>
-        <p:spPr>
-          <a:xfrm>
-            <a:off x="571500" y="581025"/>
-            <a:ext cx="5715000" cy="3216275"/>
-          </a:xfrm>
-        </p:spPr>
-      </p:sp>
-      <p:sp>
-        <p:nvSpPr>
-          <p:cNvPr id="3" name="Notes Placeholder 2"/>
-          <p:cNvSpPr>
-            <a:spLocks noGrp="1"/>
-          </p:cNvSpPr>
-          <p:nvPr>
-            <p:ph type="body" idx="1"/>
-          </p:nvPr>
-        </p:nvSpPr>
-        <p:spPr/>
-        <p:txBody>
-          <a:bodyPr/>
-          <a:lstStyle/>
-          <a:p>
-            <a:pPr rtl="0"/>
-            <a:r>
-              <a:rPr lang="en-US" dirty="0"/>
-              <a:t>A virtual entity is a definition of an entity in the Dynamics 365 platform metadata without the associated physical tables for entity instances created in the Dynamics 365 database. Instead during runtime, when an entity instance is required, its state is dynamically retrieved from the associated external system. Each virtual entity type is associated with a </a:t>
-            </a:r>
-            <a:r>
-              <a:rPr lang="en-US" i="1" dirty="0"/>
-              <a:t>virtual entity data provider</a:t>
-            </a:r>
-            <a:r>
-              <a:rPr lang="en-US" dirty="0"/>
-              <a:t> and (optionally) some configuration information from an associated </a:t>
-            </a:r>
-            <a:r>
-              <a:rPr lang="en-US" i="1" dirty="0"/>
-              <a:t>virtual entity data source</a:t>
-            </a:r>
-            <a:r>
-              <a:rPr lang="en-US" dirty="0"/>
-              <a:t>.</a:t>
-            </a:r>
-          </a:p>
-          <a:p>
-            <a:pPr rtl="0"/>
-            <a:r>
-              <a:rPr lang="en-US" dirty="0"/>
-              <a:t>A data provider is a particular type of Dynamics 365 </a:t>
-            </a:r>
-            <a:r>
-              <a:rPr lang="en-US" dirty="0">
-                <a:hlinkClick r:id="rId3"/>
-              </a:rPr>
-              <a:t>plugin</a:t>
-            </a:r>
-            <a:r>
-              <a:rPr lang="en-US" dirty="0"/>
-              <a:t>, which is registered against CRUD events that occur in the platform. This initial release only supports READ operations.</a:t>
-            </a:r>
-          </a:p>
-          <a:p>
-            <a:pPr rtl="0"/>
-            <a:r>
-              <a:rPr lang="en-US" dirty="0"/>
-              <a:t>The following data providers ship with Dynamics 365 (online), version 9.0:</a:t>
-            </a:r>
-          </a:p>
-          <a:p>
-            <a:pPr rtl="0"/>
-            <a:r>
-              <a:rPr lang="en-US" dirty="0"/>
-              <a:t>An </a:t>
-            </a:r>
-            <a:r>
-              <a:rPr lang="en-US" dirty="0">
-                <a:hlinkClick r:id="rId4"/>
-              </a:rPr>
-              <a:t>OData v4</a:t>
-            </a:r>
-            <a:r>
-              <a:rPr lang="en-US" dirty="0"/>
-              <a:t> provider is included with the service and is installed by default.</a:t>
-            </a:r>
-          </a:p>
-          <a:p>
-            <a:pPr rtl="0"/>
-            <a:r>
-              <a:rPr lang="en-US" dirty="0"/>
-              <a:t>An </a:t>
-            </a:r>
-            <a:r>
-              <a:rPr lang="en-US" dirty="0">
-                <a:hlinkClick r:id="rId5"/>
-              </a:rPr>
-              <a:t>Azure Cosmos DB</a:t>
-            </a:r>
-            <a:r>
-              <a:rPr lang="en-US" dirty="0"/>
-              <a:t> (formerly </a:t>
-            </a:r>
-            <a:r>
-              <a:rPr lang="en-US" i="1" dirty="0"/>
-              <a:t>Microsoft Document DB</a:t>
-            </a:r>
-            <a:r>
-              <a:rPr lang="en-US" dirty="0"/>
-              <a:t>) provider is available from </a:t>
-            </a:r>
-            <a:r>
-              <a:rPr lang="en-US" dirty="0" err="1">
-                <a:hlinkClick r:id="rId6"/>
-              </a:rPr>
-              <a:t>AppSource</a:t>
-            </a:r>
-            <a:r>
-              <a:rPr lang="en-US" dirty="0"/>
-              <a:t>.</a:t>
-            </a:r>
-          </a:p>
-          <a:p>
-            <a:pPr rtl="0"/>
-            <a:r>
-              <a:rPr lang="en-US" dirty="0"/>
-              <a:t>Additional providers will be made available by Microsoft, its partners, or other third parties. If a data provider cannot be found for your external data source, you can develop a </a:t>
-            </a:r>
-            <a:r>
-              <a:rPr lang="en-US" i="1" dirty="0"/>
-              <a:t>custom virtual entity data provider</a:t>
-            </a:r>
-            <a:r>
-              <a:rPr lang="en-US" dirty="0"/>
-              <a:t>; for more information, </a:t>
-            </a:r>
-            <a:r>
-              <a:rPr lang="en-US"/>
-              <a:t>see https://docs.microsoft.com/en-us/dynamics365/customer-engagement/developer/virtual-entities/custom-ve-data-providers</a:t>
-            </a:r>
-            <a:endParaRPr lang="en-US" dirty="0"/>
-          </a:p>
-          <a:p>
-            <a:pPr rtl="0"/>
-            <a:endParaRPr lang="en-US" dirty="0">
-              <a:effectLst/>
-            </a:endParaRPr>
-          </a:p>
-        </p:txBody>
-      </p:sp>
-    </p:spTree>
-    <p:extLst>
-      <p:ext uri="{BB962C8B-B14F-4D97-AF65-F5344CB8AC3E}">
-        <p14:creationId xmlns:p14="http://schemas.microsoft.com/office/powerpoint/2010/main" val="1028513507"/>
-      </p:ext>
-    </p:extLst>
-  </p:cSld>
-  <p:clrMapOvr>
-    <a:masterClrMapping/>
-  </p:clrMapOvr>
-</p:notes>
-</file>
-
-<file path=ppt/notesSlides/notesSlide2.xml><?xml version="1.0" encoding="utf-8"?>
-<p:notes xmlns:a="http://schemas.openxmlformats.org/drawingml/2006/main" xmlns:r="http://schemas.openxmlformats.org/officeDocument/2006/relationships" xmlns:p="http://schemas.openxmlformats.org/presentationml/2006/main">
-  <p:cSld>
-    <p:spTree>
-      <p:nvGrpSpPr>
-        <p:cNvPr id="1" name=""/>
-        <p:cNvGrpSpPr/>
-        <p:nvPr/>
-      </p:nvGrpSpPr>
-      <p:grpSpPr>
-        <a:xfrm>
-          <a:off x="0" y="0"/>
-          <a:ext cx="0" cy="0"/>
-          <a:chOff x="0" y="0"/>
-          <a:chExt cx="0" cy="0"/>
-        </a:xfrm>
-      </p:grpSpPr>
-      <p:sp>
-        <p:nvSpPr>
-          <p:cNvPr id="2" name="Slide Image Placeholder 1"/>
-          <p:cNvSpPr>
-            <a:spLocks noGrp="1" noRot="1" noChangeAspect="1"/>
-          </p:cNvSpPr>
-          <p:nvPr>
-            <p:ph type="sldImg"/>
-          </p:nvPr>
-        </p:nvSpPr>
-        <p:spPr/>
-      </p:sp>
-      <p:sp>
-        <p:nvSpPr>
-          <p:cNvPr id="3" name="Notes Placeholder 2"/>
-          <p:cNvSpPr>
-            <a:spLocks noGrp="1"/>
-          </p:cNvSpPr>
-          <p:nvPr>
-            <p:ph type="body" idx="1"/>
-          </p:nvPr>
-        </p:nvSpPr>
-        <p:spPr/>
-        <p:txBody>
-          <a:bodyPr/>
-          <a:lstStyle/>
-          <a:p>
-            <a:endParaRPr lang="en-GB"/>
-          </a:p>
-        </p:txBody>
-      </p:sp>
-    </p:spTree>
-    <p:extLst>
-      <p:ext uri="{BB962C8B-B14F-4D97-AF65-F5344CB8AC3E}">
-        <p14:creationId xmlns:p14="http://schemas.microsoft.com/office/powerpoint/2010/main" val="1567065168"/>
+        <p14:creationId xmlns:p14="http://schemas.microsoft.com/office/powerpoint/2010/main" val="3483253084"/>
       </p:ext>
     </p:extLst>
   </p:cSld>
@@ -2060,10 +1127,272 @@
           <a:lstStyle/>
           <a:p>
             <a:pPr rtl="0"/>
-            <a:r>
-              <a:rPr lang="en-US" dirty="0"/>
-              <a:t>Starting with the Dynamics 365 (online), version 9.0, virtual entities enable the integration of data residing in external systems by seamlessly representing that data as entities in Dynamics 365, without replication of data and often without custom coding. The initial implementation of this feature provides just read-only support for such entities, and has a number of other limitations.</a:t>
-            </a:r>
+            <a:endParaRPr lang="en-US" dirty="0">
+              <a:effectLst/>
+            </a:endParaRPr>
+          </a:p>
+          <a:p>
+            <a:pPr rtl="0"/>
+            <a:r>
+              <a:rPr lang="en-GB" dirty="0">
+                <a:effectLst/>
+              </a:rPr>
+              <a:t>Previously, the Social Pane was not accessible programmatically. As a result, if you created an activity via the </a:t>
+            </a:r>
+            <a:r>
+              <a:rPr lang="en-GB" dirty="0" err="1">
+                <a:effectLst/>
+              </a:rPr>
+              <a:t>WebApi</a:t>
+            </a:r>
+            <a:r>
+              <a:rPr lang="en-GB" dirty="0">
+                <a:effectLst/>
+              </a:rPr>
+              <a:t>, you would have to click on ‘Activities’ on the social pane to refresh it. Thankfully the new timeline functionality is a proper control in it’s own right and is called ‘</a:t>
+            </a:r>
+            <a:r>
+              <a:rPr lang="en-GB" dirty="0" err="1">
+                <a:effectLst/>
+              </a:rPr>
+              <a:t>timelinewall</a:t>
+            </a:r>
+            <a:r>
+              <a:rPr lang="en-GB" dirty="0">
+                <a:effectLst/>
+              </a:rPr>
+              <a:t>’. As such, it is API aware and supports the standard </a:t>
+            </a:r>
+            <a:r>
+              <a:rPr lang="en-GB" dirty="0" err="1">
+                <a:effectLst/>
+              </a:rPr>
+              <a:t>Xrm</a:t>
+            </a:r>
+            <a:r>
+              <a:rPr lang="en-GB" dirty="0">
+                <a:effectLst/>
+              </a:rPr>
+              <a:t> methods such as </a:t>
+            </a:r>
+            <a:r>
+              <a:rPr lang="en-GB" dirty="0" err="1">
+                <a:effectLst/>
+              </a:rPr>
+              <a:t>getControlType</a:t>
+            </a:r>
+            <a:r>
+              <a:rPr lang="en-GB" dirty="0">
+                <a:effectLst/>
+              </a:rPr>
+              <a:t>, </a:t>
+            </a:r>
+            <a:r>
+              <a:rPr lang="en-GB" dirty="0" err="1">
+                <a:effectLst/>
+              </a:rPr>
+              <a:t>getName</a:t>
+            </a:r>
+            <a:r>
+              <a:rPr lang="en-GB" dirty="0">
+                <a:effectLst/>
+              </a:rPr>
+              <a:t>, </a:t>
+            </a:r>
+            <a:r>
+              <a:rPr lang="en-GB" dirty="0" err="1">
+                <a:effectLst/>
+              </a:rPr>
+              <a:t>getLabel</a:t>
+            </a:r>
+            <a:r>
+              <a:rPr lang="en-GB" dirty="0">
+                <a:effectLst/>
+              </a:rPr>
+              <a:t>, </a:t>
+            </a:r>
+            <a:r>
+              <a:rPr lang="en-GB" dirty="0" err="1">
+                <a:effectLst/>
+              </a:rPr>
+              <a:t>setLabel</a:t>
+            </a:r>
+            <a:r>
+              <a:rPr lang="en-GB" dirty="0">
+                <a:effectLst/>
+              </a:rPr>
+              <a:t>, </a:t>
+            </a:r>
+            <a:r>
+              <a:rPr lang="en-GB" dirty="0" err="1">
+                <a:effectLst/>
+              </a:rPr>
+              <a:t>getVisible</a:t>
+            </a:r>
+            <a:r>
+              <a:rPr lang="en-GB" dirty="0">
+                <a:effectLst/>
+              </a:rPr>
+              <a:t>, </a:t>
+            </a:r>
+            <a:r>
+              <a:rPr lang="en-GB" dirty="0" err="1">
+                <a:effectLst/>
+              </a:rPr>
+              <a:t>setVisible</a:t>
+            </a:r>
+            <a:r>
+              <a:rPr lang="en-GB" dirty="0">
+                <a:effectLst/>
+              </a:rPr>
+              <a:t>, </a:t>
+            </a:r>
+            <a:r>
+              <a:rPr lang="en-GB" dirty="0" err="1">
+                <a:effectLst/>
+              </a:rPr>
+              <a:t>setFocus</a:t>
+            </a:r>
+            <a:r>
+              <a:rPr lang="en-GB" dirty="0">
+                <a:effectLst/>
+              </a:rPr>
+              <a:t> and refresh.</a:t>
+            </a:r>
+            <a:endParaRPr lang="en-US" dirty="0">
+              <a:effectLst/>
+            </a:endParaRPr>
+          </a:p>
+          <a:p>
+            <a:pPr rtl="0"/>
+            <a:endParaRPr lang="en-US" dirty="0">
+              <a:effectLst/>
+            </a:endParaRPr>
+          </a:p>
+          <a:p>
+            <a:pPr rtl="0"/>
+            <a:r>
+              <a:rPr lang="en-GB" dirty="0">
+                <a:effectLst/>
+              </a:rPr>
+              <a:t>Fix clicking wrong link. A user is looking at a list of records where the second column is the related contact. They want to open a record, but open the contact instead. Now we can get rid of this annoying behaviour with the ‘Override the default open behaviour of data rows in an entity-bound grid’. </a:t>
+            </a:r>
+            <a:endParaRPr lang="en-US" dirty="0">
+              <a:effectLst/>
+            </a:endParaRPr>
+          </a:p>
+          <a:p>
+            <a:pPr rtl="0"/>
+            <a:endParaRPr lang="en-US" dirty="0">
+              <a:effectLst/>
+            </a:endParaRPr>
+          </a:p>
+          <a:p>
+            <a:pPr rtl="0"/>
+            <a:endParaRPr lang="en-US" dirty="0">
+              <a:effectLst/>
+            </a:endParaRPr>
+          </a:p>
+          <a:p>
+            <a:pPr rtl="0"/>
+            <a:r>
+              <a:rPr lang="en-US" dirty="0">
+                <a:effectLst/>
+              </a:rPr>
+              <a:t>Multi-select option sets are available for </a:t>
+            </a:r>
+            <a:r>
+              <a:rPr lang="en-US" dirty="0">
+                <a:effectLst/>
+                <a:hlinkClick r:id="rId3"/>
+              </a:rPr>
+              <a:t>Unified Interface</a:t>
+            </a:r>
+            <a:r>
+              <a:rPr lang="en-US" dirty="0">
+                <a:effectLst/>
+              </a:rPr>
+              <a:t> and the web client. Multi-select option sets are available for the following form types: Main, Quick Create, and Quick View. Multi-select option sets won’t be supported on legacy forms.+ </a:t>
+            </a:r>
+          </a:p>
+          <a:p>
+            <a:pPr rtl="0"/>
+            <a:r>
+              <a:rPr lang="en-US" dirty="0">
+                <a:effectLst/>
+              </a:rPr>
+              <a:t>Multi-select option sets supports all the client APIs supported for the option sets </a:t>
+            </a:r>
+            <a:r>
+              <a:rPr lang="en-US" dirty="0">
+                <a:effectLst/>
+                <a:hlinkClick r:id="rId4"/>
+              </a:rPr>
+              <a:t>attributes</a:t>
+            </a:r>
+            <a:r>
+              <a:rPr lang="en-US" dirty="0">
+                <a:effectLst/>
+              </a:rPr>
+              <a:t> and </a:t>
+            </a:r>
+            <a:r>
+              <a:rPr lang="en-US" dirty="0">
+                <a:effectLst/>
+                <a:hlinkClick r:id="rId5"/>
+              </a:rPr>
+              <a:t>controls</a:t>
+            </a:r>
+            <a:r>
+              <a:rPr lang="en-US" dirty="0">
+                <a:effectLst/>
+              </a:rPr>
+              <a:t>; the only difference is that the return value of certain methods will be an array instead of a single value. + </a:t>
+            </a:r>
+          </a:p>
+          <a:p>
+            <a:pPr rtl="0"/>
+            <a:r>
+              <a:rPr lang="en-US" dirty="0">
+                <a:effectLst/>
+              </a:rPr>
+              <a:t>You can also set the value for multi-select option set fields for new records by specifying integer values for the options in the URL that is used to open the form.</a:t>
+            </a:r>
+          </a:p>
+          <a:p>
+            <a:pPr rtl="0"/>
+            <a:endParaRPr lang="en-US" dirty="0">
+              <a:effectLst/>
+            </a:endParaRPr>
+          </a:p>
+          <a:p>
+            <a:r>
+              <a:rPr lang="en-GB" dirty="0"/>
+              <a:t>Virtual entities enable the integration of data residing in external systems by seamlessly representing that data as entities in Dynamics 365, without replication of data and often without custom coding.</a:t>
+            </a:r>
+          </a:p>
+          <a:p>
+            <a:r>
+              <a:rPr lang="en-GB" dirty="0"/>
+              <a:t>Virtual entities replace previous client-side and server-side approaches to integrating external data, which required customized code and suffered from numerous limitations, including imperfect integration, data duplication, or extensive commitment of development resources. In addition, for administrators and system customizers, the use of virtual entities greatly simplifies administration and configuration</a:t>
+            </a:r>
+          </a:p>
+          <a:p>
+            <a:endParaRPr lang="en-GB" dirty="0"/>
+          </a:p>
+          <a:p>
+            <a:r>
+              <a:rPr lang="en-GB" dirty="0"/>
+              <a:t>A virtual entity is a definition of an entity in the Dynamics 365 platform metadata without the associated physical tables for entity instances created in the Dynamics 365 database. Instead during runtime, when an entity instance is required, its state is dynamically retrieved from the associated external system. Each virtual entity type is associated with a virtual entity data provider and (optionally) some configuration information from an associated virtual entity data source.</a:t>
+            </a:r>
+          </a:p>
+          <a:p>
+            <a:pPr rtl="0"/>
+            <a:endParaRPr lang="en-US" dirty="0">
+              <a:effectLst/>
+            </a:endParaRPr>
+          </a:p>
+          <a:p>
             <a:endParaRPr lang="en-GB" dirty="0"/>
           </a:p>
         </p:txBody>
@@ -2071,7 +1400,7 @@
     </p:spTree>
     <p:extLst>
       <p:ext uri="{BB962C8B-B14F-4D97-AF65-F5344CB8AC3E}">
-        <p14:creationId xmlns:p14="http://schemas.microsoft.com/office/powerpoint/2010/main" val="3483253084"/>
+        <p14:creationId xmlns:p14="http://schemas.microsoft.com/office/powerpoint/2010/main" val="3039272188"/>
       </p:ext>
     </p:extLst>
   </p:cSld>
@@ -2138,75 +1467,88 @@
           <a:p>
             <a:pPr rtl="0"/>
             <a:r>
-              <a:rPr lang="en-US" dirty="0"/>
-              <a:t>In this release, there are some limitations to virtual entities that you need to be aware of when evaluating whether you can use virtual entities with your external data.</a:t>
-            </a:r>
-          </a:p>
-          <a:p>
-            <a:pPr rtl="0"/>
-            <a:r>
-              <a:rPr lang="en-US" dirty="0"/>
-              <a:t>Data is read-only. The virtual entity feature doesn’t support pushing changes made in Dynamics 365 back to the external system.</a:t>
-            </a:r>
-          </a:p>
-          <a:p>
-            <a:pPr rtl="0"/>
-            <a:r>
-              <a:rPr lang="en-US" dirty="0"/>
-              <a:t>Only organization-owned entities are supported. The security filtering applied to user-owned entities is not supported. Access to the virtual entity data can be turned on or off for individual users based on their security role. Field-level security is not supported.</a:t>
-            </a:r>
-          </a:p>
-          <a:p>
-            <a:pPr rtl="0"/>
-            <a:r>
-              <a:rPr lang="en-US" dirty="0"/>
-              <a:t>It must be possible to model the external data as a Dynamics 365 entity. This means:</a:t>
-            </a:r>
-          </a:p>
-          <a:p>
-            <a:pPr lvl="1" rtl="0"/>
-            <a:r>
-              <a:rPr lang="en-US" dirty="0"/>
-              <a:t>All entities in the external data source must have an associated GUID primary key.</a:t>
-            </a:r>
-          </a:p>
-          <a:p>
-            <a:pPr lvl="1" rtl="0"/>
-            <a:r>
-              <a:rPr lang="en-US" dirty="0"/>
-              <a:t>All entity properties must be represented as Dynamics 365 attributes. You can use simple types representing text, numbers, </a:t>
-            </a:r>
-            <a:r>
-              <a:rPr lang="en-US" dirty="0" err="1"/>
-              <a:t>optionsets</a:t>
-            </a:r>
-            <a:r>
-              <a:rPr lang="en-US" dirty="0"/>
-              <a:t>, dates, images, and lookups.</a:t>
-            </a:r>
-          </a:p>
-          <a:p>
-            <a:pPr lvl="1" rtl="0"/>
-            <a:r>
-              <a:rPr lang="en-US" dirty="0"/>
-              <a:t>You must be able to model any entity relationships in Dynamics 365.</a:t>
-            </a:r>
-          </a:p>
-          <a:p>
-            <a:pPr lvl="1" rtl="0"/>
-            <a:r>
-              <a:rPr lang="en-US" dirty="0"/>
-              <a:t>An attribute on a virtual entity cannot be calculated or rollup. Any desired calculations must be done on the external side, possibly within or directed by the data provider.</a:t>
-            </a:r>
-          </a:p>
-          <a:p>
-            <a:pPr rtl="0"/>
-            <a:endParaRPr lang="en-US" dirty="0">
+              <a:rPr lang="en-US" dirty="0">
+                <a:effectLst/>
+              </a:rPr>
+              <a:t>Dialogs are deprecated and are replaced by mobile task flows (available as of the December 2016 update), and business process flows. Both task flows and business process flows will continue to evolve to make the transition easier.</a:t>
+            </a:r>
+          </a:p>
+          <a:p>
+            <a:endParaRPr lang="en-GB" dirty="0"/>
+          </a:p>
+          <a:p>
+            <a:endParaRPr lang="en-GB" dirty="0">
               <a:effectLst/>
             </a:endParaRPr>
           </a:p>
           <a:p>
-            <a:pPr rtl="0"/>
+            <a:r>
+              <a:rPr lang="en-GB" dirty="0">
+                <a:effectLst/>
+              </a:rPr>
+              <a:t>Very few organisations use the Parature Knowledge Base</a:t>
+            </a:r>
+          </a:p>
+          <a:p>
+            <a:endParaRPr lang="en-GB" dirty="0">
+              <a:effectLst/>
+            </a:endParaRPr>
+          </a:p>
+          <a:p>
+            <a:endParaRPr lang="en-GB" dirty="0">
+              <a:effectLst/>
+            </a:endParaRPr>
+          </a:p>
+          <a:p>
+            <a:r>
+              <a:rPr lang="en-GB" dirty="0">
+                <a:effectLst/>
+              </a:rPr>
+              <a:t>Forget about registering plugins for Offline Access in future, Outlook client is deprecated.</a:t>
+            </a:r>
+          </a:p>
+          <a:p>
+            <a:endParaRPr lang="en-GB" dirty="0">
+              <a:effectLst/>
+            </a:endParaRPr>
+          </a:p>
+          <a:p>
+            <a:pPr marL="0" marR="0" lvl="0" indent="0" algn="l" defTabSz="914400" rtl="0" eaLnBrk="0" fontAlgn="base" latinLnBrk="0" hangingPunct="0">
+              <a:lnSpc>
+                <a:spcPct val="100000"/>
+              </a:lnSpc>
+              <a:spcBef>
+                <a:spcPts val="300"/>
+              </a:spcBef>
+              <a:spcAft>
+                <a:spcPts val="300"/>
+              </a:spcAft>
+              <a:buClrTx/>
+              <a:buSzTx/>
+              <a:buFontTx/>
+              <a:buNone/>
+              <a:tabLst>
+                <a:tab pos="273050" algn="l"/>
+                <a:tab pos="544513" algn="l"/>
+                <a:tab pos="796925" algn="l"/>
+                <a:tab pos="1069975" algn="l"/>
+                <a:tab pos="1343025" algn="l"/>
+                <a:tab pos="1614488" algn="l"/>
+                <a:tab pos="1887538" algn="l"/>
+                <a:tab pos="2159000" algn="l"/>
+                <a:tab pos="2413000" algn="l"/>
+                <a:tab pos="2684463" algn="l"/>
+              </a:tabLst>
+              <a:defRPr/>
+            </a:pPr>
+            <a:r>
+              <a:rPr lang="en-US" dirty="0">
+                <a:effectLst/>
+              </a:rPr>
+              <a:t>Some client APIs are deprecated, and you should use the new/improved client APIs instead </a:t>
+            </a:r>
+          </a:p>
+          <a:p>
             <a:endParaRPr lang="en-GB" dirty="0"/>
           </a:p>
         </p:txBody>
@@ -2273,136 +1615,95 @@
           <a:bodyPr/>
           <a:lstStyle/>
           <a:p>
-            <a:pPr rtl="0"/>
-            <a:r>
-              <a:rPr lang="en-US" dirty="0"/>
-              <a:t>A virtual entity is a definition of an entity in the Dynamics 365 platform metadata without the associated physical tables for entity instances created in the Dynamics 365 database. Instead during runtime, when an entity instance is required, its state is dynamically retrieved from the associated external system. Each virtual entity type is associated with a </a:t>
-            </a:r>
-            <a:r>
-              <a:rPr lang="en-US" i="1" dirty="0"/>
-              <a:t>virtual entity data provider</a:t>
-            </a:r>
-            <a:r>
-              <a:rPr lang="en-US" dirty="0"/>
-              <a:t> and (optionally) some configuration information from an associated </a:t>
-            </a:r>
-            <a:r>
-              <a:rPr lang="en-US" i="1" dirty="0"/>
-              <a:t>virtual entity data source</a:t>
-            </a:r>
-            <a:r>
-              <a:rPr lang="en-US" dirty="0"/>
-              <a:t>.</a:t>
-            </a:r>
-          </a:p>
-          <a:p>
-            <a:pPr rtl="0"/>
-            <a:r>
-              <a:rPr lang="en-US" dirty="0"/>
-              <a:t>A data provider is a particular type of Dynamics 365 </a:t>
-            </a:r>
-            <a:r>
-              <a:rPr lang="en-US" dirty="0">
-                <a:hlinkClick r:id="rId3"/>
-              </a:rPr>
-              <a:t>plugin</a:t>
-            </a:r>
-            <a:r>
-              <a:rPr lang="en-US" dirty="0"/>
-              <a:t>, which is registered against CRUD events that occur in the platform. This initial release only supports READ operations.</a:t>
-            </a:r>
-          </a:p>
-          <a:p>
-            <a:pPr rtl="0"/>
-            <a:r>
-              <a:rPr lang="en-US" dirty="0"/>
-              <a:t>The following data providers ship with Dynamics 365 (online), version 9.0:</a:t>
-            </a:r>
-          </a:p>
-          <a:p>
-            <a:pPr rtl="0"/>
-            <a:r>
-              <a:rPr lang="en-US" dirty="0"/>
-              <a:t>An </a:t>
-            </a:r>
-            <a:r>
-              <a:rPr lang="en-US" dirty="0">
-                <a:hlinkClick r:id="rId4"/>
-              </a:rPr>
-              <a:t>OData v4</a:t>
-            </a:r>
-            <a:r>
-              <a:rPr lang="en-US" dirty="0"/>
-              <a:t> provider is included with the service and is installed by default.</a:t>
-            </a:r>
-          </a:p>
-          <a:p>
-            <a:pPr rtl="0"/>
-            <a:r>
-              <a:rPr lang="en-US" dirty="0"/>
-              <a:t>An </a:t>
-            </a:r>
-            <a:r>
-              <a:rPr lang="en-US" dirty="0">
-                <a:hlinkClick r:id="rId5"/>
-              </a:rPr>
-              <a:t>Azure Cosmos DB</a:t>
-            </a:r>
-            <a:r>
-              <a:rPr lang="en-US" dirty="0"/>
-              <a:t> (formerly </a:t>
-            </a:r>
-            <a:r>
-              <a:rPr lang="en-US" i="1" dirty="0"/>
-              <a:t>Microsoft Document DB</a:t>
-            </a:r>
-            <a:r>
-              <a:rPr lang="en-US" dirty="0"/>
-              <a:t>) provider is available from </a:t>
-            </a:r>
-            <a:r>
-              <a:rPr lang="en-US" dirty="0" err="1">
-                <a:hlinkClick r:id="rId6"/>
-              </a:rPr>
-              <a:t>AppSource</a:t>
-            </a:r>
-            <a:r>
-              <a:rPr lang="en-US" dirty="0"/>
-              <a:t>.</a:t>
-            </a:r>
-          </a:p>
-          <a:p>
-            <a:pPr rtl="0"/>
-            <a:r>
-              <a:rPr lang="en-US" dirty="0"/>
-              <a:t>Additional providers will be made available by Microsoft, its partners, or other third parties. If a data provider cannot be found for your external data source, you can develop a </a:t>
-            </a:r>
-            <a:r>
-              <a:rPr lang="en-US" i="1" dirty="0"/>
-              <a:t>custom virtual entity data provider</a:t>
-            </a:r>
-            <a:r>
-              <a:rPr lang="en-US" dirty="0"/>
-              <a:t>; for more information, </a:t>
-            </a:r>
-            <a:r>
-              <a:rPr lang="en-US"/>
-              <a:t>see https://docs.microsoft.com/en-us/dynamics365/customer-engagement/developer/virtual-entities/custom-ve-data-providers</a:t>
-            </a:r>
-            <a:endParaRPr lang="en-US" dirty="0"/>
-          </a:p>
-          <a:p>
-            <a:pPr rtl="0"/>
-            <a:endParaRPr lang="en-US" dirty="0">
+            <a:endParaRPr lang="en-GB" dirty="0"/>
+          </a:p>
+          <a:p>
+            <a:endParaRPr lang="en-GB" dirty="0"/>
+          </a:p>
+          <a:p>
+            <a:endParaRPr lang="en-GB" dirty="0"/>
+          </a:p>
+          <a:p>
+            <a:endParaRPr lang="en-GB" dirty="0">
               <a:effectLst/>
             </a:endParaRPr>
+          </a:p>
+          <a:p>
+            <a:r>
+              <a:rPr lang="en-GB" dirty="0">
+                <a:effectLst/>
+              </a:rPr>
+              <a:t>Very few organisations use the Parature Knowledge Base</a:t>
+            </a:r>
+          </a:p>
+          <a:p>
+            <a:endParaRPr lang="en-GB" dirty="0">
+              <a:effectLst/>
+            </a:endParaRPr>
+          </a:p>
+          <a:p>
+            <a:endParaRPr lang="en-GB" dirty="0">
+              <a:effectLst/>
+            </a:endParaRPr>
+          </a:p>
+          <a:p>
+            <a:r>
+              <a:rPr lang="en-GB" dirty="0">
+                <a:effectLst/>
+              </a:rPr>
+              <a:t>Forget about registering plugins for Offline Access in future, Outlook client is deprecated.</a:t>
+            </a:r>
+          </a:p>
+          <a:p>
+            <a:endParaRPr lang="en-GB" dirty="0">
+              <a:effectLst/>
+            </a:endParaRPr>
+          </a:p>
+          <a:p>
+            <a:pPr marL="0" marR="0" lvl="0" indent="0" algn="l" defTabSz="914400" rtl="0" eaLnBrk="0" fontAlgn="base" latinLnBrk="0" hangingPunct="0">
+              <a:lnSpc>
+                <a:spcPct val="100000"/>
+              </a:lnSpc>
+              <a:spcBef>
+                <a:spcPts val="300"/>
+              </a:spcBef>
+              <a:spcAft>
+                <a:spcPts val="300"/>
+              </a:spcAft>
+              <a:buClrTx/>
+              <a:buSzTx/>
+              <a:buFontTx/>
+              <a:buNone/>
+              <a:tabLst>
+                <a:tab pos="273050" algn="l"/>
+                <a:tab pos="544513" algn="l"/>
+                <a:tab pos="796925" algn="l"/>
+                <a:tab pos="1069975" algn="l"/>
+                <a:tab pos="1343025" algn="l"/>
+                <a:tab pos="1614488" algn="l"/>
+                <a:tab pos="1887538" algn="l"/>
+                <a:tab pos="2159000" algn="l"/>
+                <a:tab pos="2413000" algn="l"/>
+                <a:tab pos="2684463" algn="l"/>
+              </a:tabLst>
+              <a:defRPr/>
+            </a:pPr>
+            <a:r>
+              <a:rPr lang="en-US" dirty="0">
+                <a:effectLst/>
+              </a:rPr>
+              <a:t>Some client APIs are deprecated, and you should use the new/improved client APIs instead </a:t>
+            </a:r>
+          </a:p>
+          <a:p>
+            <a:endParaRPr lang="en-GB" dirty="0"/>
           </a:p>
         </p:txBody>
       </p:sp>
     </p:spTree>
     <p:extLst>
       <p:ext uri="{BB962C8B-B14F-4D97-AF65-F5344CB8AC3E}">
-        <p14:creationId xmlns:p14="http://schemas.microsoft.com/office/powerpoint/2010/main" val="2440625536"/>
+        <p14:creationId xmlns:p14="http://schemas.microsoft.com/office/powerpoint/2010/main" val="3374025437"/>
       </p:ext>
     </p:extLst>
   </p:cSld>
@@ -2461,330 +1762,23 @@
           <a:bodyPr/>
           <a:lstStyle/>
           <a:p>
-            <a:r>
-              <a:rPr lang="en-US" dirty="0"/>
-              <a:t>There are two general categories of data provider you can create using the virtual entity data SDK assemblies: generic or targeted. The following describes these approaches and matches them to the data provider development model best suited for that approach.</a:t>
-            </a:r>
-          </a:p>
-          <a:p>
-            <a:endParaRPr lang="en-US" dirty="0"/>
-          </a:p>
-          <a:p>
-            <a:endParaRPr lang="en-US" dirty="0"/>
-          </a:p>
-          <a:p>
-            <a:endParaRPr lang="en-US" dirty="0"/>
-          </a:p>
-          <a:p>
-            <a:r>
-              <a:rPr lang="en-US" dirty="0"/>
-              <a:t>Generic</a:t>
-            </a:r>
-          </a:p>
-          <a:p>
-            <a:r>
-              <a:rPr lang="en-US" dirty="0"/>
-              <a:t>"Bare metal" provider</a:t>
-            </a:r>
-          </a:p>
-          <a:p>
-            <a:r>
-              <a:rPr lang="en-US" dirty="0"/>
-              <a:t>These providers can flexibly translate </a:t>
-            </a:r>
-            <a:r>
-              <a:rPr lang="en-US" dirty="0" err="1"/>
-              <a:t>FetchXML</a:t>
-            </a:r>
-            <a:r>
-              <a:rPr lang="en-US" dirty="0"/>
-              <a:t> query expressions to the associated request to the external data source, then return the resulting entity instances. Such a provider can be reused for all instances of this data source type. This approach is the most general but is more complicated to develop. If the schema of the data source changes, the affected virtual entities must only be remapped.</a:t>
-            </a:r>
-          </a:p>
-          <a:p>
-            <a:endParaRPr lang="en-US" dirty="0"/>
-          </a:p>
-          <a:p>
-            <a:endParaRPr lang="en-US" dirty="0"/>
-          </a:p>
-          <a:p>
-            <a:endParaRPr lang="en-US" dirty="0"/>
-          </a:p>
-          <a:p>
-            <a:r>
-              <a:rPr lang="en-US" dirty="0"/>
-              <a:t>Targeted</a:t>
-            </a:r>
-          </a:p>
-          <a:p>
-            <a:r>
-              <a:rPr lang="en-US" dirty="0"/>
-              <a:t>LINQ provider for known schema</a:t>
-            </a:r>
-          </a:p>
-          <a:p>
-            <a:r>
-              <a:rPr lang="en-US" dirty="0"/>
-              <a:t>Such a provider only narrowly translates queries into the associated LINQ call to a known, existing data source instance. The data source must be a LINQ provider as described in the topic </a:t>
-            </a:r>
-            <a:r>
-              <a:rPr lang="en-US" dirty="0">
-                <a:hlinkClick r:id="rId3"/>
-              </a:rPr>
-              <a:t>Enabling a Data Source for LINQ Querying</a:t>
-            </a:r>
-            <a:r>
-              <a:rPr lang="en-US" dirty="0"/>
-              <a:t>. This approach is limited to a specific data source instance, but requires much less coding. If the schema of the data source changes, the data provider must be updated and rebuilt.</a:t>
-            </a:r>
-          </a:p>
-          <a:p>
-            <a:endParaRPr lang="en-US" dirty="0"/>
-          </a:p>
-          <a:p>
-            <a:endParaRPr lang="en-US" dirty="0"/>
-          </a:p>
-          <a:p>
-            <a:endParaRPr lang="en-US" dirty="0"/>
-          </a:p>
-          <a:p>
-            <a:endParaRPr lang="en-US" dirty="0"/>
+            <a:endParaRPr lang="en-GB" dirty="0"/>
+          </a:p>
+          <a:p>
+            <a:endParaRPr lang="en-GB" dirty="0"/>
+          </a:p>
+          <a:p>
+            <a:r>
+              <a:rPr lang="en-GB" dirty="0"/>
+              <a:t>https://redcrm.wordpress.com/2016/07/18/crm-online-custom-controls/</a:t>
+            </a:r>
           </a:p>
         </p:txBody>
       </p:sp>
     </p:spTree>
     <p:extLst>
       <p:ext uri="{BB962C8B-B14F-4D97-AF65-F5344CB8AC3E}">
-        <p14:creationId xmlns:p14="http://schemas.microsoft.com/office/powerpoint/2010/main" val="2720970929"/>
-      </p:ext>
-    </p:extLst>
-  </p:cSld>
-  <p:clrMapOvr>
-    <a:masterClrMapping/>
-  </p:clrMapOvr>
-</p:notes>
-</file>
-
-<file path=ppt/notesSlides/notesSlide7.xml><?xml version="1.0" encoding="utf-8"?>
-<p:notes xmlns:a="http://schemas.openxmlformats.org/drawingml/2006/main" xmlns:r="http://schemas.openxmlformats.org/officeDocument/2006/relationships" xmlns:p="http://schemas.openxmlformats.org/presentationml/2006/main">
-  <p:cSld>
-    <p:spTree>
-      <p:nvGrpSpPr>
-        <p:cNvPr id="1" name=""/>
-        <p:cNvGrpSpPr/>
-        <p:nvPr/>
-      </p:nvGrpSpPr>
-      <p:grpSpPr>
-        <a:xfrm>
-          <a:off x="0" y="0"/>
-          <a:ext cx="0" cy="0"/>
-          <a:chOff x="0" y="0"/>
-          <a:chExt cx="0" cy="0"/>
-        </a:xfrm>
-      </p:grpSpPr>
-      <p:sp>
-        <p:nvSpPr>
-          <p:cNvPr id="2" name="Slide Image Placeholder 1"/>
-          <p:cNvSpPr>
-            <a:spLocks noGrp="1" noRot="1" noChangeAspect="1"/>
-          </p:cNvSpPr>
-          <p:nvPr>
-            <p:ph type="sldImg"/>
-          </p:nvPr>
-        </p:nvSpPr>
-        <p:spPr>
-          <a:xfrm>
-            <a:off x="571500" y="581025"/>
-            <a:ext cx="5715000" cy="3216275"/>
-          </a:xfrm>
-        </p:spPr>
-      </p:sp>
-      <p:sp>
-        <p:nvSpPr>
-          <p:cNvPr id="3" name="Notes Placeholder 2"/>
-          <p:cNvSpPr>
-            <a:spLocks noGrp="1"/>
-          </p:cNvSpPr>
-          <p:nvPr>
-            <p:ph type="body" idx="1"/>
-          </p:nvPr>
-        </p:nvSpPr>
-        <p:spPr/>
-        <p:txBody>
-          <a:bodyPr/>
-          <a:lstStyle/>
-          <a:p>
-            <a:pPr rtl="0"/>
-            <a:r>
-              <a:rPr lang="en-US" dirty="0"/>
-              <a:t>Initially, defining a virtual entity is the same as defining a custom entity: you specify the entity, attributes, and relationships for the new virtual entity type. However, additionally, you then connect the virtual entity to a data provider to manage data retrieval. The custom entity type and its fields must be mapped to the corresponding data in the external data source. For example, a virtual entity might be represented as a row in an external relational database, and each of its fields might correspond to a column in that row. (Note that these external data names are often different than their corresponding virtual entity names.) A specific, required mapping occurs for the entity ID field: the data provider must be able to provide this GUID and associate it to the external record that represents this entity instance. The most direct way to achieve this is to actually use GUIDs as primary keys in the external data source.</a:t>
-            </a:r>
-          </a:p>
-          <a:p>
-            <a:pPr rtl="0"/>
-            <a:r>
-              <a:rPr lang="en-US" dirty="0"/>
-              <a:t>In this example, a corresponding virtual entity data source would also be provided to supply user and connection information for the external database</a:t>
-            </a:r>
-          </a:p>
-          <a:p>
-            <a:pPr rtl="0"/>
-            <a:endParaRPr lang="en-US" dirty="0">
-              <a:effectLst/>
-            </a:endParaRPr>
-          </a:p>
-        </p:txBody>
-      </p:sp>
-    </p:spTree>
-    <p:extLst>
-      <p:ext uri="{BB962C8B-B14F-4D97-AF65-F5344CB8AC3E}">
-        <p14:creationId xmlns:p14="http://schemas.microsoft.com/office/powerpoint/2010/main" val="3039272188"/>
-      </p:ext>
-    </p:extLst>
-  </p:cSld>
-  <p:clrMapOvr>
-    <a:masterClrMapping/>
-  </p:clrMapOvr>
-</p:notes>
-</file>
-
-<file path=ppt/notesSlides/notesSlide8.xml><?xml version="1.0" encoding="utf-8"?>
-<p:notes xmlns:a="http://schemas.openxmlformats.org/drawingml/2006/main" xmlns:r="http://schemas.openxmlformats.org/officeDocument/2006/relationships" xmlns:p="http://schemas.openxmlformats.org/presentationml/2006/main">
-  <p:cSld>
-    <p:spTree>
-      <p:nvGrpSpPr>
-        <p:cNvPr id="1" name=""/>
-        <p:cNvGrpSpPr/>
-        <p:nvPr/>
-      </p:nvGrpSpPr>
-      <p:grpSpPr>
-        <a:xfrm>
-          <a:off x="0" y="0"/>
-          <a:ext cx="0" cy="0"/>
-          <a:chOff x="0" y="0"/>
-          <a:chExt cx="0" cy="0"/>
-        </a:xfrm>
-      </p:grpSpPr>
-      <p:sp>
-        <p:nvSpPr>
-          <p:cNvPr id="2" name="Slide Image Placeholder 1"/>
-          <p:cNvSpPr>
-            <a:spLocks noGrp="1" noRot="1" noChangeAspect="1"/>
-          </p:cNvSpPr>
-          <p:nvPr>
-            <p:ph type="sldImg"/>
-          </p:nvPr>
-        </p:nvSpPr>
-        <p:spPr>
-          <a:xfrm>
-            <a:off x="571500" y="581025"/>
-            <a:ext cx="5715000" cy="3216275"/>
-          </a:xfrm>
-        </p:spPr>
-      </p:sp>
-      <p:sp>
-        <p:nvSpPr>
-          <p:cNvPr id="3" name="Notes Placeholder 2"/>
-          <p:cNvSpPr>
-            <a:spLocks noGrp="1"/>
-          </p:cNvSpPr>
-          <p:nvPr>
-            <p:ph type="body" idx="1"/>
-          </p:nvPr>
-        </p:nvSpPr>
-        <p:spPr/>
-        <p:txBody>
-          <a:bodyPr/>
-          <a:lstStyle/>
-          <a:p>
-            <a:pPr rtl="0"/>
-            <a:endParaRPr lang="en-US" dirty="0"/>
-          </a:p>
-          <a:p>
-            <a:pPr rtl="0"/>
-            <a:endParaRPr lang="en-US" dirty="0">
-              <a:effectLst/>
-            </a:endParaRPr>
-          </a:p>
-        </p:txBody>
-      </p:sp>
-    </p:spTree>
-    <p:extLst>
-      <p:ext uri="{BB962C8B-B14F-4D97-AF65-F5344CB8AC3E}">
-        <p14:creationId xmlns:p14="http://schemas.microsoft.com/office/powerpoint/2010/main" val="2530005256"/>
-      </p:ext>
-    </p:extLst>
-  </p:cSld>
-  <p:clrMapOvr>
-    <a:masterClrMapping/>
-  </p:clrMapOvr>
-</p:notes>
-</file>
-
-<file path=ppt/notesSlides/notesSlide9.xml><?xml version="1.0" encoding="utf-8"?>
-<p:notes xmlns:a="http://schemas.openxmlformats.org/drawingml/2006/main" xmlns:r="http://schemas.openxmlformats.org/officeDocument/2006/relationships" xmlns:p="http://schemas.openxmlformats.org/presentationml/2006/main">
-  <p:cSld>
-    <p:spTree>
-      <p:nvGrpSpPr>
-        <p:cNvPr id="1" name=""/>
-        <p:cNvGrpSpPr/>
-        <p:nvPr/>
-      </p:nvGrpSpPr>
-      <p:grpSpPr>
-        <a:xfrm>
-          <a:off x="0" y="0"/>
-          <a:ext cx="0" cy="0"/>
-          <a:chOff x="0" y="0"/>
-          <a:chExt cx="0" cy="0"/>
-        </a:xfrm>
-      </p:grpSpPr>
-      <p:sp>
-        <p:nvSpPr>
-          <p:cNvPr id="2" name="Slide Image Placeholder 1"/>
-          <p:cNvSpPr>
-            <a:spLocks noGrp="1" noRot="1" noChangeAspect="1"/>
-          </p:cNvSpPr>
-          <p:nvPr>
-            <p:ph type="sldImg"/>
-          </p:nvPr>
-        </p:nvSpPr>
-        <p:spPr>
-          <a:xfrm>
-            <a:off x="571500" y="581025"/>
-            <a:ext cx="5715000" cy="3216275"/>
-          </a:xfrm>
-        </p:spPr>
-      </p:sp>
-      <p:sp>
-        <p:nvSpPr>
-          <p:cNvPr id="3" name="Notes Placeholder 2"/>
-          <p:cNvSpPr>
-            <a:spLocks noGrp="1"/>
-          </p:cNvSpPr>
-          <p:nvPr>
-            <p:ph type="body" idx="1"/>
-          </p:nvPr>
-        </p:nvSpPr>
-        <p:spPr/>
-        <p:txBody>
-          <a:bodyPr/>
-          <a:lstStyle/>
-          <a:p>
-            <a:pPr rtl="0"/>
-            <a:endParaRPr lang="en-US" dirty="0"/>
-          </a:p>
-          <a:p>
-            <a:pPr rtl="0"/>
-            <a:endParaRPr lang="en-US" dirty="0">
-              <a:effectLst/>
-            </a:endParaRPr>
-          </a:p>
-        </p:txBody>
-      </p:sp>
-    </p:spTree>
-    <p:extLst>
-      <p:ext uri="{BB962C8B-B14F-4D97-AF65-F5344CB8AC3E}">
-        <p14:creationId xmlns:p14="http://schemas.microsoft.com/office/powerpoint/2010/main" val="2472864614"/>
+        <p14:creationId xmlns:p14="http://schemas.microsoft.com/office/powerpoint/2010/main" val="3822375026"/>
       </p:ext>
     </p:extLst>
   </p:cSld>
@@ -2846,9 +1840,10 @@
           </a:lstStyle>
           <a:p>
             <a:r>
-              <a:rPr lang="en-GB" noProof="0" dirty="0"/>
+              <a:rPr lang="en-GB" noProof="0" dirty="0" smtClean="0"/>
               <a:t>Insert module title</a:t>
             </a:r>
+            <a:endParaRPr lang="en-GB" noProof="0" dirty="0"/>
           </a:p>
         </p:txBody>
       </p:sp>
@@ -2969,7 +1964,7 @@
           <a:p>
             <a:pPr lvl="0"/>
             <a:r>
-              <a:rPr lang="en-GB" noProof="0" dirty="0"/>
+              <a:rPr lang="en-GB" noProof="0" dirty="0" smtClean="0"/>
               <a:t>MODULE X</a:t>
             </a:r>
           </a:p>
@@ -3010,6 +2005,13 @@
   <p:clrMapOvr>
     <a:masterClrMapping/>
   </p:clrMapOvr>
+  <p:timing>
+    <p:tnLst>
+      <p:par>
+        <p:cTn id="1" dur="indefinite" restart="never" nodeType="tmRoot"/>
+      </p:par>
+    </p:tnLst>
+  </p:timing>
 </p:sldLayout>
 </file>
 
@@ -3120,35 +2122,35 @@
           <a:p>
             <a:pPr lvl="0"/>
             <a:r>
-              <a:rPr lang="en-US" noProof="0"/>
+              <a:rPr lang="en-US" noProof="0" smtClean="0"/>
               <a:t>Click to edit Master text styles</a:t>
             </a:r>
           </a:p>
           <a:p>
             <a:pPr lvl="1"/>
             <a:r>
-              <a:rPr lang="en-US" noProof="0"/>
+              <a:rPr lang="en-US" noProof="0" smtClean="0"/>
               <a:t>Second level</a:t>
             </a:r>
           </a:p>
           <a:p>
             <a:pPr lvl="2"/>
             <a:r>
-              <a:rPr lang="en-US" noProof="0"/>
+              <a:rPr lang="en-US" noProof="0" smtClean="0"/>
               <a:t>Third level</a:t>
             </a:r>
           </a:p>
           <a:p>
             <a:pPr lvl="3"/>
             <a:r>
-              <a:rPr lang="en-US" noProof="0"/>
+              <a:rPr lang="en-US" noProof="0" smtClean="0"/>
               <a:t>Fourth level</a:t>
             </a:r>
           </a:p>
           <a:p>
             <a:pPr lvl="4"/>
             <a:r>
-              <a:rPr lang="en-US" noProof="0"/>
+              <a:rPr lang="en-US" noProof="0" smtClean="0"/>
               <a:t>Fifth level</a:t>
             </a:r>
             <a:endParaRPr lang="en-GB" noProof="0" dirty="0"/>
@@ -3288,7 +2290,7 @@
           </a:lstStyle>
           <a:p>
             <a:r>
-              <a:rPr lang="en-US" noProof="0"/>
+              <a:rPr lang="en-US" noProof="0" smtClean="0"/>
               <a:t>Click to edit Master title style</a:t>
             </a:r>
             <a:endParaRPr lang="en-GB" noProof="0" dirty="0"/>
@@ -3300,6 +2302,13 @@
   <p:clrMapOvr>
     <a:masterClrMapping/>
   </p:clrMapOvr>
+  <p:timing>
+    <p:tnLst>
+      <p:par>
+        <p:cTn id="1" dur="indefinite" restart="never" nodeType="tmRoot"/>
+      </p:par>
+    </p:tnLst>
+  </p:timing>
 </p:sldLayout>
 </file>
 
@@ -3415,35 +2424,35 @@
           <a:p>
             <a:pPr lvl="0"/>
             <a:r>
-              <a:rPr lang="en-US" noProof="0"/>
+              <a:rPr lang="en-US" noProof="0" smtClean="0"/>
               <a:t>Click to edit Master text styles</a:t>
             </a:r>
           </a:p>
           <a:p>
             <a:pPr lvl="1"/>
             <a:r>
-              <a:rPr lang="en-US" noProof="0"/>
+              <a:rPr lang="en-US" noProof="0" smtClean="0"/>
               <a:t>Second level</a:t>
             </a:r>
           </a:p>
           <a:p>
             <a:pPr lvl="2"/>
             <a:r>
-              <a:rPr lang="en-US" noProof="0"/>
+              <a:rPr lang="en-US" noProof="0" smtClean="0"/>
               <a:t>Third level</a:t>
             </a:r>
           </a:p>
           <a:p>
             <a:pPr lvl="3"/>
             <a:r>
-              <a:rPr lang="en-US" noProof="0"/>
+              <a:rPr lang="en-US" noProof="0" smtClean="0"/>
               <a:t>Fourth level</a:t>
             </a:r>
           </a:p>
           <a:p>
             <a:pPr lvl="4"/>
             <a:r>
-              <a:rPr lang="en-US" noProof="0"/>
+              <a:rPr lang="en-US" noProof="0" smtClean="0"/>
               <a:t>Fifth level</a:t>
             </a:r>
             <a:endParaRPr lang="en-GB" noProof="0" dirty="0"/>
@@ -3575,7 +2584,7 @@
           <a:lstStyle/>
           <a:p>
             <a:r>
-              <a:rPr lang="en-US" noProof="0"/>
+              <a:rPr lang="en-US" noProof="0" smtClean="0"/>
               <a:t>Click to edit Master title style</a:t>
             </a:r>
             <a:endParaRPr lang="en-GB" noProof="0" dirty="0"/>
@@ -3587,6 +2596,13 @@
   <p:clrMapOvr>
     <a:masterClrMapping/>
   </p:clrMapOvr>
+  <p:timing>
+    <p:tnLst>
+      <p:par>
+        <p:cTn id="1" dur="indefinite" restart="never" nodeType="tmRoot"/>
+      </p:par>
+    </p:tnLst>
+  </p:timing>
 </p:sldLayout>
 </file>
 
@@ -3697,35 +2713,35 @@
           <a:p>
             <a:pPr lvl="0"/>
             <a:r>
-              <a:rPr lang="en-US" noProof="0"/>
+              <a:rPr lang="en-US" noProof="0" smtClean="0"/>
               <a:t>Click to edit Master text styles</a:t>
             </a:r>
           </a:p>
           <a:p>
             <a:pPr lvl="1"/>
             <a:r>
-              <a:rPr lang="en-US" noProof="0"/>
+              <a:rPr lang="en-US" noProof="0" smtClean="0"/>
               <a:t>Second level</a:t>
             </a:r>
           </a:p>
           <a:p>
             <a:pPr lvl="2"/>
             <a:r>
-              <a:rPr lang="en-US" noProof="0"/>
+              <a:rPr lang="en-US" noProof="0" smtClean="0"/>
               <a:t>Third level</a:t>
             </a:r>
           </a:p>
           <a:p>
             <a:pPr lvl="3"/>
             <a:r>
-              <a:rPr lang="en-US" noProof="0"/>
+              <a:rPr lang="en-US" noProof="0" smtClean="0"/>
               <a:t>Fourth level</a:t>
             </a:r>
           </a:p>
           <a:p>
             <a:pPr lvl="4"/>
             <a:r>
-              <a:rPr lang="en-US" noProof="0"/>
+              <a:rPr lang="en-US" noProof="0" smtClean="0"/>
               <a:t>Fifth level</a:t>
             </a:r>
             <a:endParaRPr lang="en-GB" noProof="0" dirty="0"/>
@@ -3921,35 +2937,35 @@
           <a:p>
             <a:pPr lvl="0"/>
             <a:r>
-              <a:rPr lang="en-US" noProof="0"/>
+              <a:rPr lang="en-US" noProof="0" smtClean="0"/>
               <a:t>Click to edit Master text styles</a:t>
             </a:r>
           </a:p>
           <a:p>
             <a:pPr lvl="1"/>
             <a:r>
-              <a:rPr lang="en-US" noProof="0"/>
+              <a:rPr lang="en-US" noProof="0" smtClean="0"/>
               <a:t>Second level</a:t>
             </a:r>
           </a:p>
           <a:p>
             <a:pPr lvl="2"/>
             <a:r>
-              <a:rPr lang="en-US" noProof="0"/>
+              <a:rPr lang="en-US" noProof="0" smtClean="0"/>
               <a:t>Third level</a:t>
             </a:r>
           </a:p>
           <a:p>
             <a:pPr lvl="3"/>
             <a:r>
-              <a:rPr lang="en-US" noProof="0"/>
+              <a:rPr lang="en-US" noProof="0" smtClean="0"/>
               <a:t>Fourth level</a:t>
             </a:r>
           </a:p>
           <a:p>
             <a:pPr lvl="4"/>
             <a:r>
-              <a:rPr lang="en-US" noProof="0"/>
+              <a:rPr lang="en-US" noProof="0" smtClean="0"/>
               <a:t>Fifth level</a:t>
             </a:r>
             <a:endParaRPr lang="en-GB" noProof="0" dirty="0"/>
@@ -4030,7 +3046,7 @@
           <a:lstStyle/>
           <a:p>
             <a:r>
-              <a:rPr lang="en-US" noProof="0"/>
+              <a:rPr lang="en-US" noProof="0" smtClean="0"/>
               <a:t>Click to edit Master title style</a:t>
             </a:r>
             <a:endParaRPr lang="en-GB" noProof="0" dirty="0"/>
@@ -4042,6 +3058,13 @@
   <p:clrMapOvr>
     <a:masterClrMapping/>
   </p:clrMapOvr>
+  <p:timing>
+    <p:tnLst>
+      <p:par>
+        <p:cTn id="1" dur="indefinite" restart="never" nodeType="tmRoot"/>
+      </p:par>
+    </p:tnLst>
+  </p:timing>
 </p:sldLayout>
 </file>
 
@@ -4152,35 +3175,35 @@
           <a:p>
             <a:pPr lvl="0"/>
             <a:r>
-              <a:rPr lang="en-US" noProof="0"/>
+              <a:rPr lang="en-US" noProof="0" smtClean="0"/>
               <a:t>Click to edit Master text styles</a:t>
             </a:r>
           </a:p>
           <a:p>
             <a:pPr lvl="1"/>
             <a:r>
-              <a:rPr lang="en-US" noProof="0"/>
+              <a:rPr lang="en-US" noProof="0" smtClean="0"/>
               <a:t>Second level</a:t>
             </a:r>
           </a:p>
           <a:p>
             <a:pPr lvl="2"/>
             <a:r>
-              <a:rPr lang="en-US" noProof="0"/>
+              <a:rPr lang="en-US" noProof="0" smtClean="0"/>
               <a:t>Third level</a:t>
             </a:r>
           </a:p>
           <a:p>
             <a:pPr lvl="3"/>
             <a:r>
-              <a:rPr lang="en-US" noProof="0"/>
+              <a:rPr lang="en-US" noProof="0" smtClean="0"/>
               <a:t>Fourth level</a:t>
             </a:r>
           </a:p>
           <a:p>
             <a:pPr lvl="4"/>
             <a:r>
-              <a:rPr lang="en-US" noProof="0"/>
+              <a:rPr lang="en-US" noProof="0" smtClean="0"/>
               <a:t>Fifth level</a:t>
             </a:r>
             <a:endParaRPr lang="en-GB" noProof="0" dirty="0"/>
@@ -4376,35 +3399,35 @@
           <a:p>
             <a:pPr lvl="0"/>
             <a:r>
-              <a:rPr lang="en-US" noProof="0"/>
+              <a:rPr lang="en-US" noProof="0" smtClean="0"/>
               <a:t>Click to edit Master text styles</a:t>
             </a:r>
           </a:p>
           <a:p>
             <a:pPr lvl="1"/>
             <a:r>
-              <a:rPr lang="en-US" noProof="0"/>
+              <a:rPr lang="en-US" noProof="0" smtClean="0"/>
               <a:t>Second level</a:t>
             </a:r>
           </a:p>
           <a:p>
             <a:pPr lvl="2"/>
             <a:r>
-              <a:rPr lang="en-US" noProof="0"/>
+              <a:rPr lang="en-US" noProof="0" smtClean="0"/>
               <a:t>Third level</a:t>
             </a:r>
           </a:p>
           <a:p>
             <a:pPr lvl="3"/>
             <a:r>
-              <a:rPr lang="en-US" noProof="0"/>
+              <a:rPr lang="en-US" noProof="0" smtClean="0"/>
               <a:t>Fourth level</a:t>
             </a:r>
           </a:p>
           <a:p>
             <a:pPr lvl="4"/>
             <a:r>
-              <a:rPr lang="en-US" noProof="0"/>
+              <a:rPr lang="en-US" noProof="0" smtClean="0"/>
               <a:t>Fifth level</a:t>
             </a:r>
             <a:endParaRPr lang="en-GB" noProof="0" dirty="0"/>
@@ -4437,7 +3460,7 @@
           <a:lstStyle/>
           <a:p>
             <a:r>
-              <a:rPr lang="en-US" noProof="0"/>
+              <a:rPr lang="en-US" noProof="0" smtClean="0"/>
               <a:t>Click to edit Master title style</a:t>
             </a:r>
             <a:endParaRPr lang="en-GB" noProof="0" dirty="0"/>
@@ -4454,6 +3477,13 @@
   <p:clrMapOvr>
     <a:masterClrMapping/>
   </p:clrMapOvr>
+  <p:timing>
+    <p:tnLst>
+      <p:par>
+        <p:cTn id="1" dur="indefinite" restart="never" nodeType="tmRoot"/>
+      </p:par>
+    </p:tnLst>
+  </p:timing>
 </p:sldLayout>
 </file>
 
@@ -4502,9 +3532,10 @@
           </a:lstStyle>
           <a:p>
             <a:r>
-              <a:rPr lang="en-GB" dirty="0"/>
+              <a:rPr lang="en-GB" dirty="0" smtClean="0"/>
               <a:t>Use images from the photography folder from the Central Repository&gt;image library on CWS</a:t>
             </a:r>
+            <a:endParaRPr lang="en-GB" dirty="0"/>
           </a:p>
         </p:txBody>
       </p:sp>
@@ -4757,35 +3788,35 @@
           <a:p>
             <a:pPr lvl="0"/>
             <a:r>
-              <a:rPr lang="en-US" noProof="0" dirty="0"/>
+              <a:rPr lang="en-US" noProof="0" dirty="0" smtClean="0"/>
               <a:t>Click to edit Master text styles</a:t>
             </a:r>
           </a:p>
           <a:p>
             <a:pPr lvl="1"/>
             <a:r>
-              <a:rPr lang="en-US" noProof="0" dirty="0"/>
+              <a:rPr lang="en-US" noProof="0" dirty="0" smtClean="0"/>
               <a:t>Second level</a:t>
             </a:r>
           </a:p>
           <a:p>
             <a:pPr lvl="2"/>
             <a:r>
-              <a:rPr lang="en-US" noProof="0" dirty="0"/>
+              <a:rPr lang="en-US" noProof="0" dirty="0" smtClean="0"/>
               <a:t>Third level</a:t>
             </a:r>
           </a:p>
           <a:p>
             <a:pPr lvl="3"/>
             <a:r>
-              <a:rPr lang="en-US" noProof="0" dirty="0"/>
+              <a:rPr lang="en-US" noProof="0" dirty="0" smtClean="0"/>
               <a:t>Fourth level</a:t>
             </a:r>
           </a:p>
           <a:p>
             <a:pPr lvl="4"/>
             <a:r>
-              <a:rPr lang="en-US" noProof="0" dirty="0"/>
+              <a:rPr lang="en-US" noProof="0" dirty="0" smtClean="0"/>
               <a:t>Fifth level</a:t>
             </a:r>
             <a:endParaRPr lang="en-GB" noProof="0" dirty="0"/>
@@ -4826,9 +3857,10 @@
           </a:lstStyle>
           <a:p>
             <a:r>
-              <a:rPr lang="en-GB" noProof="0" dirty="0"/>
+              <a:rPr lang="en-GB" noProof="0" dirty="0" smtClean="0"/>
               <a:t>Course times/ objectives/summary</a:t>
             </a:r>
+            <a:endParaRPr lang="en-GB" noProof="0" dirty="0"/>
           </a:p>
         </p:txBody>
       </p:sp>
@@ -4842,6 +3874,13 @@
   <p:clrMapOvr>
     <a:masterClrMapping/>
   </p:clrMapOvr>
+  <p:timing>
+    <p:tnLst>
+      <p:par>
+        <p:cTn id="1" dur="indefinite" restart="never" nodeType="tmRoot"/>
+      </p:par>
+    </p:tnLst>
+  </p:timing>
 </p:sldLayout>
 </file>
 
@@ -5008,9 +4047,10 @@
           <a:p>
             <a:pPr lvl="0"/>
             <a:r>
-              <a:rPr lang="en-GB" noProof="0" dirty="0"/>
+              <a:rPr lang="en-GB" noProof="0" dirty="0" smtClean="0"/>
               <a:t>Click to add diagram, smart art, table, video etc.</a:t>
             </a:r>
+            <a:endParaRPr lang="en-GB" noProof="0" dirty="0"/>
           </a:p>
         </p:txBody>
       </p:sp>
@@ -5048,9 +4088,10 @@
           </a:lstStyle>
           <a:p>
             <a:r>
-              <a:rPr lang="en-GB" noProof="0" dirty="0"/>
+              <a:rPr lang="en-GB" noProof="0" dirty="0" smtClean="0"/>
               <a:t>Diagram title goes here</a:t>
             </a:r>
+            <a:endParaRPr lang="en-GB" noProof="0" dirty="0"/>
           </a:p>
         </p:txBody>
       </p:sp>
@@ -5144,7 +4185,7 @@
           <a:p>
             <a:pPr lvl="0"/>
             <a:r>
-              <a:rPr lang="en-GB" noProof="0" dirty="0"/>
+              <a:rPr lang="en-GB" noProof="0" dirty="0" smtClean="0"/>
               <a:t>Information for the main diagram, smart art, table or video to be added here if needed. </a:t>
             </a:r>
           </a:p>
@@ -5259,6 +4300,13 @@
   <p:clrMapOvr>
     <a:masterClrMapping/>
   </p:clrMapOvr>
+  <p:timing>
+    <p:tnLst>
+      <p:par>
+        <p:cTn id="1" dur="indefinite" restart="never" nodeType="tmRoot"/>
+      </p:par>
+    </p:tnLst>
+  </p:timing>
 </p:sldLayout>
 </file>
 
@@ -5311,35 +4359,35 @@
           <a:p>
             <a:pPr lvl="0"/>
             <a:r>
-              <a:rPr lang="en-US" noProof="0" dirty="0"/>
+              <a:rPr lang="en-US" noProof="0" dirty="0" smtClean="0"/>
               <a:t>Click to edit Master text styles</a:t>
             </a:r>
           </a:p>
           <a:p>
             <a:pPr lvl="1"/>
             <a:r>
-              <a:rPr lang="en-US" noProof="0" dirty="0"/>
+              <a:rPr lang="en-US" noProof="0" dirty="0" smtClean="0"/>
               <a:t>Second level</a:t>
             </a:r>
           </a:p>
           <a:p>
             <a:pPr lvl="2"/>
             <a:r>
-              <a:rPr lang="en-US" noProof="0" dirty="0"/>
+              <a:rPr lang="en-US" noProof="0" dirty="0" smtClean="0"/>
               <a:t>Third level</a:t>
             </a:r>
           </a:p>
           <a:p>
             <a:pPr lvl="3"/>
             <a:r>
-              <a:rPr lang="en-US" noProof="0" dirty="0"/>
+              <a:rPr lang="en-US" noProof="0" dirty="0" smtClean="0"/>
               <a:t>Fourth level</a:t>
             </a:r>
           </a:p>
           <a:p>
             <a:pPr lvl="4"/>
             <a:r>
-              <a:rPr lang="en-US" noProof="0" dirty="0"/>
+              <a:rPr lang="en-US" noProof="0" dirty="0" smtClean="0"/>
               <a:t>Fifth level</a:t>
             </a:r>
             <a:endParaRPr lang="en-GB" noProof="0" dirty="0"/>
@@ -5372,7 +4420,7 @@
           <a:lstStyle/>
           <a:p>
             <a:r>
-              <a:rPr lang="en-US" noProof="0" dirty="0"/>
+              <a:rPr lang="en-US" noProof="0" dirty="0" smtClean="0"/>
               <a:t>Click to edit Master title style</a:t>
             </a:r>
             <a:endParaRPr lang="en-GB" noProof="0" dirty="0"/>
@@ -5391,6 +4439,13 @@
     <p:sldLayoutId id="2147483716" r:id="rId6"/>
     <p:sldLayoutId id="2147483717" r:id="rId7"/>
   </p:sldLayoutIdLst>
+  <p:timing>
+    <p:tnLst>
+      <p:par>
+        <p:cTn id="1" dur="indefinite" restart="never" nodeType="tmRoot"/>
+      </p:par>
+    </p:tnLst>
+  </p:timing>
   <p:hf hdr="0" ftr="0" dt="0"/>
   <p:txStyles>
     <p:titleStyle>
@@ -5721,9 +4776,17 @@
           <a:lstStyle/>
           <a:p>
             <a:r>
-              <a:rPr lang="en-GB" dirty="0"/>
-              <a:t>Virtual Entities</a:t>
-            </a:r>
+              <a:rPr lang="en-GB" smtClean="0"/>
+              <a:t>Dynamics 365 v9 </a:t>
+            </a:r>
+            <a:br>
+              <a:rPr lang="en-GB" smtClean="0"/>
+            </a:br>
+            <a:r>
+              <a:rPr lang="en-GB" smtClean="0"/>
+              <a:t>What’s different ?</a:t>
+            </a:r>
+            <a:endParaRPr lang="en-GB" dirty="0"/>
           </a:p>
         </p:txBody>
       </p:sp>
@@ -5743,7 +4806,7 @@
           <a:lstStyle/>
           <a:p>
             <a:r>
-              <a:rPr lang="en-GB"/>
+              <a:rPr lang="en-GB" smtClean="0"/>
               <a:t>Module 9</a:t>
             </a:r>
             <a:endParaRPr lang="en-GB" dirty="0"/>
@@ -5755,6 +4818,13 @@
   <p:clrMapOvr>
     <a:masterClrMapping/>
   </p:clrMapOvr>
+  <p:timing>
+    <p:tnLst>
+      <p:par>
+        <p:cTn id="1" dur="indefinite" restart="never" nodeType="tmRoot"/>
+      </p:par>
+    </p:tnLst>
+  </p:timing>
 </p:sld>
 </file>
 
@@ -5777,13 +4847,7 @@
       </p:grpSpPr>
       <p:sp>
         <p:nvSpPr>
-          <p:cNvPr id="2" name="Text Placeholder 1">
-            <a:extLst>
-              <a:ext uri="{FF2B5EF4-FFF2-40B4-BE49-F238E27FC236}">
-                <a16:creationId xmlns:a16="http://schemas.microsoft.com/office/drawing/2014/main" id="{6387C35B-1465-4FB4-B60D-F2C6C5C1E9FF}"/>
-              </a:ext>
-            </a:extLst>
-          </p:cNvPr>
+          <p:cNvPr id="2" name="Text Placeholder 1"/>
           <p:cNvSpPr>
             <a:spLocks noGrp="1"/>
           </p:cNvSpPr>
@@ -5793,29 +4857,114 @@
         </p:nvSpPr>
         <p:spPr/>
         <p:txBody>
-          <a:bodyPr vert="horz" lIns="91440" tIns="45720" rIns="91440" bIns="45720" rtlCol="0" anchor="t">
-            <a:noAutofit/>
-          </a:bodyPr>
+          <a:bodyPr/>
           <a:lstStyle/>
           <a:p>
+            <a:r>
+              <a:rPr lang="en-GB" dirty="0"/>
+              <a:t>Data access from </a:t>
+            </a:r>
+            <a:r>
+              <a:rPr lang="en-GB" dirty="0" err="1"/>
+              <a:t>.Net</a:t>
+            </a:r>
+            <a:endParaRPr lang="en-GB" dirty="0"/>
+          </a:p>
+          <a:p>
             <a:pPr lvl="1"/>
-            <a:endParaRPr lang="en-US"/>
+            <a:r>
+              <a:rPr lang="en-GB" dirty="0" err="1"/>
+              <a:t>QueryExpression</a:t>
+            </a:r>
+            <a:endParaRPr lang="en-GB" dirty="0"/>
           </a:p>
           <a:p>
             <a:pPr lvl="1"/>
-            <a:endParaRPr lang="en-US" dirty="0"/>
+            <a:r>
+              <a:rPr lang="en-GB" dirty="0"/>
+              <a:t>LINQ</a:t>
+            </a:r>
+          </a:p>
+          <a:p>
+            <a:pPr lvl="1"/>
+            <a:r>
+              <a:rPr lang="en-GB" dirty="0" err="1"/>
+              <a:t>FetchXML</a:t>
+            </a:r>
+            <a:endParaRPr lang="en-GB" dirty="0"/>
+          </a:p>
+          <a:p>
+            <a:pPr lvl="1"/>
+            <a:r>
+              <a:rPr lang="en-GB" dirty="0" err="1"/>
+              <a:t>WebApi</a:t>
+            </a:r>
+            <a:r>
+              <a:rPr lang="en-GB" dirty="0"/>
+              <a:t>??</a:t>
+            </a:r>
+          </a:p>
+          <a:p>
+            <a:pPr marL="400050"/>
+            <a:r>
+              <a:rPr lang="en-GB" dirty="0" smtClean="0"/>
+              <a:t>Early vs Late Binding</a:t>
+            </a:r>
+          </a:p>
+          <a:p>
+            <a:pPr marL="400050"/>
+            <a:r>
+              <a:rPr lang="en-GB" dirty="0" smtClean="0"/>
+              <a:t>Discovery </a:t>
+            </a:r>
+            <a:r>
+              <a:rPr lang="en-GB" dirty="0"/>
+              <a:t>Service vs Organization </a:t>
+            </a:r>
+            <a:r>
+              <a:rPr lang="en-GB" dirty="0" smtClean="0"/>
+              <a:t>Service</a:t>
+            </a:r>
+          </a:p>
+          <a:p>
+            <a:pPr marL="400050"/>
+            <a:r>
+              <a:rPr lang="en-GB" dirty="0" smtClean="0"/>
+              <a:t>Beyond CRUD – 100’s </a:t>
+            </a:r>
+            <a:r>
+              <a:rPr lang="en-GB" dirty="0"/>
+              <a:t>of messages</a:t>
+            </a:r>
+            <a:br>
+              <a:rPr lang="en-GB" dirty="0"/>
+            </a:br>
+            <a:r>
+              <a:rPr lang="en-GB" sz="1600" dirty="0">
+                <a:hlinkClick r:id="rId2"/>
+              </a:rPr>
+              <a:t>https://</a:t>
+            </a:r>
+            <a:r>
+              <a:rPr lang="en-GB" sz="1600" dirty="0" smtClean="0">
+                <a:hlinkClick r:id="rId2"/>
+              </a:rPr>
+              <a:t>docs.microsoft.com/en-us/dotnet/api/microsoft.xrm.sdk.messages?view=dynamics-general-ce-9</a:t>
+            </a:r>
+            <a:r>
+              <a:rPr lang="en-GB" sz="1600" dirty="0" smtClean="0"/>
+              <a:t> </a:t>
+            </a:r>
+            <a:endParaRPr lang="en-GB" sz="1600" dirty="0"/>
+          </a:p>
+          <a:p>
+            <a:endParaRPr lang="en-GB" dirty="0"/>
           </a:p>
         </p:txBody>
       </p:sp>
       <p:sp>
         <p:nvSpPr>
-          <p:cNvPr id="3" name="Title 2">
-            <a:extLst>
-              <a:ext uri="{FF2B5EF4-FFF2-40B4-BE49-F238E27FC236}">
-                <a16:creationId xmlns:a16="http://schemas.microsoft.com/office/drawing/2014/main" id="{CEB8C6C0-1E5A-4CF8-A7E4-17A42EBC5744}"/>
-              </a:ext>
-            </a:extLst>
-          </p:cNvPr>
+          <p:cNvPr id="3" name="Title 2"/>
           <p:cNvSpPr>
             <a:spLocks noGrp="1"/>
           </p:cNvSpPr>
@@ -5826,52 +4975,22 @@
         <p:spPr/>
         <p:txBody>
           <a:bodyPr>
-            <a:noAutofit/>
+            <a:normAutofit fontScale="90000"/>
           </a:bodyPr>
           <a:lstStyle/>
           <a:p>
             <a:r>
-              <a:rPr lang="en-US" sz="4000"/>
-              <a:t>Create a Virtual Entity</a:t>
-            </a:r>
-            <a:endParaRPr lang="en-US"/>
+              <a:rPr lang="en-GB" dirty="0" smtClean="0"/>
+              <a:t>Summary	</a:t>
+            </a:r>
+            <a:endParaRPr lang="en-GB" dirty="0"/>
           </a:p>
         </p:txBody>
       </p:sp>
-      <p:pic>
-        <p:nvPicPr>
-          <p:cNvPr id="4" name="Picture 4" descr="A picture containing screenshot&#10;&#10;Description generated with very high confidence">
-            <a:extLst>
-              <a:ext uri="{FF2B5EF4-FFF2-40B4-BE49-F238E27FC236}">
-                <a16:creationId xmlns:a16="http://schemas.microsoft.com/office/drawing/2014/main" id="{5D65F0BB-39F7-4D3A-9E3A-658C3BDCACFE}"/>
-              </a:ext>
-            </a:extLst>
-          </p:cNvPr>
-          <p:cNvPicPr>
-            <a:picLocks noChangeAspect="1"/>
-          </p:cNvPicPr>
-          <p:nvPr/>
-        </p:nvPicPr>
-        <p:blipFill>
-          <a:blip r:embed="rId3"/>
-          <a:stretch>
-            <a:fillRect/>
-          </a:stretch>
-        </p:blipFill>
-        <p:spPr>
-          <a:xfrm>
-            <a:off x="1417608" y="1662311"/>
-            <a:ext cx="8062822" cy="4252246"/>
-          </a:xfrm>
-          <a:prstGeom prst="rect">
-            <a:avLst/>
-          </a:prstGeom>
-        </p:spPr>
-      </p:pic>
     </p:spTree>
     <p:extLst>
       <p:ext uri="{BB962C8B-B14F-4D97-AF65-F5344CB8AC3E}">
-        <p14:creationId xmlns:p14="http://schemas.microsoft.com/office/powerpoint/2010/main" val="8710816"/>
+        <p14:creationId xmlns:p14="http://schemas.microsoft.com/office/powerpoint/2010/main" val="919738039"/>
       </p:ext>
     </p:extLst>
   </p:cSld>
@@ -5900,13 +5019,7 @@
       </p:grpSpPr>
       <p:sp>
         <p:nvSpPr>
-          <p:cNvPr id="2" name="Text Placeholder 1">
-            <a:extLst>
-              <a:ext uri="{FF2B5EF4-FFF2-40B4-BE49-F238E27FC236}">
-                <a16:creationId xmlns:a16="http://schemas.microsoft.com/office/drawing/2014/main" id="{6387C35B-1465-4FB4-B60D-F2C6C5C1E9FF}"/>
-              </a:ext>
-            </a:extLst>
-          </p:cNvPr>
+          <p:cNvPr id="2" name="Text Placeholder 1"/>
           <p:cNvSpPr>
             <a:spLocks noGrp="1"/>
           </p:cNvSpPr>
@@ -5914,31 +5027,107 @@
             <p:ph type="body" sz="quarter" idx="15"/>
           </p:nvPr>
         </p:nvSpPr>
-        <p:spPr/>
+        <p:spPr>
+          <a:xfrm>
+            <a:off x="414000" y="1945929"/>
+            <a:ext cx="11404800" cy="4546800"/>
+          </a:xfrm>
+        </p:spPr>
         <p:txBody>
-          <a:bodyPr vert="horz" lIns="91440" tIns="45720" rIns="91440" bIns="45720" rtlCol="0" anchor="t">
-            <a:noAutofit/>
-          </a:bodyPr>
+          <a:bodyPr/>
           <a:lstStyle/>
           <a:p>
-            <a:pPr lvl="1"/>
-            <a:endParaRPr lang="en-US"/>
-          </a:p>
-          <a:p>
-            <a:pPr lvl="1"/>
-            <a:endParaRPr lang="en-US" dirty="0"/>
+            <a:r>
+              <a:rPr lang="en-GB" dirty="0" smtClean="0"/>
+              <a:t>Workflow Processes and Custom Activities</a:t>
+            </a:r>
+          </a:p>
+          <a:p>
+            <a:r>
+              <a:rPr lang="en-GB" dirty="0" smtClean="0"/>
+              <a:t>Dialogs  - Workflows with user prompts</a:t>
+            </a:r>
+          </a:p>
+          <a:p>
+            <a:r>
+              <a:rPr lang="en-GB" dirty="0" smtClean="0"/>
+              <a:t>Actions – May have parameters. </a:t>
+            </a:r>
+            <a:r>
+              <a:rPr lang="en-GB" dirty="0"/>
+              <a:t>C</a:t>
+            </a:r>
+            <a:r>
+              <a:rPr lang="en-GB" dirty="0" smtClean="0"/>
+              <a:t>alled by </a:t>
+            </a:r>
+            <a:r>
+              <a:rPr lang="en-GB" dirty="0" err="1" smtClean="0"/>
+              <a:t>WebAPI</a:t>
+            </a:r>
+            <a:endParaRPr lang="en-GB" dirty="0" smtClean="0"/>
+          </a:p>
+          <a:p>
+            <a:r>
+              <a:rPr lang="en-GB" dirty="0" smtClean="0"/>
+              <a:t>Business Process Flows (BPF) – integrates with workflows and actions</a:t>
+            </a:r>
+          </a:p>
+          <a:p>
+            <a:r>
+              <a:rPr lang="en-GB" dirty="0" smtClean="0"/>
+              <a:t>Plugins vs Workflows</a:t>
+            </a:r>
+          </a:p>
+          <a:p>
+            <a:r>
+              <a:rPr lang="en-GB" dirty="0" smtClean="0"/>
+              <a:t>Synchronous vs Asynchronous</a:t>
+            </a:r>
+          </a:p>
+          <a:p>
+            <a:r>
+              <a:rPr lang="en-GB" dirty="0" smtClean="0"/>
+              <a:t>Use Profiler to debug Custom Activities and Plugins.</a:t>
+            </a:r>
+          </a:p>
+          <a:p>
+            <a:r>
+              <a:rPr lang="en-GB" dirty="0" smtClean="0"/>
+              <a:t>Use unit tests and/or </a:t>
+            </a:r>
+            <a:r>
+              <a:rPr lang="en-GB" dirty="0" err="1" smtClean="0"/>
+              <a:t>FakeXrmEasy</a:t>
+            </a:r>
+            <a:r>
+              <a:rPr lang="en-GB" dirty="0" smtClean="0"/>
+              <a:t> to test/debug plugins.</a:t>
+            </a:r>
+          </a:p>
+          <a:p>
+            <a:r>
+              <a:rPr lang="en-GB" dirty="0" smtClean="0"/>
+              <a:t>CRM Plugin pipeline. Pre/Post images.</a:t>
+            </a:r>
+          </a:p>
+          <a:p>
+            <a:r>
+              <a:rPr lang="en-GB" dirty="0" smtClean="0"/>
+              <a:t>Plugins Sandboxed on online – no access to hardware or reflection on execution environment.</a:t>
+            </a:r>
+          </a:p>
+          <a:p>
+            <a:endParaRPr lang="en-GB" dirty="0" smtClean="0"/>
+          </a:p>
+          <a:p>
+            <a:endParaRPr lang="en-GB" dirty="0"/>
           </a:p>
         </p:txBody>
       </p:sp>
       <p:sp>
         <p:nvSpPr>
-          <p:cNvPr id="3" name="Title 2">
-            <a:extLst>
-              <a:ext uri="{FF2B5EF4-FFF2-40B4-BE49-F238E27FC236}">
-                <a16:creationId xmlns:a16="http://schemas.microsoft.com/office/drawing/2014/main" id="{CEB8C6C0-1E5A-4CF8-A7E4-17A42EBC5744}"/>
-              </a:ext>
-            </a:extLst>
-          </p:cNvPr>
+          <p:cNvPr id="3" name="Title 2"/>
           <p:cNvSpPr>
             <a:spLocks noGrp="1"/>
           </p:cNvSpPr>
@@ -5949,61 +5138,22 @@
         <p:spPr/>
         <p:txBody>
           <a:bodyPr>
-            <a:noAutofit/>
+            <a:normAutofit fontScale="90000"/>
           </a:bodyPr>
           <a:lstStyle/>
           <a:p>
             <a:r>
-              <a:rPr lang="en-US" sz="4000" dirty="0"/>
-              <a:t>Mapping </a:t>
-            </a:r>
-            <a:r>
-              <a:rPr lang="en-US" sz="4000">
-                <a:cs typeface="Segoe UI Light"/>
-              </a:rPr>
-              <a:t>fields</a:t>
-            </a:r>
-            <a:endParaRPr lang="en-US" sz="4000">
-              <a:ea typeface="+mj-lt"/>
-              <a:cs typeface="+mj-lt"/>
-            </a:endParaRPr>
+              <a:rPr lang="en-GB" dirty="0" smtClean="0"/>
+              <a:t>Summary</a:t>
+            </a:r>
+            <a:endParaRPr lang="en-GB" dirty="0"/>
           </a:p>
         </p:txBody>
       </p:sp>
-      <p:pic>
-        <p:nvPicPr>
-          <p:cNvPr id="5" name="Picture 5" descr="A screenshot of a cell phone&#10;&#10;Description generated with very high confidence">
-            <a:extLst>
-              <a:ext uri="{FF2B5EF4-FFF2-40B4-BE49-F238E27FC236}">
-                <a16:creationId xmlns:a16="http://schemas.microsoft.com/office/drawing/2014/main" id="{FC0A8B86-F414-4D8D-B5AA-00A0D0C9EFD3}"/>
-              </a:ext>
-            </a:extLst>
-          </p:cNvPr>
-          <p:cNvPicPr>
-            <a:picLocks noChangeAspect="1"/>
-          </p:cNvPicPr>
-          <p:nvPr/>
-        </p:nvPicPr>
-        <p:blipFill>
-          <a:blip r:embed="rId3"/>
-          <a:stretch>
-            <a:fillRect/>
-          </a:stretch>
-        </p:blipFill>
-        <p:spPr>
-          <a:xfrm>
-            <a:off x="1360099" y="1920021"/>
-            <a:ext cx="7315199" cy="4326296"/>
-          </a:xfrm>
-          <a:prstGeom prst="rect">
-            <a:avLst/>
-          </a:prstGeom>
-        </p:spPr>
-      </p:pic>
     </p:spTree>
     <p:extLst>
       <p:ext uri="{BB962C8B-B14F-4D97-AF65-F5344CB8AC3E}">
-        <p14:creationId xmlns:p14="http://schemas.microsoft.com/office/powerpoint/2010/main" val="4021636762"/>
+        <p14:creationId xmlns:p14="http://schemas.microsoft.com/office/powerpoint/2010/main" val="1856616620"/>
       </p:ext>
     </p:extLst>
   </p:cSld>
@@ -6032,13 +5182,59 @@
       </p:grpSpPr>
       <p:sp>
         <p:nvSpPr>
-          <p:cNvPr id="3" name="Title 2">
-            <a:extLst>
-              <a:ext uri="{FF2B5EF4-FFF2-40B4-BE49-F238E27FC236}">
-                <a16:creationId xmlns:a16="http://schemas.microsoft.com/office/drawing/2014/main" id="{CEB8C6C0-1E5A-4CF8-A7E4-17A42EBC5744}"/>
-              </a:ext>
-            </a:extLst>
-          </p:cNvPr>
+          <p:cNvPr id="2" name="Text Placeholder 1"/>
+          <p:cNvSpPr>
+            <a:spLocks noGrp="1"/>
+          </p:cNvSpPr>
+          <p:nvPr>
+            <p:ph type="body" sz="quarter" idx="15"/>
+          </p:nvPr>
+        </p:nvSpPr>
+        <p:spPr/>
+        <p:txBody>
+          <a:bodyPr/>
+          <a:lstStyle/>
+          <a:p>
+            <a:r>
+              <a:rPr lang="en-GB" dirty="0" smtClean="0"/>
+              <a:t>Azure service bus</a:t>
+            </a:r>
+          </a:p>
+          <a:p>
+            <a:pPr lvl="1"/>
+            <a:r>
+              <a:rPr lang="en-GB" dirty="0" smtClean="0"/>
+              <a:t>A path to pass data/events out of CRM to Azure web app</a:t>
+            </a:r>
+          </a:p>
+          <a:p>
+            <a:pPr lvl="1"/>
+            <a:r>
+              <a:rPr lang="en-GB" dirty="0" smtClean="0"/>
+              <a:t>Can call web services from Plugins</a:t>
+            </a:r>
+          </a:p>
+          <a:p>
+            <a:pPr lvl="1"/>
+            <a:r>
+              <a:rPr lang="en-GB" dirty="0" smtClean="0"/>
+              <a:t>Service Bus Relay to call legacy web services behind corporate firewall.</a:t>
+            </a:r>
+          </a:p>
+          <a:p>
+            <a:r>
+              <a:rPr lang="en-GB" dirty="0" smtClean="0"/>
+              <a:t>There is the option to replicate SQL database from CRM to Azure SQL DB.</a:t>
+            </a:r>
+          </a:p>
+          <a:p>
+            <a:endParaRPr lang="en-GB" dirty="0" smtClean="0"/>
+          </a:p>
+        </p:txBody>
+      </p:sp>
+      <p:sp>
+        <p:nvSpPr>
+          <p:cNvPr id="3" name="Title 2"/>
           <p:cNvSpPr>
             <a:spLocks noGrp="1"/>
           </p:cNvSpPr>
@@ -6049,58 +5245,22 @@
         <p:spPr/>
         <p:txBody>
           <a:bodyPr>
-            <a:noAutofit/>
+            <a:normAutofit fontScale="90000"/>
           </a:bodyPr>
           <a:lstStyle/>
           <a:p>
             <a:r>
-              <a:rPr lang="en-US" sz="4000"/>
-              <a:t>Mapping </a:t>
-            </a:r>
-            <a:r>
-              <a:rPr lang="en-US" sz="4000">
-                <a:cs typeface="Segoe UI Light"/>
-              </a:rPr>
-              <a:t>fields</a:t>
-            </a:r>
-            <a:endParaRPr lang="en-US"/>
+              <a:rPr lang="en-GB" dirty="0" smtClean="0"/>
+              <a:t>Summary</a:t>
+            </a:r>
+            <a:endParaRPr lang="en-GB" dirty="0"/>
           </a:p>
         </p:txBody>
       </p:sp>
-      <p:pic>
-        <p:nvPicPr>
-          <p:cNvPr id="7" name="Picture 7" descr="A screenshot of a cell phone&#10;&#10;Description generated with very high confidence">
-            <a:extLst>
-              <a:ext uri="{FF2B5EF4-FFF2-40B4-BE49-F238E27FC236}">
-                <a16:creationId xmlns:a16="http://schemas.microsoft.com/office/drawing/2014/main" id="{EDECE117-2A75-4305-9CD7-E30597042F3B}"/>
-              </a:ext>
-            </a:extLst>
-          </p:cNvPr>
-          <p:cNvPicPr>
-            <a:picLocks noChangeAspect="1"/>
-          </p:cNvPicPr>
-          <p:nvPr/>
-        </p:nvPicPr>
-        <p:blipFill>
-          <a:blip r:embed="rId3"/>
-          <a:stretch>
-            <a:fillRect/>
-          </a:stretch>
-        </p:blipFill>
-        <p:spPr>
-          <a:xfrm>
-            <a:off x="1618891" y="1908327"/>
-            <a:ext cx="7142671" cy="4090893"/>
-          </a:xfrm>
-          <a:prstGeom prst="rect">
-            <a:avLst/>
-          </a:prstGeom>
-        </p:spPr>
-      </p:pic>
     </p:spTree>
     <p:extLst>
       <p:ext uri="{BB962C8B-B14F-4D97-AF65-F5344CB8AC3E}">
-        <p14:creationId xmlns:p14="http://schemas.microsoft.com/office/powerpoint/2010/main" val="3024059906"/>
+        <p14:creationId xmlns:p14="http://schemas.microsoft.com/office/powerpoint/2010/main" val="3977554476"/>
       </p:ext>
     </p:extLst>
   </p:cSld>
@@ -6129,116 +5289,135 @@
       </p:grpSpPr>
       <p:sp>
         <p:nvSpPr>
-          <p:cNvPr id="3" name="Title 2">
-            <a:extLst>
-              <a:ext uri="{FF2B5EF4-FFF2-40B4-BE49-F238E27FC236}">
-                <a16:creationId xmlns:a16="http://schemas.microsoft.com/office/drawing/2014/main" id="{CEB8C6C0-1E5A-4CF8-A7E4-17A42EBC5744}"/>
-              </a:ext>
-            </a:extLst>
-          </p:cNvPr>
+          <p:cNvPr id="2" name="Text Placeholder 1"/>
           <p:cNvSpPr>
             <a:spLocks noGrp="1"/>
           </p:cNvSpPr>
           <p:nvPr>
-            <p:ph type="title"/>
+            <p:ph type="body" sz="quarter" idx="15"/>
           </p:nvPr>
         </p:nvSpPr>
         <p:spPr/>
         <p:txBody>
-          <a:bodyPr>
-            <a:noAutofit/>
-          </a:bodyPr>
+          <a:bodyPr/>
           <a:lstStyle/>
           <a:p>
             <a:r>
-              <a:rPr lang="en-US" sz="4000"/>
-              <a:t>Mapping </a:t>
-            </a:r>
-            <a:r>
-              <a:rPr lang="en-US" sz="4000">
-                <a:cs typeface="Segoe UI Light"/>
+              <a:rPr lang="en-GB" dirty="0" smtClean="0"/>
+              <a:t>Client API – </a:t>
+            </a:r>
+            <a:r>
+              <a:rPr lang="en-GB" dirty="0" err="1" smtClean="0"/>
+              <a:t>Javascript</a:t>
+            </a:r>
+            <a:r>
+              <a:rPr lang="en-GB" dirty="0" smtClean="0"/>
+              <a:t> </a:t>
+            </a:r>
+            <a:r>
+              <a:rPr lang="en-GB" dirty="0" err="1" smtClean="0"/>
+              <a:t>Xrm.Page</a:t>
+            </a:r>
+            <a:endParaRPr lang="en-GB" dirty="0" smtClean="0"/>
+          </a:p>
+          <a:p>
+            <a:r>
+              <a:rPr lang="en-GB" dirty="0" err="1" smtClean="0"/>
+              <a:t>Xrm.Page</a:t>
+            </a:r>
+            <a:r>
+              <a:rPr lang="en-GB" dirty="0" smtClean="0"/>
+              <a:t> – deprecated – use </a:t>
+            </a:r>
+            <a:r>
+              <a:rPr lang="en-GB" dirty="0" err="1" smtClean="0"/>
+              <a:t>ExecutionContext.getFormContext</a:t>
+            </a:r>
+            <a:r>
+              <a:rPr lang="en-GB" dirty="0"/>
+              <a:t/>
+            </a:r>
+            <a:br>
+              <a:rPr lang="en-GB" dirty="0"/>
+            </a:br>
+            <a:r>
+              <a:rPr lang="en-GB" dirty="0"/>
+              <a:t>See </a:t>
+            </a:r>
+            <a:r>
+              <a:rPr lang="en-GB" sz="1400" dirty="0">
+                <a:hlinkClick r:id="rId2"/>
               </a:rPr>
-              <a:t>additional </a:t>
-            </a:r>
-            <a:r>
-              <a:rPr lang="en-US" sz="4000" dirty="0">
-                <a:cs typeface="Segoe UI Light"/>
+              <a:t>https://</a:t>
+            </a:r>
+            <a:r>
+              <a:rPr lang="en-GB" sz="1400" dirty="0" smtClean="0">
+                <a:hlinkClick r:id="rId2"/>
               </a:rPr>
-              <a:t>fields</a:t>
-            </a:r>
-            <a:endParaRPr lang="en-US"/>
+              <a:t>docs.microsoft.com/en-us/dynamics365/get-started/whats-new/customer-engagement/important-changes-coming</a:t>
+            </a:r>
+            <a:r>
+              <a:rPr lang="en-GB" sz="1400" dirty="0" smtClean="0"/>
+              <a:t> </a:t>
+            </a:r>
+          </a:p>
+          <a:p>
+            <a:r>
+              <a:rPr lang="en-GB" dirty="0" smtClean="0"/>
+              <a:t>JavaScript vs Business Rules</a:t>
+            </a:r>
+          </a:p>
+          <a:p>
+            <a:r>
+              <a:rPr lang="en-GB" dirty="0" smtClean="0"/>
+              <a:t>Events that can trigger JavaScript</a:t>
+            </a:r>
+          </a:p>
+          <a:p>
+            <a:r>
+              <a:rPr lang="en-GB" dirty="0" smtClean="0"/>
+              <a:t>AutoSave – turning it off.</a:t>
+            </a:r>
+          </a:p>
+          <a:p>
+            <a:r>
+              <a:rPr lang="en-GB" dirty="0" err="1" smtClean="0"/>
+              <a:t>WebApi</a:t>
+            </a:r>
+            <a:r>
+              <a:rPr lang="en-GB" dirty="0" smtClean="0"/>
+              <a:t> from JS – use </a:t>
+            </a:r>
+            <a:r>
+              <a:rPr lang="en-GB" dirty="0" err="1" smtClean="0"/>
+              <a:t>CRMRestBuilder</a:t>
+            </a:r>
+            <a:endParaRPr lang="en-GB" dirty="0" smtClean="0"/>
+          </a:p>
+          <a:p>
+            <a:r>
+              <a:rPr lang="en-GB" dirty="0" smtClean="0"/>
+              <a:t>Web Resources</a:t>
+            </a:r>
+          </a:p>
+          <a:p>
+            <a:r>
+              <a:rPr lang="en-GB" smtClean="0"/>
+              <a:t>Controls vs Data</a:t>
+            </a:r>
+            <a:endParaRPr lang="en-GB" dirty="0" smtClean="0"/>
+          </a:p>
+          <a:p>
+            <a:endParaRPr lang="en-GB" dirty="0" smtClean="0"/>
+          </a:p>
+          <a:p>
+            <a:endParaRPr lang="en-GB" dirty="0"/>
           </a:p>
         </p:txBody>
       </p:sp>
-      <p:pic>
-        <p:nvPicPr>
-          <p:cNvPr id="2" name="Picture 3" descr="A screenshot of a cell phone&#10;&#10;Description generated with high confidence">
-            <a:extLst>
-              <a:ext uri="{FF2B5EF4-FFF2-40B4-BE49-F238E27FC236}">
-                <a16:creationId xmlns:a16="http://schemas.microsoft.com/office/drawing/2014/main" id="{7EE3807B-F086-4350-9DA8-4D3FE429703F}"/>
-              </a:ext>
-            </a:extLst>
-          </p:cNvPr>
-          <p:cNvPicPr>
-            <a:picLocks noChangeAspect="1"/>
-          </p:cNvPicPr>
-          <p:nvPr/>
-        </p:nvPicPr>
-        <p:blipFill>
-          <a:blip r:embed="rId3"/>
-          <a:stretch>
-            <a:fillRect/>
-          </a:stretch>
-        </p:blipFill>
-        <p:spPr>
-          <a:xfrm>
-            <a:off x="1848929" y="1671766"/>
-            <a:ext cx="6797614" cy="4722167"/>
-          </a:xfrm>
-          <a:prstGeom prst="rect">
-            <a:avLst/>
-          </a:prstGeom>
-        </p:spPr>
-      </p:pic>
-    </p:spTree>
-    <p:extLst>
-      <p:ext uri="{BB962C8B-B14F-4D97-AF65-F5344CB8AC3E}">
-        <p14:creationId xmlns:p14="http://schemas.microsoft.com/office/powerpoint/2010/main" val="1064995131"/>
-      </p:ext>
-    </p:extLst>
-  </p:cSld>
-  <p:clrMapOvr>
-    <a:masterClrMapping/>
-  </p:clrMapOvr>
-</p:sld>
-</file>
-
-<file path=ppt/slides/slide14.xml><?xml version="1.0" encoding="utf-8"?>
-<p:sld xmlns:a="http://schemas.openxmlformats.org/drawingml/2006/main" xmlns:r="http://schemas.openxmlformats.org/officeDocument/2006/relationships" xmlns:p="http://schemas.openxmlformats.org/presentationml/2006/main">
-  <p:cSld>
-    <p:spTree>
-      <p:nvGrpSpPr>
-        <p:cNvPr id="1" name=""/>
-        <p:cNvGrpSpPr/>
-        <p:nvPr/>
-      </p:nvGrpSpPr>
-      <p:grpSpPr>
-        <a:xfrm>
-          <a:off x="0" y="0"/>
-          <a:ext cx="0" cy="0"/>
-          <a:chOff x="0" y="0"/>
-          <a:chExt cx="0" cy="0"/>
-        </a:xfrm>
-      </p:grpSpPr>
       <p:sp>
         <p:nvSpPr>
-          <p:cNvPr id="3" name="Title 2">
-            <a:extLst>
-              <a:ext uri="{FF2B5EF4-FFF2-40B4-BE49-F238E27FC236}">
-                <a16:creationId xmlns:a16="http://schemas.microsoft.com/office/drawing/2014/main" id="{CEB8C6C0-1E5A-4CF8-A7E4-17A42EBC5744}"/>
-              </a:ext>
-            </a:extLst>
-          </p:cNvPr>
+          <p:cNvPr id="3" name="Title 2"/>
           <p:cNvSpPr>
             <a:spLocks noGrp="1"/>
           </p:cNvSpPr>
@@ -6254,234 +5433,17 @@
           <a:lstStyle/>
           <a:p>
             <a:r>
-              <a:rPr lang="en-US" sz="4000"/>
-              <a:t>Create a forms and views as</a:t>
-            </a:r>
-            <a:r>
-              <a:rPr lang="en-US" sz="4000" dirty="0">
-                <a:cs typeface="Segoe UI Light"/>
-              </a:rPr>
-              <a:t> per standard Entity</a:t>
-            </a:r>
-            <a:br>
-              <a:rPr lang="en-US" sz="4000" dirty="0">
-                <a:cs typeface="Segoe UI Light"/>
-              </a:rPr>
-            </a:br>
-            <a:endParaRPr lang="en-GB" sz="4000">
-              <a:cs typeface="Segoe UI Light"/>
-            </a:endParaRPr>
-          </a:p>
-        </p:txBody>
-      </p:sp>
-      <p:sp>
-        <p:nvSpPr>
-          <p:cNvPr id="5" name="Text Placeholder 4">
-            <a:extLst>
-              <a:ext uri="{FF2B5EF4-FFF2-40B4-BE49-F238E27FC236}">
-                <a16:creationId xmlns:a16="http://schemas.microsoft.com/office/drawing/2014/main" id="{545B9060-CFB3-435F-9AB0-E6F82508F20C}"/>
-              </a:ext>
-            </a:extLst>
-          </p:cNvPr>
-          <p:cNvSpPr>
-            <a:spLocks noGrp="1"/>
-          </p:cNvSpPr>
-          <p:nvPr>
-            <p:ph type="body" sz="quarter" idx="15"/>
-          </p:nvPr>
-        </p:nvSpPr>
-        <p:spPr/>
-        <p:txBody>
-          <a:bodyPr/>
-          <a:lstStyle/>
-          <a:p>
-            <a:endParaRPr lang="en-US"/>
-          </a:p>
-        </p:txBody>
-      </p:sp>
-      <p:pic>
-        <p:nvPicPr>
-          <p:cNvPr id="2" name="Picture 3" descr="A screenshot of a cell phone&#10;&#10;Description generated with very high confidence">
-            <a:extLst>
-              <a:ext uri="{FF2B5EF4-FFF2-40B4-BE49-F238E27FC236}">
-                <a16:creationId xmlns:a16="http://schemas.microsoft.com/office/drawing/2014/main" id="{C7318402-B1D4-4D94-BA0A-43EEC1B9ECE8}"/>
-              </a:ext>
-            </a:extLst>
-          </p:cNvPr>
-          <p:cNvPicPr>
-            <a:picLocks noChangeAspect="1"/>
-          </p:cNvPicPr>
-          <p:nvPr/>
-        </p:nvPicPr>
-        <p:blipFill>
-          <a:blip r:embed="rId3"/>
-          <a:stretch>
-            <a:fillRect/>
-          </a:stretch>
-        </p:blipFill>
-        <p:spPr>
-          <a:xfrm>
-            <a:off x="411193" y="1927942"/>
-            <a:ext cx="6639463" cy="2901473"/>
-          </a:xfrm>
-          <a:prstGeom prst="rect">
-            <a:avLst/>
-          </a:prstGeom>
-        </p:spPr>
-      </p:pic>
-      <p:pic>
-        <p:nvPicPr>
-          <p:cNvPr id="6" name="Picture 6" descr="A screenshot of a cell phone&#10;&#10;Description generated with very high confidence">
-            <a:extLst>
-              <a:ext uri="{FF2B5EF4-FFF2-40B4-BE49-F238E27FC236}">
-                <a16:creationId xmlns:a16="http://schemas.microsoft.com/office/drawing/2014/main" id="{30A699D4-2DDC-421C-8CF0-5DF02CD64EF2}"/>
-              </a:ext>
-            </a:extLst>
-          </p:cNvPr>
-          <p:cNvPicPr>
-            <a:picLocks noChangeAspect="1"/>
-          </p:cNvPicPr>
-          <p:nvPr/>
-        </p:nvPicPr>
-        <p:blipFill>
-          <a:blip r:embed="rId4"/>
-          <a:stretch>
-            <a:fillRect/>
-          </a:stretch>
-        </p:blipFill>
-        <p:spPr>
-          <a:xfrm>
-            <a:off x="7111042" y="2181729"/>
-            <a:ext cx="4712897" cy="3572844"/>
-          </a:xfrm>
-          <a:prstGeom prst="rect">
-            <a:avLst/>
-          </a:prstGeom>
-        </p:spPr>
-      </p:pic>
-    </p:spTree>
-    <p:extLst>
-      <p:ext uri="{BB962C8B-B14F-4D97-AF65-F5344CB8AC3E}">
-        <p14:creationId xmlns:p14="http://schemas.microsoft.com/office/powerpoint/2010/main" val="1192864228"/>
-      </p:ext>
-    </p:extLst>
-  </p:cSld>
-  <p:clrMapOvr>
-    <a:masterClrMapping/>
-  </p:clrMapOvr>
-</p:sld>
-</file>
-
-<file path=ppt/slides/slide15.xml><?xml version="1.0" encoding="utf-8"?>
-<p:sld xmlns:a="http://schemas.openxmlformats.org/drawingml/2006/main" xmlns:r="http://schemas.openxmlformats.org/officeDocument/2006/relationships" xmlns:p="http://schemas.openxmlformats.org/presentationml/2006/main">
-  <p:cSld>
-    <p:spTree>
-      <p:nvGrpSpPr>
-        <p:cNvPr id="1" name=""/>
-        <p:cNvGrpSpPr/>
-        <p:nvPr/>
-      </p:nvGrpSpPr>
-      <p:grpSpPr>
-        <a:xfrm>
-          <a:off x="0" y="0"/>
-          <a:ext cx="0" cy="0"/>
-          <a:chOff x="0" y="0"/>
-          <a:chExt cx="0" cy="0"/>
-        </a:xfrm>
-      </p:grpSpPr>
-      <p:sp>
-        <p:nvSpPr>
-          <p:cNvPr id="2" name="Text Placeholder 1">
-            <a:extLst>
-              <a:ext uri="{FF2B5EF4-FFF2-40B4-BE49-F238E27FC236}">
-                <a16:creationId xmlns:a16="http://schemas.microsoft.com/office/drawing/2014/main" id="{6387C35B-1465-4FB4-B60D-F2C6C5C1E9FF}"/>
-              </a:ext>
-            </a:extLst>
-          </p:cNvPr>
-          <p:cNvSpPr>
-            <a:spLocks noGrp="1"/>
-          </p:cNvSpPr>
-          <p:nvPr>
-            <p:ph type="body" sz="quarter" idx="15"/>
-          </p:nvPr>
-        </p:nvSpPr>
-        <p:spPr/>
-        <p:txBody>
-          <a:bodyPr vert="horz" lIns="91440" tIns="45720" rIns="91440" bIns="45720" rtlCol="0" anchor="t">
-            <a:noAutofit/>
-          </a:bodyPr>
-          <a:lstStyle/>
-          <a:p>
-            <a:pPr lvl="2"/>
-            <a:endParaRPr lang="en-US" dirty="0"/>
-          </a:p>
-          <a:p>
-            <a:r>
-              <a:rPr lang="en-GB" dirty="0"/>
-              <a:t>Creating a virtual entity  </a:t>
-            </a:r>
-            <a:endParaRPr lang="en-GB" dirty="0">
-              <a:cs typeface="Segoe UI"/>
-            </a:endParaRPr>
-          </a:p>
-          <a:p>
-            <a:pPr marL="971550" lvl="2" indent="0">
-              <a:buNone/>
-            </a:pPr>
+              <a:rPr lang="en-GB" dirty="0" smtClean="0"/>
+              <a:t>Summary</a:t>
+            </a:r>
             <a:endParaRPr lang="en-GB" dirty="0"/>
-          </a:p>
-          <a:p>
-            <a:pPr marL="800100" lvl="1"/>
-            <a:endParaRPr lang="en-GB" dirty="0"/>
-          </a:p>
-          <a:p>
-            <a:pPr marL="0" indent="0">
-              <a:buNone/>
-            </a:pPr>
-            <a:r>
-              <a:rPr lang="en-GB" dirty="0"/>
-              <a:t>	</a:t>
-            </a:r>
-          </a:p>
-        </p:txBody>
-      </p:sp>
-      <p:sp>
-        <p:nvSpPr>
-          <p:cNvPr id="3" name="Title 2">
-            <a:extLst>
-              <a:ext uri="{FF2B5EF4-FFF2-40B4-BE49-F238E27FC236}">
-                <a16:creationId xmlns:a16="http://schemas.microsoft.com/office/drawing/2014/main" id="{CEB8C6C0-1E5A-4CF8-A7E4-17A42EBC5744}"/>
-              </a:ext>
-            </a:extLst>
-          </p:cNvPr>
-          <p:cNvSpPr>
-            <a:spLocks noGrp="1"/>
-          </p:cNvSpPr>
-          <p:nvPr>
-            <p:ph type="title"/>
-          </p:nvPr>
-        </p:nvSpPr>
-        <p:spPr/>
-        <p:txBody>
-          <a:bodyPr>
-            <a:normAutofit fontScale="90000"/>
-          </a:bodyPr>
-          <a:lstStyle/>
-          <a:p>
-            <a:r>
-              <a:rPr lang="en-GB" sz="4000" dirty="0"/>
-              <a:t>Module 9 Lab A</a:t>
-            </a:r>
-            <a:endParaRPr lang="en-GB" sz="4000" dirty="0">
-              <a:cs typeface="Segoe UI Light"/>
-            </a:endParaRPr>
           </a:p>
         </p:txBody>
       </p:sp>
     </p:spTree>
     <p:extLst>
       <p:ext uri="{BB962C8B-B14F-4D97-AF65-F5344CB8AC3E}">
-        <p14:creationId xmlns:p14="http://schemas.microsoft.com/office/powerpoint/2010/main" val="953819148"/>
+        <p14:creationId xmlns:p14="http://schemas.microsoft.com/office/powerpoint/2010/main" val="2916850835"/>
       </p:ext>
     </p:extLst>
   </p:cSld>
@@ -6526,37 +5488,20 @@
         </p:nvSpPr>
         <p:spPr/>
         <p:txBody>
-          <a:bodyPr vert="horz" lIns="91440" tIns="45720" rIns="91440" bIns="45720" rtlCol="0" anchor="t">
-            <a:noAutofit/>
-          </a:bodyPr>
+          <a:bodyPr/>
           <a:lstStyle/>
           <a:p>
             <a:r>
-              <a:rPr lang="en-GB" dirty="0"/>
-              <a:t>Introduction to virtual entities</a:t>
-            </a:r>
-          </a:p>
-          <a:p>
-            <a:r>
-              <a:rPr lang="en-GB" dirty="0"/>
-              <a:t>Limitations of Virtual Entities</a:t>
-            </a:r>
-          </a:p>
-          <a:p>
-            <a:r>
-              <a:rPr lang="en-GB" dirty="0">
-                <a:cs typeface="Segoe UI"/>
-              </a:rPr>
-              <a:t>Virtual Entity Data Providers</a:t>
-            </a:r>
-          </a:p>
-          <a:p>
-            <a:r>
-              <a:rPr lang="en-GB" dirty="0">
-                <a:cs typeface="Segoe UI"/>
-              </a:rPr>
-              <a:t>Virtual entity creation</a:t>
-            </a:r>
+              <a:rPr lang="en-GB" dirty="0" smtClean="0"/>
+              <a:t>Improvements</a:t>
+            </a:r>
+          </a:p>
+          <a:p>
+            <a:r>
+              <a:rPr lang="en-GB" dirty="0" smtClean="0"/>
+              <a:t>Deprecations</a:t>
+            </a:r>
+            <a:endParaRPr lang="en-GB" dirty="0"/>
           </a:p>
         </p:txBody>
       </p:sp>
@@ -6584,7 +5529,7 @@
           <a:lstStyle/>
           <a:p>
             <a:r>
-              <a:rPr lang="en-GB"/>
+              <a:rPr lang="en-GB" smtClean="0"/>
               <a:t>Objectives</a:t>
             </a:r>
             <a:endParaRPr lang="en-GB" dirty="0"/>
@@ -6601,6 +5546,13 @@
   <p:clrMapOvr>
     <a:masterClrMapping/>
   </p:clrMapOvr>
+  <p:timing>
+    <p:tnLst>
+      <p:par>
+        <p:cTn id="1" dur="indefinite" restart="never" nodeType="tmRoot"/>
+      </p:par>
+    </p:tnLst>
+  </p:timing>
 </p:sld>
 </file>
 
@@ -6639,63 +5591,86 @@
         </p:nvSpPr>
         <p:spPr/>
         <p:txBody>
-          <a:bodyPr vert="horz" lIns="91440" tIns="45720" rIns="91440" bIns="45720" rtlCol="0" anchor="t">
-            <a:noAutofit/>
-          </a:bodyPr>
+          <a:bodyPr/>
           <a:lstStyle/>
           <a:p>
-            <a:endParaRPr lang="en-US" b="1" dirty="0"/>
-          </a:p>
-          <a:p>
-            <a:r>
-              <a:rPr lang="en-US" dirty="0"/>
-              <a:t>Integration with external data</a:t>
-            </a:r>
-            <a:endParaRPr lang="en-US" dirty="0">
-              <a:cs typeface="Segoe UI"/>
-            </a:endParaRPr>
-          </a:p>
-          <a:p>
-            <a:endParaRPr lang="en-US" dirty="0">
-              <a:cs typeface="Segoe UI"/>
-            </a:endParaRPr>
-          </a:p>
-          <a:p>
-            <a:r>
-              <a:rPr lang="en-US" dirty="0"/>
-              <a:t>Reduce data duplication</a:t>
-            </a:r>
-            <a:endParaRPr lang="en-US" dirty="0">
-              <a:cs typeface="Segoe UI"/>
-            </a:endParaRPr>
-          </a:p>
-          <a:p>
-            <a:endParaRPr lang="en-US" dirty="0">
-              <a:cs typeface="Segoe UI"/>
-            </a:endParaRPr>
-          </a:p>
-          <a:p>
-            <a:r>
-              <a:rPr lang="en-US" dirty="0"/>
-              <a:t>Data retrieved dynamically from external system</a:t>
-            </a:r>
-            <a:endParaRPr lang="en-US" dirty="0">
-              <a:cs typeface="Segoe UI"/>
-            </a:endParaRPr>
-          </a:p>
-          <a:p>
-            <a:endParaRPr lang="en-US" dirty="0">
-              <a:cs typeface="Segoe UI"/>
-            </a:endParaRPr>
-          </a:p>
-          <a:p>
-            <a:r>
-              <a:rPr lang="en-US" dirty="0"/>
-              <a:t>Entity data providers used to retrieve data from external data source</a:t>
-            </a:r>
-            <a:endParaRPr lang="en-US" dirty="0">
-              <a:cs typeface="Segoe UI"/>
-            </a:endParaRPr>
+            <a:r>
+              <a:rPr lang="en-GB" dirty="0" err="1" smtClean="0"/>
+              <a:t>WebAPI</a:t>
+            </a:r>
+            <a:endParaRPr lang="en-GB" dirty="0" smtClean="0"/>
+          </a:p>
+          <a:p>
+            <a:pPr lvl="1"/>
+            <a:r>
+              <a:rPr lang="en-GB" dirty="0" smtClean="0"/>
+              <a:t>Custom actions that return </a:t>
+            </a:r>
+            <a:r>
+              <a:rPr lang="en-GB" dirty="0" err="1" smtClean="0"/>
+              <a:t>EntityReference</a:t>
+            </a:r>
+            <a:r>
+              <a:rPr lang="en-GB" dirty="0" smtClean="0"/>
+              <a:t>, Entity, or </a:t>
+            </a:r>
+            <a:r>
+              <a:rPr lang="en-GB" dirty="0" err="1" smtClean="0"/>
+              <a:t>EntityCollection</a:t>
+            </a:r>
+            <a:r>
+              <a:rPr lang="en-GB" dirty="0" smtClean="0"/>
+              <a:t> types are now available</a:t>
+            </a:r>
+          </a:p>
+          <a:p>
+            <a:r>
+              <a:rPr lang="en-US" dirty="0" smtClean="0"/>
+              <a:t>Client API enhancements</a:t>
+            </a:r>
+          </a:p>
+          <a:p>
+            <a:pPr lvl="1"/>
+            <a:r>
+              <a:rPr lang="en-US" dirty="0" smtClean="0"/>
+              <a:t>now use the new </a:t>
+            </a:r>
+            <a:r>
+              <a:rPr lang="en-US" dirty="0" err="1" smtClean="0"/>
+              <a:t>Xrm.Utility.getGlobalContext</a:t>
+            </a:r>
+            <a:r>
+              <a:rPr lang="en-US" dirty="0" smtClean="0"/>
+              <a:t> method instead of </a:t>
+            </a:r>
+            <a:r>
+              <a:rPr lang="en-US" dirty="0" err="1" smtClean="0"/>
+              <a:t>Xrm.Page</a:t>
+            </a:r>
+            <a:r>
+              <a:rPr lang="en-US" dirty="0" smtClean="0"/>
+              <a:t> object to get the form context</a:t>
+            </a:r>
+          </a:p>
+          <a:p>
+            <a:r>
+              <a:rPr lang="en-GB" dirty="0" smtClean="0"/>
+              <a:t>JavaScript Web Resource dependencies</a:t>
+            </a:r>
+          </a:p>
+          <a:p>
+            <a:r>
+              <a:rPr lang="en-GB" dirty="0" smtClean="0"/>
+              <a:t>Advanced Find </a:t>
+            </a:r>
+          </a:p>
+          <a:p>
+            <a:pPr lvl="1"/>
+            <a:r>
+              <a:rPr lang="en-GB" dirty="0" smtClean="0"/>
+              <a:t>now has the option to build a NOT IN query</a:t>
+            </a:r>
+            <a:endParaRPr lang="en-GB" dirty="0"/>
           </a:p>
         </p:txBody>
       </p:sp>
@@ -6723,9 +5698,10 @@
           <a:lstStyle/>
           <a:p>
             <a:r>
-              <a:rPr lang="en-GB" dirty="0"/>
-              <a:t>Introduction to Virtual entities</a:t>
-            </a:r>
+              <a:rPr lang="en-GB" smtClean="0"/>
+              <a:t>Improvements</a:t>
+            </a:r>
+            <a:endParaRPr lang="en-GB" dirty="0"/>
           </a:p>
         </p:txBody>
       </p:sp>
@@ -6739,154 +5715,17 @@
   <p:clrMapOvr>
     <a:masterClrMapping/>
   </p:clrMapOvr>
+  <p:timing>
+    <p:tnLst>
+      <p:par>
+        <p:cTn id="1" dur="indefinite" restart="never" nodeType="tmRoot"/>
+      </p:par>
+    </p:tnLst>
+  </p:timing>
 </p:sld>
 </file>
 
 <file path=ppt/slides/slide4.xml><?xml version="1.0" encoding="utf-8"?>
-<p:sld xmlns:a="http://schemas.openxmlformats.org/drawingml/2006/main" xmlns:r="http://schemas.openxmlformats.org/officeDocument/2006/relationships" xmlns:p="http://schemas.openxmlformats.org/presentationml/2006/main">
-  <p:cSld>
-    <p:spTree>
-      <p:nvGrpSpPr>
-        <p:cNvPr id="1" name=""/>
-        <p:cNvGrpSpPr/>
-        <p:nvPr/>
-      </p:nvGrpSpPr>
-      <p:grpSpPr>
-        <a:xfrm>
-          <a:off x="0" y="0"/>
-          <a:ext cx="0" cy="0"/>
-          <a:chOff x="0" y="0"/>
-          <a:chExt cx="0" cy="0"/>
-        </a:xfrm>
-      </p:grpSpPr>
-      <p:sp>
-        <p:nvSpPr>
-          <p:cNvPr id="2" name="Text Placeholder 1">
-            <a:extLst>
-              <a:ext uri="{FF2B5EF4-FFF2-40B4-BE49-F238E27FC236}">
-                <a16:creationId xmlns:a16="http://schemas.microsoft.com/office/drawing/2014/main" id="{B06A2CD2-D2E9-4392-B362-0448AFFE71CD}"/>
-              </a:ext>
-            </a:extLst>
-          </p:cNvPr>
-          <p:cNvSpPr>
-            <a:spLocks noGrp="1"/>
-          </p:cNvSpPr>
-          <p:nvPr>
-            <p:ph type="body" sz="quarter" idx="15"/>
-          </p:nvPr>
-        </p:nvSpPr>
-        <p:spPr/>
-        <p:txBody>
-          <a:bodyPr vert="horz" lIns="91440" tIns="45720" rIns="91440" bIns="45720" rtlCol="0" anchor="t">
-            <a:noAutofit/>
-          </a:bodyPr>
-          <a:lstStyle/>
-          <a:p>
-            <a:r>
-              <a:rPr lang="en-GB" dirty="0"/>
-              <a:t>Data is Read Only</a:t>
-            </a:r>
-          </a:p>
-          <a:p>
-            <a:r>
-              <a:rPr lang="en-GB" dirty="0"/>
-              <a:t>Only Organization owned entities are supported</a:t>
-            </a:r>
-          </a:p>
-          <a:p>
-            <a:r>
-              <a:rPr lang="en-GB" dirty="0"/>
-              <a:t>All external entities must have a GUID primary key</a:t>
-            </a:r>
-          </a:p>
-          <a:p>
-            <a:r>
-              <a:rPr lang="en-GB" dirty="0"/>
-              <a:t>Entity properties must be represented as Dynamics 365 attributes</a:t>
-            </a:r>
-            <a:endParaRPr lang="en-GB" dirty="0">
-              <a:cs typeface="Segoe UI"/>
-            </a:endParaRPr>
-          </a:p>
-          <a:p>
-            <a:r>
-              <a:rPr lang="en-GB" dirty="0"/>
-              <a:t>An entity attribute cannot be calculated or rollup</a:t>
-            </a:r>
-          </a:p>
-          <a:p>
-            <a:r>
-              <a:rPr lang="en-GB" dirty="0"/>
-              <a:t>Auditing and change tracking not supported</a:t>
-            </a:r>
-          </a:p>
-          <a:p>
-            <a:r>
-              <a:rPr lang="en-GB" dirty="0"/>
-              <a:t>Cannot enable virtual entities for queues</a:t>
-            </a:r>
-          </a:p>
-          <a:p>
-            <a:r>
-              <a:rPr lang="en-US" dirty="0"/>
-              <a:t>All entity properties must be represented as Dynamics </a:t>
-            </a:r>
-            <a:r>
-              <a:rPr lang="en-US" dirty="0">
-                <a:cs typeface="Segoe UI"/>
-              </a:rPr>
-              <a:t>365 attributes</a:t>
-            </a:r>
-          </a:p>
-          <a:p>
-            <a:endParaRPr lang="en-GB" dirty="0"/>
-          </a:p>
-        </p:txBody>
-      </p:sp>
-      <p:sp>
-        <p:nvSpPr>
-          <p:cNvPr id="3" name="Title 2">
-            <a:extLst>
-              <a:ext uri="{FF2B5EF4-FFF2-40B4-BE49-F238E27FC236}">
-                <a16:creationId xmlns:a16="http://schemas.microsoft.com/office/drawing/2014/main" id="{9B54248E-9E8C-4964-94D8-5F4FB472D6AB}"/>
-              </a:ext>
-            </a:extLst>
-          </p:cNvPr>
-          <p:cNvSpPr>
-            <a:spLocks noGrp="1"/>
-          </p:cNvSpPr>
-          <p:nvPr>
-            <p:ph type="title"/>
-          </p:nvPr>
-        </p:nvSpPr>
-        <p:spPr/>
-        <p:txBody>
-          <a:bodyPr>
-            <a:normAutofit fontScale="90000"/>
-          </a:bodyPr>
-          <a:lstStyle/>
-          <a:p>
-            <a:r>
-              <a:rPr lang="en-GB" dirty="0"/>
-              <a:t>Limitations of Virtual Entities</a:t>
-            </a:r>
-          </a:p>
-        </p:txBody>
-      </p:sp>
-    </p:spTree>
-    <p:extLst>
-      <p:ext uri="{BB962C8B-B14F-4D97-AF65-F5344CB8AC3E}">
-        <p14:creationId xmlns:p14="http://schemas.microsoft.com/office/powerpoint/2010/main" val="1517123969"/>
-      </p:ext>
-    </p:extLst>
-  </p:cSld>
-  <p:clrMapOvr>
-    <a:masterClrMapping/>
-  </p:clrMapOvr>
-</p:sld>
-</file>
-
-<file path=ppt/slides/slide5.xml><?xml version="1.0" encoding="utf-8"?>
 <p:sld xmlns:a="http://schemas.openxmlformats.org/drawingml/2006/main" xmlns:r="http://schemas.openxmlformats.org/officeDocument/2006/relationships" xmlns:p="http://schemas.openxmlformats.org/presentationml/2006/main">
   <p:cSld>
     <p:spTree>
@@ -6924,105 +5763,57 @@
           <a:bodyPr/>
           <a:lstStyle/>
           <a:p>
-            <a:pPr lvl="2"/>
-            <a:endParaRPr lang="en-US" dirty="0"/>
-          </a:p>
-          <a:p>
-            <a:r>
-              <a:rPr lang="en-GB" dirty="0"/>
-              <a:t>Implemented as plugins</a:t>
+            <a:r>
+              <a:rPr lang="en-GB" dirty="0" smtClean="0"/>
+              <a:t>New Timeline Control API Awareness</a:t>
             </a:r>
           </a:p>
           <a:p>
             <a:pPr lvl="1"/>
             <a:r>
-              <a:rPr lang="en-GB" dirty="0"/>
-              <a:t>Currently only supports read operations</a:t>
-            </a:r>
-          </a:p>
-          <a:p>
-            <a:pPr marL="457200" lvl="1" indent="0">
-              <a:buNone/>
-            </a:pPr>
+              <a:rPr lang="en-GB" dirty="0" smtClean="0"/>
+              <a:t>API access to the social pane</a:t>
+            </a:r>
+          </a:p>
+          <a:p>
+            <a:r>
+              <a:rPr lang="en-GB" dirty="0" smtClean="0"/>
+              <a:t>Clicking the wrong link fixes</a:t>
+            </a:r>
+          </a:p>
+          <a:p>
+            <a:r>
+              <a:rPr lang="en-US" dirty="0" smtClean="0"/>
+              <a:t>New attribute type: multi-select option set</a:t>
+            </a:r>
+          </a:p>
+          <a:p>
+            <a:pPr lvl="1"/>
+            <a:r>
+              <a:rPr lang="en-US" dirty="0" smtClean="0"/>
+              <a:t>Allows selection of multiple options</a:t>
+            </a:r>
+          </a:p>
+          <a:p>
+            <a:r>
+              <a:rPr lang="en-GB" dirty="0" smtClean="0"/>
+              <a:t>Virtual entities</a:t>
+            </a:r>
+          </a:p>
+          <a:p>
+            <a:pPr lvl="1"/>
+            <a:r>
+              <a:rPr lang="en-GB" dirty="0" smtClean="0"/>
+              <a:t>Enable the integration of data residing in external systems</a:t>
+            </a:r>
+          </a:p>
+          <a:p>
+            <a:pPr lvl="1"/>
+            <a:r>
+              <a:rPr lang="en-GB" dirty="0" smtClean="0"/>
+              <a:t>Similar to SharePoint External Content Types</a:t>
+            </a:r>
             <a:endParaRPr lang="en-GB" dirty="0"/>
-          </a:p>
-          <a:p>
-            <a:pPr marL="400050"/>
-            <a:r>
-              <a:rPr lang="en-GB" dirty="0"/>
-              <a:t>Available providers</a:t>
-            </a:r>
-          </a:p>
-          <a:p>
-            <a:pPr marL="800100" lvl="1"/>
-            <a:r>
-              <a:rPr lang="en-GB" dirty="0" err="1"/>
-              <a:t>Odata</a:t>
-            </a:r>
-            <a:r>
-              <a:rPr lang="en-GB" dirty="0"/>
-              <a:t> v4 (installed by default)</a:t>
-            </a:r>
-          </a:p>
-          <a:p>
-            <a:pPr marL="800100" lvl="1"/>
-            <a:r>
-              <a:rPr lang="en-GB" dirty="0"/>
-              <a:t>Azure </a:t>
-            </a:r>
-            <a:r>
-              <a:rPr lang="en-GB" dirty="0" err="1"/>
-              <a:t>CosmosDB</a:t>
-            </a:r>
-            <a:r>
-              <a:rPr lang="en-GB" dirty="0"/>
-              <a:t> (available </a:t>
-            </a:r>
-            <a:r>
-              <a:rPr lang="en-GB" dirty="0" err="1"/>
-              <a:t>fro</a:t>
-            </a:r>
-            <a:r>
-              <a:rPr lang="en-GB" dirty="0"/>
-              <a:t> AppSource)</a:t>
-            </a:r>
-          </a:p>
-          <a:p>
-            <a:pPr marL="800100" lvl="1"/>
-            <a:r>
-              <a:rPr lang="en-GB" dirty="0"/>
-              <a:t>More to be released</a:t>
-            </a:r>
-          </a:p>
-          <a:p>
-            <a:pPr marL="800100" lvl="1"/>
-            <a:endParaRPr lang="en-GB" dirty="0"/>
-          </a:p>
-          <a:p>
-            <a:pPr marL="457200"/>
-            <a:r>
-              <a:rPr lang="en-GB" dirty="0"/>
-              <a:t>Custom data providers can be developed (Custom Plugins)  </a:t>
-            </a:r>
-          </a:p>
-          <a:p>
-            <a:pPr marL="971550" lvl="2" indent="0">
-              <a:buNone/>
-            </a:pPr>
-            <a:endParaRPr lang="en-GB" dirty="0"/>
-          </a:p>
-          <a:p>
-            <a:pPr marL="800100" lvl="1"/>
-            <a:endParaRPr lang="en-GB" dirty="0"/>
-          </a:p>
-          <a:p>
-            <a:pPr marL="0" indent="0">
-              <a:buNone/>
-            </a:pPr>
-            <a:r>
-              <a:rPr lang="en-GB" dirty="0"/>
-              <a:t>	</a:t>
-            </a:r>
           </a:p>
         </p:txBody>
       </p:sp>
@@ -7050,22 +5841,184 @@
           <a:lstStyle/>
           <a:p>
             <a:r>
-              <a:rPr lang="en-GB" dirty="0"/>
-              <a:t>Virtual Entity Data Providers</a:t>
-            </a:r>
+              <a:rPr lang="en-GB" smtClean="0"/>
+              <a:t>Improvements</a:t>
+            </a:r>
+            <a:endParaRPr lang="en-GB" dirty="0"/>
           </a:p>
         </p:txBody>
       </p:sp>
     </p:spTree>
     <p:extLst>
       <p:ext uri="{BB962C8B-B14F-4D97-AF65-F5344CB8AC3E}">
-        <p14:creationId xmlns:p14="http://schemas.microsoft.com/office/powerpoint/2010/main" val="1754826813"/>
+        <p14:creationId xmlns:p14="http://schemas.microsoft.com/office/powerpoint/2010/main" val="1426270711"/>
       </p:ext>
     </p:extLst>
   </p:cSld>
   <p:clrMapOvr>
     <a:masterClrMapping/>
   </p:clrMapOvr>
+  <p:timing>
+    <p:tnLst>
+      <p:par>
+        <p:cTn id="1" dur="indefinite" restart="never" nodeType="tmRoot"/>
+      </p:par>
+    </p:tnLst>
+  </p:timing>
+</p:sld>
+</file>
+
+<file path=ppt/slides/slide5.xml><?xml version="1.0" encoding="utf-8"?>
+<p:sld xmlns:a="http://schemas.openxmlformats.org/drawingml/2006/main" xmlns:r="http://schemas.openxmlformats.org/officeDocument/2006/relationships" xmlns:p="http://schemas.openxmlformats.org/presentationml/2006/main">
+  <p:cSld>
+    <p:spTree>
+      <p:nvGrpSpPr>
+        <p:cNvPr id="1" name=""/>
+        <p:cNvGrpSpPr/>
+        <p:nvPr/>
+      </p:nvGrpSpPr>
+      <p:grpSpPr>
+        <a:xfrm>
+          <a:off x="0" y="0"/>
+          <a:ext cx="0" cy="0"/>
+          <a:chOff x="0" y="0"/>
+          <a:chExt cx="0" cy="0"/>
+        </a:xfrm>
+      </p:grpSpPr>
+      <p:sp>
+        <p:nvSpPr>
+          <p:cNvPr id="2" name="Text Placeholder 1">
+            <a:extLst>
+              <a:ext uri="{FF2B5EF4-FFF2-40B4-BE49-F238E27FC236}">
+                <a16:creationId xmlns:a16="http://schemas.microsoft.com/office/drawing/2014/main" id="{B06A2CD2-D2E9-4392-B362-0448AFFE71CD}"/>
+              </a:ext>
+            </a:extLst>
+          </p:cNvPr>
+          <p:cNvSpPr>
+            <a:spLocks noGrp="1"/>
+          </p:cNvSpPr>
+          <p:nvPr>
+            <p:ph type="body" sz="quarter" idx="15"/>
+          </p:nvPr>
+        </p:nvSpPr>
+        <p:spPr/>
+        <p:txBody>
+          <a:bodyPr/>
+          <a:lstStyle/>
+          <a:p>
+            <a:r>
+              <a:rPr lang="en-GB" dirty="0" smtClean="0"/>
+              <a:t>Service Scheduling </a:t>
+            </a:r>
+          </a:p>
+          <a:p>
+            <a:pPr lvl="1"/>
+            <a:r>
+              <a:rPr lang="en-GB" dirty="0" smtClean="0"/>
+              <a:t>New field service scheduling can be used instead of the Service Scheduling API</a:t>
+            </a:r>
+          </a:p>
+          <a:p>
+            <a:r>
+              <a:rPr lang="en-GB" dirty="0" smtClean="0"/>
+              <a:t>Dialogs </a:t>
+            </a:r>
+          </a:p>
+          <a:p>
+            <a:pPr lvl="1"/>
+            <a:r>
+              <a:rPr lang="en-US" dirty="0" smtClean="0"/>
+              <a:t>Use business process flows instead</a:t>
+            </a:r>
+            <a:endParaRPr lang="en-GB" dirty="0" smtClean="0"/>
+          </a:p>
+          <a:p>
+            <a:r>
+              <a:rPr lang="en-GB" dirty="0" smtClean="0"/>
+              <a:t>Parature Knowledgebase</a:t>
+            </a:r>
+          </a:p>
+          <a:p>
+            <a:pPr lvl="1"/>
+            <a:r>
+              <a:rPr lang="en-GB" dirty="0" smtClean="0"/>
+              <a:t>Who uses it?</a:t>
+            </a:r>
+          </a:p>
+          <a:p>
+            <a:pPr lvl="1"/>
+            <a:r>
+              <a:rPr lang="en-US" dirty="0" smtClean="0"/>
+              <a:t>This feature is replaced by Knowledge Management features in Dynamics 365</a:t>
+            </a:r>
+            <a:endParaRPr lang="en-GB" dirty="0" smtClean="0"/>
+          </a:p>
+          <a:p>
+            <a:r>
+              <a:rPr lang="en-GB" dirty="0" smtClean="0"/>
+              <a:t>Outlook Client </a:t>
+            </a:r>
+          </a:p>
+          <a:p>
+            <a:pPr lvl="1"/>
+            <a:r>
+              <a:rPr lang="en-GB" dirty="0" smtClean="0"/>
+              <a:t>https://docs.microsoft.com/en-us/dynamics365/get-started/whats-new/customer-engagement/important-changes-coming#some-client-apis-are-deprecated</a:t>
+            </a:r>
+          </a:p>
+          <a:p>
+            <a:endParaRPr lang="en-GB" dirty="0"/>
+          </a:p>
+        </p:txBody>
+      </p:sp>
+      <p:sp>
+        <p:nvSpPr>
+          <p:cNvPr id="3" name="Title 2">
+            <a:extLst>
+              <a:ext uri="{FF2B5EF4-FFF2-40B4-BE49-F238E27FC236}">
+                <a16:creationId xmlns:a16="http://schemas.microsoft.com/office/drawing/2014/main" id="{9B54248E-9E8C-4964-94D8-5F4FB472D6AB}"/>
+              </a:ext>
+            </a:extLst>
+          </p:cNvPr>
+          <p:cNvSpPr>
+            <a:spLocks noGrp="1"/>
+          </p:cNvSpPr>
+          <p:nvPr>
+            <p:ph type="title"/>
+          </p:nvPr>
+        </p:nvSpPr>
+        <p:spPr/>
+        <p:txBody>
+          <a:bodyPr>
+            <a:normAutofit fontScale="90000"/>
+          </a:bodyPr>
+          <a:lstStyle/>
+          <a:p>
+            <a:r>
+              <a:rPr lang="en-GB" smtClean="0"/>
+              <a:t>Deprecations</a:t>
+            </a:r>
+            <a:endParaRPr lang="en-GB" dirty="0"/>
+          </a:p>
+        </p:txBody>
+      </p:sp>
+    </p:spTree>
+    <p:extLst>
+      <p:ext uri="{BB962C8B-B14F-4D97-AF65-F5344CB8AC3E}">
+        <p14:creationId xmlns:p14="http://schemas.microsoft.com/office/powerpoint/2010/main" val="1517123969"/>
+      </p:ext>
+    </p:extLst>
+  </p:cSld>
+  <p:clrMapOvr>
+    <a:masterClrMapping/>
+  </p:clrMapOvr>
+  <p:timing>
+    <p:tnLst>
+      <p:par>
+        <p:cTn id="1" dur="indefinite" restart="never" nodeType="tmRoot"/>
+      </p:par>
+    </p:tnLst>
+  </p:timing>
 </p:sld>
 </file>
 
@@ -7091,7 +6044,7 @@
           <p:cNvPr id="2" name="Text Placeholder 1">
             <a:extLst>
               <a:ext uri="{FF2B5EF4-FFF2-40B4-BE49-F238E27FC236}">
-                <a16:creationId xmlns:a16="http://schemas.microsoft.com/office/drawing/2014/main" id="{6387C35B-1465-4FB4-B60D-F2C6C5C1E9FF}"/>
+                <a16:creationId xmlns:a16="http://schemas.microsoft.com/office/drawing/2014/main" id="{B06A2CD2-D2E9-4392-B362-0448AFFE71CD}"/>
               </a:ext>
             </a:extLst>
           </p:cNvPr>
@@ -7104,84 +6057,56 @@
         </p:nvSpPr>
         <p:spPr/>
         <p:txBody>
-          <a:bodyPr vert="horz" lIns="91440" tIns="45720" rIns="91440" bIns="45720" rtlCol="0" anchor="t">
-            <a:noAutofit/>
-          </a:bodyPr>
+          <a:bodyPr/>
           <a:lstStyle/>
           <a:p>
-            <a:pPr lvl="2"/>
-            <a:endParaRPr lang="en-US" dirty="0"/>
-          </a:p>
-          <a:p>
-            <a:r>
-              <a:rPr lang="en-GB" dirty="0"/>
-              <a:t>Generic</a:t>
-            </a:r>
-            <a:endParaRPr lang="en-GB" dirty="0">
-              <a:cs typeface="Segoe UI"/>
-            </a:endParaRPr>
+            <a:r>
+              <a:rPr lang="en-GB" dirty="0" smtClean="0"/>
+              <a:t>Windows 8 tablet app</a:t>
+            </a:r>
           </a:p>
           <a:p>
             <a:pPr lvl="1"/>
             <a:r>
-              <a:rPr lang="en-GB" dirty="0"/>
-              <a:t>If the schema of the data source changes, the affected virtual entities must only be remapped</a:t>
-            </a:r>
-            <a:endParaRPr lang="en-GB" dirty="0">
-              <a:cs typeface="Segoe UI"/>
-            </a:endParaRPr>
-          </a:p>
-          <a:p>
-            <a:pPr marL="457200" lvl="1" indent="0">
-              <a:buNone/>
-            </a:pPr>
+              <a:rPr lang="en-US" dirty="0" smtClean="0"/>
+              <a:t>Finance and Operations is compatible with tablets. The tablet app is no longer required</a:t>
+            </a:r>
+            <a:endParaRPr lang="en-GB" dirty="0" smtClean="0"/>
+          </a:p>
+          <a:p>
+            <a:r>
+              <a:rPr lang="en-GB" dirty="0" smtClean="0"/>
+              <a:t>Mail Merge </a:t>
+            </a:r>
+          </a:p>
+          <a:p>
+            <a:pPr lvl="1"/>
+            <a:r>
+              <a:rPr lang="en-GB" dirty="0" smtClean="0"/>
+              <a:t>Mail merge can be provided with Word or Excel Templates</a:t>
+            </a:r>
+          </a:p>
+          <a:p>
+            <a:r>
+              <a:rPr lang="en-GB" dirty="0" smtClean="0"/>
+              <a:t>Announcements are deprecated</a:t>
+            </a:r>
+          </a:p>
+          <a:p>
+            <a:r>
+              <a:rPr lang="en-US" dirty="0" smtClean="0"/>
+              <a:t>Some client APIs are deprecated</a:t>
+            </a:r>
+          </a:p>
+          <a:p>
+            <a:pPr lvl="1"/>
+            <a:r>
+              <a:rPr lang="en-GB" dirty="0" smtClean="0"/>
+              <a:t>https://docs.microsoft.com/en-us/dynamics365/get-started/whats-new/customer-engagement/important-changes-coming#some-client-apis-are-deprecated</a:t>
+            </a:r>
+          </a:p>
+          <a:p>
             <a:endParaRPr lang="en-GB" dirty="0"/>
-          </a:p>
-          <a:p>
-            <a:pPr marL="400050"/>
-            <a:r>
-              <a:rPr lang="en-GB" dirty="0"/>
-              <a:t>Targeted</a:t>
-            </a:r>
-            <a:endParaRPr lang="en-GB" dirty="0">
-              <a:cs typeface="Segoe UI"/>
-            </a:endParaRPr>
-          </a:p>
-          <a:p>
-            <a:pPr lvl="1"/>
-            <a:r>
-              <a:rPr lang="en-GB" dirty="0">
-                <a:cs typeface="Segoe UI"/>
-              </a:rPr>
-              <a:t>If the schema of the data source changes, the data provider must be updated and rebuilt</a:t>
-            </a:r>
-          </a:p>
-          <a:p>
-            <a:pPr marL="114300" indent="0">
-              <a:buNone/>
-            </a:pPr>
-            <a:endParaRPr lang="en-GB">
-              <a:cs typeface="Segoe UI"/>
-            </a:endParaRPr>
-          </a:p>
-          <a:p>
-            <a:pPr marL="971550" lvl="2" indent="0">
-              <a:buNone/>
-            </a:pPr>
-            <a:endParaRPr lang="en-GB" dirty="0"/>
-          </a:p>
-          <a:p>
-            <a:pPr marL="800100" lvl="1"/>
-            <a:endParaRPr lang="en-GB" dirty="0"/>
-          </a:p>
-          <a:p>
-            <a:pPr marL="0" indent="0">
-              <a:buNone/>
-            </a:pPr>
-            <a:r>
-              <a:rPr lang="en-GB" dirty="0"/>
-              <a:t>	</a:t>
-            </a:r>
           </a:p>
         </p:txBody>
       </p:sp>
@@ -7190,7 +6115,7 @@
           <p:cNvPr id="3" name="Title 2">
             <a:extLst>
               <a:ext uri="{FF2B5EF4-FFF2-40B4-BE49-F238E27FC236}">
-                <a16:creationId xmlns:a16="http://schemas.microsoft.com/office/drawing/2014/main" id="{CEB8C6C0-1E5A-4CF8-A7E4-17A42EBC5744}"/>
+                <a16:creationId xmlns:a16="http://schemas.microsoft.com/office/drawing/2014/main" id="{9B54248E-9E8C-4964-94D8-5F4FB472D6AB}"/>
               </a:ext>
             </a:extLst>
           </p:cNvPr>
@@ -7209,16 +6134,17 @@
           <a:lstStyle/>
           <a:p>
             <a:r>
-              <a:rPr lang="en-GB" dirty="0"/>
-              <a:t>Categories of Data Providers</a:t>
-            </a:r>
+              <a:rPr lang="en-GB" smtClean="0"/>
+              <a:t>Deprecations</a:t>
+            </a:r>
+            <a:endParaRPr lang="en-GB" dirty="0"/>
           </a:p>
         </p:txBody>
       </p:sp>
     </p:spTree>
     <p:extLst>
       <p:ext uri="{BB962C8B-B14F-4D97-AF65-F5344CB8AC3E}">
-        <p14:creationId xmlns:p14="http://schemas.microsoft.com/office/powerpoint/2010/main" val="2028711776"/>
+        <p14:creationId xmlns:p14="http://schemas.microsoft.com/office/powerpoint/2010/main" val="3255455211"/>
       </p:ext>
     </p:extLst>
   </p:cSld>
@@ -7250,7 +6176,7 @@
           <p:cNvPr id="2" name="Text Placeholder 1">
             <a:extLst>
               <a:ext uri="{FF2B5EF4-FFF2-40B4-BE49-F238E27FC236}">
-                <a16:creationId xmlns:a16="http://schemas.microsoft.com/office/drawing/2014/main" id="{6387C35B-1465-4FB4-B60D-F2C6C5C1E9FF}"/>
+                <a16:creationId xmlns:a16="http://schemas.microsoft.com/office/drawing/2014/main" id="{B06A2CD2-D2E9-4392-B362-0448AFFE71CD}"/>
               </a:ext>
             </a:extLst>
           </p:cNvPr>
@@ -7267,47 +6193,25 @@
           <a:lstStyle/>
           <a:p>
             <a:r>
-              <a:rPr lang="en-GB" dirty="0"/>
-              <a:t>Creation similar to standard entity </a:t>
-            </a:r>
-          </a:p>
-          <a:p>
-            <a:r>
-              <a:rPr lang="en-US" dirty="0"/>
-              <a:t>Additional configuration includes</a:t>
+              <a:rPr lang="en-US" dirty="0" smtClean="0"/>
+              <a:t>Silverlight (XAP) web resources</a:t>
             </a:r>
           </a:p>
           <a:p>
             <a:pPr lvl="1"/>
             <a:r>
-              <a:rPr lang="en-US" dirty="0"/>
-              <a:t>Connect virtual entity to a data provider</a:t>
+              <a:rPr lang="en-US" dirty="0" smtClean="0"/>
+              <a:t>Use custom controls created using the Custom Controls (provided by Dynamics365) or HTML web resources </a:t>
             </a:r>
           </a:p>
           <a:p>
             <a:pPr lvl="1"/>
             <a:r>
-              <a:rPr lang="en-US" dirty="0"/>
-              <a:t>Entity type and it’s fields must be ‘mapped’</a:t>
-            </a:r>
-          </a:p>
-          <a:p>
-            <a:pPr lvl="1"/>
-            <a:r>
-              <a:rPr lang="en-US" dirty="0"/>
-              <a:t>ID of entity</a:t>
-            </a:r>
-            <a:r>
-              <a:rPr lang="en-US" b="1" dirty="0"/>
-              <a:t> must</a:t>
-            </a:r>
-            <a:r>
-              <a:rPr lang="en-US" dirty="0"/>
-              <a:t> be mapped to external data </a:t>
-            </a:r>
-          </a:p>
-          <a:p>
-            <a:pPr lvl="1"/>
+              <a:rPr lang="en-US" dirty="0" smtClean="0"/>
+              <a:t>https://redcrm.wordpress.com/2016/07/18/crm-online-custom-controls/</a:t>
+            </a:r>
+          </a:p>
+          <a:p>
             <a:endParaRPr lang="en-US" dirty="0"/>
           </a:p>
         </p:txBody>
@@ -7317,7 +6221,7 @@
           <p:cNvPr id="3" name="Title 2">
             <a:extLst>
               <a:ext uri="{FF2B5EF4-FFF2-40B4-BE49-F238E27FC236}">
-                <a16:creationId xmlns:a16="http://schemas.microsoft.com/office/drawing/2014/main" id="{CEB8C6C0-1E5A-4CF8-A7E4-17A42EBC5744}"/>
+                <a16:creationId xmlns:a16="http://schemas.microsoft.com/office/drawing/2014/main" id="{9B54248E-9E8C-4964-94D8-5F4FB472D6AB}"/>
               </a:ext>
             </a:extLst>
           </p:cNvPr>
@@ -7336,20 +6240,9 @@
           <a:lstStyle/>
           <a:p>
             <a:r>
-              <a:rPr lang="en-US" dirty="0"/>
-              <a:t>Virtual entity creation and mapping</a:t>
-            </a:r>
-            <a:r>
-              <a:rPr lang="en-US" dirty="0">
-                <a:cs typeface="Segoe UI Light"/>
-              </a:rPr>
-              <a:t/>
-            </a:r>
-            <a:br>
-              <a:rPr lang="en-US" dirty="0">
-                <a:cs typeface="Segoe UI Light"/>
-              </a:rPr>
-            </a:br>
+              <a:rPr lang="en-GB" smtClean="0"/>
+              <a:t>Deprecations</a:t>
+            </a:r>
             <a:endParaRPr lang="en-GB" dirty="0"/>
           </a:p>
         </p:txBody>
@@ -7357,7 +6250,7 @@
     </p:spTree>
     <p:extLst>
       <p:ext uri="{BB962C8B-B14F-4D97-AF65-F5344CB8AC3E}">
-        <p14:creationId xmlns:p14="http://schemas.microsoft.com/office/powerpoint/2010/main" val="1426270711"/>
+        <p14:creationId xmlns:p14="http://schemas.microsoft.com/office/powerpoint/2010/main" val="1290662832"/>
       </p:ext>
     </p:extLst>
   </p:cSld>
@@ -7386,13 +6279,7 @@
       </p:grpSpPr>
       <p:sp>
         <p:nvSpPr>
-          <p:cNvPr id="2" name="Text Placeholder 1">
-            <a:extLst>
-              <a:ext uri="{FF2B5EF4-FFF2-40B4-BE49-F238E27FC236}">
-                <a16:creationId xmlns:a16="http://schemas.microsoft.com/office/drawing/2014/main" id="{6387C35B-1465-4FB4-B60D-F2C6C5C1E9FF}"/>
-              </a:ext>
-            </a:extLst>
-          </p:cNvPr>
+          <p:cNvPr id="2" name="Text Placeholder 1"/>
           <p:cNvSpPr>
             <a:spLocks noGrp="1"/>
           </p:cNvSpPr>
@@ -7402,29 +6289,85 @@
         </p:nvSpPr>
         <p:spPr/>
         <p:txBody>
-          <a:bodyPr vert="horz" lIns="91440" tIns="45720" rIns="91440" bIns="45720" rtlCol="0" anchor="t">
-            <a:noAutofit/>
-          </a:bodyPr>
+          <a:bodyPr/>
           <a:lstStyle/>
           <a:p>
-            <a:pPr lvl="1"/>
-            <a:endParaRPr lang="en-US"/>
-          </a:p>
-          <a:p>
-            <a:pPr lvl="1"/>
-            <a:endParaRPr lang="en-US" dirty="0"/>
+            <a:r>
+              <a:rPr lang="en-GB" dirty="0" smtClean="0"/>
+              <a:t>TLS1.2 – With older </a:t>
+            </a:r>
+            <a:r>
+              <a:rPr lang="en-GB" dirty="0" err="1" smtClean="0"/>
+              <a:t>.Net</a:t>
+            </a:r>
+            <a:r>
+              <a:rPr lang="en-GB" dirty="0" smtClean="0"/>
+              <a:t> versions  - </a:t>
+            </a:r>
+            <a:r>
+              <a:rPr lang="en-GB" sz="2000" dirty="0">
+                <a:solidFill>
+                  <a:srgbClr val="000000"/>
+                </a:solidFill>
+                <a:latin typeface="Consolas" panose="020B0609020204030204" pitchFamily="49" charset="0"/>
+              </a:rPr>
+              <a:t> </a:t>
+            </a:r>
+            <a:r>
+              <a:rPr lang="en-GB" sz="1400" dirty="0" err="1">
+                <a:solidFill>
+                  <a:srgbClr val="2B91AF"/>
+                </a:solidFill>
+                <a:latin typeface="Consolas" panose="020B0609020204030204" pitchFamily="49" charset="0"/>
+              </a:rPr>
+              <a:t>ServicePointManager</a:t>
+            </a:r>
+            <a:r>
+              <a:rPr lang="en-GB" sz="1400" dirty="0" err="1">
+                <a:solidFill>
+                  <a:srgbClr val="000000"/>
+                </a:solidFill>
+                <a:latin typeface="Consolas" panose="020B0609020204030204" pitchFamily="49" charset="0"/>
+              </a:rPr>
+              <a:t>.SecurityProtocol</a:t>
+            </a:r>
+            <a:r>
+              <a:rPr lang="en-GB" sz="1400" dirty="0">
+                <a:solidFill>
+                  <a:srgbClr val="000000"/>
+                </a:solidFill>
+                <a:latin typeface="Consolas" panose="020B0609020204030204" pitchFamily="49" charset="0"/>
+              </a:rPr>
+              <a:t> = </a:t>
+            </a:r>
+            <a:r>
+              <a:rPr lang="en-GB" sz="1400" dirty="0">
+                <a:solidFill>
+                  <a:srgbClr val="2B91AF"/>
+                </a:solidFill>
+                <a:latin typeface="Consolas" panose="020B0609020204030204" pitchFamily="49" charset="0"/>
+              </a:rPr>
+              <a:t>SecurityProtocolType</a:t>
+            </a:r>
+            <a:r>
+              <a:rPr lang="en-GB" sz="1400" dirty="0">
+                <a:solidFill>
+                  <a:srgbClr val="000000"/>
+                </a:solidFill>
+                <a:latin typeface="Consolas" panose="020B0609020204030204" pitchFamily="49" charset="0"/>
+              </a:rPr>
+              <a:t>.Tls12;</a:t>
+            </a:r>
+            <a:endParaRPr lang="en-GB" dirty="0" smtClean="0"/>
+          </a:p>
+          <a:p>
+            <a:endParaRPr lang="en-GB" dirty="0"/>
           </a:p>
         </p:txBody>
       </p:sp>
       <p:sp>
         <p:nvSpPr>
-          <p:cNvPr id="3" name="Title 2">
-            <a:extLst>
-              <a:ext uri="{FF2B5EF4-FFF2-40B4-BE49-F238E27FC236}">
-                <a16:creationId xmlns:a16="http://schemas.microsoft.com/office/drawing/2014/main" id="{CEB8C6C0-1E5A-4CF8-A7E4-17A42EBC5744}"/>
-              </a:ext>
-            </a:extLst>
-          </p:cNvPr>
+          <p:cNvPr id="3" name="Title 2"/>
           <p:cNvSpPr>
             <a:spLocks noGrp="1"/>
           </p:cNvSpPr>
@@ -7435,82 +6378,22 @@
         <p:spPr/>
         <p:txBody>
           <a:bodyPr>
-            <a:noAutofit/>
+            <a:normAutofit fontScale="90000"/>
           </a:bodyPr>
           <a:lstStyle/>
           <a:p>
             <a:r>
-              <a:rPr lang="en-US" sz="4000"/>
-              <a:t>Create a Virtual Entity Data Source</a:t>
-            </a:r>
-            <a:endParaRPr lang="en-US"/>
+              <a:rPr lang="en-GB" dirty="0" smtClean="0"/>
+              <a:t>Known Issues</a:t>
+            </a:r>
+            <a:endParaRPr lang="en-GB" dirty="0"/>
           </a:p>
         </p:txBody>
       </p:sp>
-      <p:pic>
-        <p:nvPicPr>
-          <p:cNvPr id="4" name="Picture 4" descr="A screenshot of a social media post&#10;&#10;Description generated with very high confidence">
-            <a:extLst>
-              <a:ext uri="{FF2B5EF4-FFF2-40B4-BE49-F238E27FC236}">
-                <a16:creationId xmlns:a16="http://schemas.microsoft.com/office/drawing/2014/main" id="{CD0CAC40-0267-4B9D-96DB-7810197BE7D1}"/>
-              </a:ext>
-            </a:extLst>
-          </p:cNvPr>
-          <p:cNvPicPr>
-            <a:picLocks noChangeAspect="1"/>
-          </p:cNvPicPr>
-          <p:nvPr/>
-        </p:nvPicPr>
-        <p:blipFill>
-          <a:blip r:embed="rId3"/>
-          <a:stretch>
-            <a:fillRect/>
-          </a:stretch>
-        </p:blipFill>
-        <p:spPr>
-          <a:xfrm>
-            <a:off x="626854" y="1905142"/>
-            <a:ext cx="4425350" cy="4356056"/>
-          </a:xfrm>
-          <a:prstGeom prst="rect">
-            <a:avLst/>
-          </a:prstGeom>
-        </p:spPr>
-      </p:pic>
-      <p:pic>
-        <p:nvPicPr>
-          <p:cNvPr id="6" name="Picture 6" descr="A screenshot of a cell phone&#10;&#10;Description generated with very high confidence">
-            <a:extLst>
-              <a:ext uri="{FF2B5EF4-FFF2-40B4-BE49-F238E27FC236}">
-                <a16:creationId xmlns:a16="http://schemas.microsoft.com/office/drawing/2014/main" id="{6A669505-ED1B-4CB1-9A8C-C2756D1105A0}"/>
-              </a:ext>
-            </a:extLst>
-          </p:cNvPr>
-          <p:cNvPicPr>
-            <a:picLocks noChangeAspect="1"/>
-          </p:cNvPicPr>
-          <p:nvPr/>
-        </p:nvPicPr>
-        <p:blipFill>
-          <a:blip r:embed="rId4"/>
-          <a:stretch>
-            <a:fillRect/>
-          </a:stretch>
-        </p:blipFill>
-        <p:spPr>
-          <a:xfrm>
-            <a:off x="5143321" y="2263858"/>
-            <a:ext cx="6867524" cy="3284941"/>
-          </a:xfrm>
-          <a:prstGeom prst="rect">
-            <a:avLst/>
-          </a:prstGeom>
-        </p:spPr>
-      </p:pic>
     </p:spTree>
     <p:extLst>
       <p:ext uri="{BB962C8B-B14F-4D97-AF65-F5344CB8AC3E}">
-        <p14:creationId xmlns:p14="http://schemas.microsoft.com/office/powerpoint/2010/main" val="696743190"/>
+        <p14:creationId xmlns:p14="http://schemas.microsoft.com/office/powerpoint/2010/main" val="3584867512"/>
       </p:ext>
     </p:extLst>
   </p:cSld>
@@ -7539,13 +6422,7 @@
       </p:grpSpPr>
       <p:sp>
         <p:nvSpPr>
-          <p:cNvPr id="2" name="Text Placeholder 1">
-            <a:extLst>
-              <a:ext uri="{FF2B5EF4-FFF2-40B4-BE49-F238E27FC236}">
-                <a16:creationId xmlns:a16="http://schemas.microsoft.com/office/drawing/2014/main" id="{6387C35B-1465-4FB4-B60D-F2C6C5C1E9FF}"/>
-              </a:ext>
-            </a:extLst>
-          </p:cNvPr>
+          <p:cNvPr id="2" name="Text Placeholder 1"/>
           <p:cNvSpPr>
             <a:spLocks noGrp="1"/>
           </p:cNvSpPr>
@@ -7555,29 +6432,66 @@
         </p:nvSpPr>
         <p:spPr/>
         <p:txBody>
-          <a:bodyPr vert="horz" lIns="91440" tIns="45720" rIns="91440" bIns="45720" rtlCol="0" anchor="t">
-            <a:noAutofit/>
-          </a:bodyPr>
+          <a:bodyPr/>
           <a:lstStyle/>
           <a:p>
+            <a:r>
+              <a:rPr lang="en-GB" dirty="0" smtClean="0"/>
+              <a:t>CRM Framework </a:t>
+            </a:r>
+          </a:p>
+          <a:p>
+            <a:r>
+              <a:rPr lang="en-GB" dirty="0" smtClean="0"/>
+              <a:t>Tooling – </a:t>
+            </a:r>
+          </a:p>
+          <a:p>
             <a:pPr lvl="1"/>
-            <a:endParaRPr lang="en-US"/>
+            <a:r>
+              <a:rPr lang="en-GB" dirty="0" smtClean="0"/>
+              <a:t>Microsoft Dynamics 365 Toolkit</a:t>
+            </a:r>
           </a:p>
           <a:p>
             <a:pPr lvl="1"/>
-            <a:endParaRPr lang="en-US" dirty="0"/>
+            <a:r>
+              <a:rPr lang="en-GB" dirty="0" err="1" smtClean="0"/>
+              <a:t>CRMRestBuild</a:t>
+            </a:r>
+            <a:endParaRPr lang="en-GB" dirty="0" smtClean="0"/>
+          </a:p>
+          <a:p>
+            <a:pPr lvl="1"/>
+            <a:r>
+              <a:rPr lang="en-GB" dirty="0" err="1" smtClean="0"/>
+              <a:t>XrmToolbox</a:t>
+            </a:r>
+            <a:endParaRPr lang="en-GB" dirty="0" smtClean="0"/>
+          </a:p>
+          <a:p>
+            <a:pPr lvl="1"/>
+            <a:r>
+              <a:rPr lang="en-GB" dirty="0" smtClean="0"/>
+              <a:t>Metadata Browser</a:t>
+            </a:r>
+          </a:p>
+          <a:p>
+            <a:pPr lvl="1"/>
+            <a:r>
+              <a:rPr lang="en-GB" dirty="0" smtClean="0"/>
+              <a:t>Plugin Registration Tool.</a:t>
+            </a:r>
+          </a:p>
+          <a:p>
+            <a:pPr marL="400050"/>
+            <a:endParaRPr lang="en-GB" dirty="0"/>
           </a:p>
         </p:txBody>
       </p:sp>
       <p:sp>
         <p:nvSpPr>
-          <p:cNvPr id="3" name="Title 2">
-            <a:extLst>
-              <a:ext uri="{FF2B5EF4-FFF2-40B4-BE49-F238E27FC236}">
-                <a16:creationId xmlns:a16="http://schemas.microsoft.com/office/drawing/2014/main" id="{CEB8C6C0-1E5A-4CF8-A7E4-17A42EBC5744}"/>
-              </a:ext>
-            </a:extLst>
-          </p:cNvPr>
+          <p:cNvPr id="3" name="Title 2"/>
           <p:cNvSpPr>
             <a:spLocks noGrp="1"/>
           </p:cNvSpPr>
@@ -7588,52 +6502,22 @@
         <p:spPr/>
         <p:txBody>
           <a:bodyPr>
-            <a:noAutofit/>
+            <a:normAutofit fontScale="90000"/>
           </a:bodyPr>
           <a:lstStyle/>
           <a:p>
             <a:r>
-              <a:rPr lang="en-US" sz="4000"/>
-              <a:t>Create a Virtual Entity Data Source</a:t>
-            </a:r>
-            <a:endParaRPr lang="en-US"/>
+              <a:rPr lang="en-GB" dirty="0" smtClean="0"/>
+              <a:t>What we have covered</a:t>
+            </a:r>
+            <a:endParaRPr lang="en-GB" dirty="0"/>
           </a:p>
         </p:txBody>
       </p:sp>
-      <p:pic>
-        <p:nvPicPr>
-          <p:cNvPr id="8" name="Picture 8" descr="A screenshot of a cell phone&#10;&#10;Description generated with very high confidence">
-            <a:extLst>
-              <a:ext uri="{FF2B5EF4-FFF2-40B4-BE49-F238E27FC236}">
-                <a16:creationId xmlns:a16="http://schemas.microsoft.com/office/drawing/2014/main" id="{B7A11AA5-D824-4571-B6F4-9C0EF8AFE5D1}"/>
-              </a:ext>
-            </a:extLst>
-          </p:cNvPr>
-          <p:cNvPicPr>
-            <a:picLocks noChangeAspect="1"/>
-          </p:cNvPicPr>
-          <p:nvPr/>
-        </p:nvPicPr>
-        <p:blipFill>
-          <a:blip r:embed="rId3"/>
-          <a:stretch>
-            <a:fillRect/>
-          </a:stretch>
-        </p:blipFill>
-        <p:spPr>
-          <a:xfrm>
-            <a:off x="1101307" y="1753863"/>
-            <a:ext cx="8364745" cy="4169783"/>
-          </a:xfrm>
-          <a:prstGeom prst="rect">
-            <a:avLst/>
-          </a:prstGeom>
-        </p:spPr>
-      </p:pic>
     </p:spTree>
     <p:extLst>
       <p:ext uri="{BB962C8B-B14F-4D97-AF65-F5344CB8AC3E}">
-        <p14:creationId xmlns:p14="http://schemas.microsoft.com/office/powerpoint/2010/main" val="1843814996"/>
+        <p14:creationId xmlns:p14="http://schemas.microsoft.com/office/powerpoint/2010/main" val="4166900961"/>
       </p:ext>
     </p:extLst>
   </p:cSld>
@@ -8650,7 +7534,7 @@
 <file path=customXml/item2.xml><?xml version="1.0" encoding="utf-8"?>
 <p:properties xmlns:p="http://schemas.microsoft.com/office/2006/metadata/properties" xmlns:xsi="http://www.w3.org/2001/XMLSchema-instance" xmlns:pc="http://schemas.microsoft.com/office/infopath/2007/PartnerControls">
   <documentManagement>
-    <SequenceNumber xmlns="E91B78A9-CB0B-4A6B-986C-C3FD7F78ECCA">10</SequenceNumber>
+    <SequenceNumber xmlns="E91B78A9-CB0B-4A6B-986C-C3FD7F78ECCA">11</SequenceNumber>
     <IsBuildFile xmlns="E91B78A9-CB0B-4A6B-986C-C3FD7F78ECCA" xsi:nil="true"/>
     <BookTypeField0 xmlns="E91B78A9-CB0B-4A6B-986C-C3FD7F78ECCA">
       <Terms xmlns="http://schemas.microsoft.com/office/infopath/2007/PartnerControls">
@@ -8674,7 +7558,7 @@
 </file>
 
 <file path=customXml/itemProps1.xml><?xml version="1.0" encoding="utf-8"?>
-<ds:datastoreItem xmlns:ds="http://schemas.openxmlformats.org/officeDocument/2006/customXml" ds:itemID="{29D22688-E529-4E59-A2F6-5988501AD2FF}">
+<ds:datastoreItem xmlns:ds="http://schemas.openxmlformats.org/officeDocument/2006/customXml" ds:itemID="{0BC83D0D-6254-4EA9-B26A-DF222A701E8B}">
   <ds:schemaRefs>
     <ds:schemaRef ds:uri="http://schemas.microsoft.com/office/2006/metadata/contentType"/>
     <ds:schemaRef ds:uri="http://schemas.microsoft.com/office/2006/metadata/properties/metaAttributes"/>
@@ -8692,23 +7576,17 @@
 </file>
 
 <file path=customXml/itemProps2.xml><?xml version="1.0" encoding="utf-8"?>
-<ds:datastoreItem xmlns:ds="http://schemas.openxmlformats.org/officeDocument/2006/customXml" ds:itemID="{B1F2B13A-75A6-4283-B0DA-A792D6F4B38D}">
+<ds:datastoreItem xmlns:ds="http://schemas.openxmlformats.org/officeDocument/2006/customXml" ds:itemID="{D7CA8050-CD8D-4A56-8309-8126574BE0BA}">
   <ds:schemaRefs>
-    <ds:schemaRef ds:uri="http://schemas.openxmlformats.org/package/2006/metadata/core-properties"/>
-    <ds:schemaRef ds:uri="http://purl.org/dc/elements/1.1/"/>
+    <ds:schemaRef ds:uri="http://schemas.microsoft.com/office/2006/metadata/properties"/>
     <ds:schemaRef ds:uri="http://schemas.microsoft.com/office/infopath/2007/PartnerControls"/>
     <ds:schemaRef ds:uri="E91B78A9-CB0B-4A6B-986C-C3FD7F78ECCA"/>
-    <ds:schemaRef ds:uri="http://schemas.microsoft.com/office/2006/metadata/properties"/>
-    <ds:schemaRef ds:uri="http://purl.org/dc/terms/"/>
-    <ds:schemaRef ds:uri="http://schemas.microsoft.com/office/2006/documentManagement/types"/>
-    <ds:schemaRef ds:uri="http://www.w3.org/XML/1998/namespace"/>
-    <ds:schemaRef ds:uri="http://purl.org/dc/dcmitype/"/>
   </ds:schemaRefs>
 </ds:datastoreItem>
 </file>
 
 <file path=customXml/itemProps3.xml><?xml version="1.0" encoding="utf-8"?>
-<ds:datastoreItem xmlns:ds="http://schemas.openxmlformats.org/officeDocument/2006/customXml" ds:itemID="{AD6C0BDC-6AF1-42FC-B746-0C7E82B809BF}">
+<ds:datastoreItem xmlns:ds="http://schemas.openxmlformats.org/officeDocument/2006/customXml" ds:itemID="{7BA5004B-5230-4838-AF88-6BFD3EDB7B5D}">
   <ds:schemaRefs>
     <ds:schemaRef ds:uri="http://schemas.microsoft.com/sharepoint/v3/contenttype/forms"/>
   </ds:schemaRefs>

--- a/Documents/QA Powerpoints/Module 10.pptx
+++ b/Documents/QA Powerpoints/Module 10.pptx
@@ -5,10 +5,10 @@
     <p:sldMasterId id="2147483695" r:id="rId4"/>
   </p:sldMasterIdLst>
   <p:notesMasterIdLst>
-    <p:notesMasterId r:id="rId18"/>
+    <p:notesMasterId r:id="rId19"/>
   </p:notesMasterIdLst>
   <p:handoutMasterIdLst>
-    <p:handoutMasterId r:id="rId19"/>
+    <p:handoutMasterId r:id="rId20"/>
   </p:handoutMasterIdLst>
   <p:sldIdLst>
     <p:sldId id="256" r:id="rId5"/>
@@ -22,8 +22,9 @@
     <p:sldId id="264" r:id="rId13"/>
     <p:sldId id="265" r:id="rId14"/>
     <p:sldId id="266" r:id="rId15"/>
-    <p:sldId id="267" r:id="rId16"/>
-    <p:sldId id="268" r:id="rId17"/>
+    <p:sldId id="269" r:id="rId16"/>
+    <p:sldId id="267" r:id="rId17"/>
+    <p:sldId id="268" r:id="rId18"/>
   </p:sldIdLst>
   <p:sldSz cx="12192000" cy="6858000"/>
   <p:notesSz cx="6794500" cy="9921875"/>
@@ -4896,13 +4897,10 @@
           <a:p>
             <a:pPr lvl="1"/>
             <a:r>
-              <a:rPr lang="en-GB" dirty="0" err="1"/>
+              <a:rPr lang="en-GB" dirty="0" err="1" smtClean="0"/>
               <a:t>WebApi</a:t>
             </a:r>
-            <a:r>
-              <a:rPr lang="en-GB" dirty="0"/>
-              <a:t>??</a:t>
-            </a:r>
+            <a:endParaRPr lang="en-GB" dirty="0"/>
           </a:p>
           <a:p>
             <a:pPr marL="400050"/>
@@ -5044,14 +5042,16 @@
           </a:p>
           <a:p>
             <a:r>
+              <a:rPr lang="en-GB" dirty="0" err="1" smtClean="0"/>
+              <a:t>DiaActions</a:t>
+            </a:r>
+            <a:r>
               <a:rPr lang="en-GB" dirty="0" smtClean="0"/>
-              <a:t>Dialogs  - Workflows with user prompts</a:t>
-            </a:r>
-          </a:p>
-          <a:p>
+              <a:t> </a:t>
+            </a:r>
             <a:r>
               <a:rPr lang="en-GB" dirty="0" smtClean="0"/>
-              <a:t>Actions – May have parameters. </a:t>
+              <a:t>– May have parameters. </a:t>
             </a:r>
             <a:r>
               <a:rPr lang="en-GB" dirty="0"/>
@@ -5076,48 +5076,20 @@
           <a:p>
             <a:r>
               <a:rPr lang="en-GB" dirty="0" smtClean="0"/>
-              <a:t>Plugins vs Workflows</a:t>
-            </a:r>
-          </a:p>
-          <a:p>
-            <a:r>
-              <a:rPr lang="en-GB" dirty="0" smtClean="0"/>
-              <a:t>Synchronous vs Asynchronous</a:t>
-            </a:r>
-          </a:p>
-          <a:p>
-            <a:r>
-              <a:rPr lang="en-GB" dirty="0" smtClean="0"/>
-              <a:t>Use Profiler to debug Custom Activities and Plugins.</a:t>
-            </a:r>
-          </a:p>
-          <a:p>
-            <a:r>
-              <a:rPr lang="en-GB" dirty="0" smtClean="0"/>
-              <a:t>Use unit tests and/or </a:t>
-            </a:r>
-            <a:r>
-              <a:rPr lang="en-GB" dirty="0" err="1" smtClean="0"/>
-              <a:t>FakeXrmEasy</a:t>
-            </a:r>
-            <a:r>
-              <a:rPr lang="en-GB" dirty="0" smtClean="0"/>
-              <a:t> to test/debug plugins.</a:t>
-            </a:r>
-          </a:p>
-          <a:p>
-            <a:r>
-              <a:rPr lang="en-GB" dirty="0" smtClean="0"/>
-              <a:t>CRM Plugin pipeline. Pre/Post images.</a:t>
-            </a:r>
-          </a:p>
-          <a:p>
-            <a:r>
-              <a:rPr lang="en-GB" dirty="0" smtClean="0"/>
-              <a:t>Plugins Sandboxed on online – no access to hardware or reflection on execution environment.</a:t>
-            </a:r>
-          </a:p>
-          <a:p>
+              <a:t>Online – no access to hardware or reflection on execution environment.</a:t>
+            </a:r>
+            <a:endParaRPr lang="en-GB" dirty="0" smtClean="0"/>
+          </a:p>
+          <a:p>
+            <a:r>
+              <a:rPr lang="en-GB" dirty="0"/>
+              <a:t>logs  - Workflows with user prompts - deprecated</a:t>
+            </a:r>
+          </a:p>
+          <a:p>
+            <a:pPr marL="0" indent="0">
+              <a:buNone/>
+            </a:pPr>
             <a:endParaRPr lang="en-GB" dirty="0" smtClean="0"/>
           </a:p>
           <a:p>
@@ -5144,7 +5116,7 @@
           <a:p>
             <a:r>
               <a:rPr lang="en-GB" dirty="0" smtClean="0"/>
-              <a:t>Summary</a:t>
+              <a:t>Workflows and Processes</a:t>
             </a:r>
             <a:endParaRPr lang="en-GB" dirty="0"/>
           </a:p>
@@ -5190,6 +5162,140 @@
             <p:ph type="body" sz="quarter" idx="15"/>
           </p:nvPr>
         </p:nvSpPr>
+        <p:spPr>
+          <a:xfrm>
+            <a:off x="414000" y="1939991"/>
+            <a:ext cx="11404800" cy="4546800"/>
+          </a:xfrm>
+        </p:spPr>
+        <p:txBody>
+          <a:bodyPr/>
+          <a:lstStyle/>
+          <a:p>
+            <a:r>
+              <a:rPr lang="en-GB" dirty="0" smtClean="0"/>
+              <a:t>Synchronous </a:t>
+            </a:r>
+            <a:r>
+              <a:rPr lang="en-GB" dirty="0"/>
+              <a:t>vs Asynchronous</a:t>
+            </a:r>
+          </a:p>
+          <a:p>
+            <a:r>
+              <a:rPr lang="en-GB" dirty="0"/>
+              <a:t>Use Profiler to debug Custom Activities and Plugins.</a:t>
+            </a:r>
+          </a:p>
+          <a:p>
+            <a:r>
+              <a:rPr lang="en-GB" dirty="0"/>
+              <a:t>Use unit tests and/or </a:t>
+            </a:r>
+            <a:r>
+              <a:rPr lang="en-GB" dirty="0" err="1"/>
+              <a:t>FakeXrmEasy</a:t>
+            </a:r>
+            <a:r>
+              <a:rPr lang="en-GB" dirty="0"/>
+              <a:t> to test/debug plugins.</a:t>
+            </a:r>
+          </a:p>
+          <a:p>
+            <a:r>
+              <a:rPr lang="en-GB" dirty="0"/>
+              <a:t>CRM Plugin pipeline. Pre/Post images.</a:t>
+            </a:r>
+          </a:p>
+          <a:p>
+            <a:r>
+              <a:rPr lang="en-GB" dirty="0"/>
+              <a:t>Plugins </a:t>
+            </a:r>
+            <a:r>
+              <a:rPr lang="en-GB" dirty="0" smtClean="0"/>
+              <a:t>Sandboxed - Online </a:t>
+            </a:r>
+            <a:r>
+              <a:rPr lang="en-GB" dirty="0"/>
+              <a:t>– no access to hardware or reflection on execution environment.</a:t>
+            </a:r>
+          </a:p>
+          <a:p>
+            <a:endParaRPr lang="en-GB" dirty="0"/>
+          </a:p>
+        </p:txBody>
+      </p:sp>
+      <p:sp>
+        <p:nvSpPr>
+          <p:cNvPr id="3" name="Title 2"/>
+          <p:cNvSpPr>
+            <a:spLocks noGrp="1"/>
+          </p:cNvSpPr>
+          <p:nvPr>
+            <p:ph type="title"/>
+          </p:nvPr>
+        </p:nvSpPr>
+        <p:spPr>
+          <a:xfrm>
+            <a:off x="414000" y="1047191"/>
+            <a:ext cx="9126000" cy="626400"/>
+          </a:xfrm>
+        </p:spPr>
+        <p:txBody>
+          <a:bodyPr>
+            <a:normAutofit fontScale="90000"/>
+          </a:bodyPr>
+          <a:lstStyle/>
+          <a:p>
+            <a:r>
+              <a:rPr lang="en-GB" dirty="0" smtClean="0"/>
+              <a:t>Plugins vs Workflows	</a:t>
+            </a:r>
+            <a:endParaRPr lang="en-GB" dirty="0"/>
+          </a:p>
+        </p:txBody>
+      </p:sp>
+    </p:spTree>
+    <p:extLst>
+      <p:ext uri="{BB962C8B-B14F-4D97-AF65-F5344CB8AC3E}">
+        <p14:creationId xmlns:p14="http://schemas.microsoft.com/office/powerpoint/2010/main" val="1790269873"/>
+      </p:ext>
+    </p:extLst>
+  </p:cSld>
+  <p:clrMapOvr>
+    <a:masterClrMapping/>
+  </p:clrMapOvr>
+</p:sld>
+</file>
+
+<file path=ppt/slides/slide13.xml><?xml version="1.0" encoding="utf-8"?>
+<p:sld xmlns:a="http://schemas.openxmlformats.org/drawingml/2006/main" xmlns:r="http://schemas.openxmlformats.org/officeDocument/2006/relationships" xmlns:p="http://schemas.openxmlformats.org/presentationml/2006/main">
+  <p:cSld>
+    <p:spTree>
+      <p:nvGrpSpPr>
+        <p:cNvPr id="1" name=""/>
+        <p:cNvGrpSpPr/>
+        <p:nvPr/>
+      </p:nvGrpSpPr>
+      <p:grpSpPr>
+        <a:xfrm>
+          <a:off x="0" y="0"/>
+          <a:ext cx="0" cy="0"/>
+          <a:chOff x="0" y="0"/>
+          <a:chExt cx="0" cy="0"/>
+        </a:xfrm>
+      </p:grpSpPr>
+      <p:sp>
+        <p:nvSpPr>
+          <p:cNvPr id="2" name="Text Placeholder 1"/>
+          <p:cNvSpPr>
+            <a:spLocks noGrp="1"/>
+          </p:cNvSpPr>
+          <p:nvPr>
+            <p:ph type="body" sz="quarter" idx="15"/>
+          </p:nvPr>
+        </p:nvSpPr>
         <p:spPr/>
         <p:txBody>
           <a:bodyPr/>
@@ -5270,7 +5376,7 @@
 </p:sld>
 </file>
 
-<file path=ppt/slides/slide13.xml><?xml version="1.0" encoding="utf-8"?>
+<file path=ppt/slides/slide14.xml><?xml version="1.0" encoding="utf-8"?>
 <p:sld xmlns:a="http://schemas.openxmlformats.org/drawingml/2006/main" xmlns:r="http://schemas.openxmlformats.org/officeDocument/2006/relationships" xmlns:p="http://schemas.openxmlformats.org/presentationml/2006/main">
   <p:cSld>
     <p:spTree>
@@ -6457,7 +6563,7 @@
             <a:pPr lvl="1"/>
             <a:r>
               <a:rPr lang="en-GB" dirty="0" err="1" smtClean="0"/>
-              <a:t>CRMRestBuild</a:t>
+              <a:t>CRMRestBuilder</a:t>
             </a:r>
             <a:endParaRPr lang="en-GB" dirty="0" smtClean="0"/>
           </a:p>
@@ -7532,6 +7638,15 @@
 </file>
 
 <file path=customXml/item2.xml><?xml version="1.0" encoding="utf-8"?>
+<?mso-contentType ?>
+<FormTemplates xmlns="http://schemas.microsoft.com/sharepoint/v3/contenttype/forms">
+  <Display>DocumentLibraryForm</Display>
+  <Edit>DocumentLibraryForm</Edit>
+  <New>DocumentLibraryForm</New>
+</FormTemplates>
+</file>
+
+<file path=customXml/item3.xml><?xml version="1.0" encoding="utf-8"?>
 <p:properties xmlns:p="http://schemas.microsoft.com/office/2006/metadata/properties" xmlns:xsi="http://www.w3.org/2001/XMLSchema-instance" xmlns:pc="http://schemas.microsoft.com/office/infopath/2007/PartnerControls">
   <documentManagement>
     <SequenceNumber xmlns="E91B78A9-CB0B-4A6B-986C-C3FD7F78ECCA">11</SequenceNumber>
@@ -7546,15 +7661,6 @@
     </BookTypeField0>
   </documentManagement>
 </p:properties>
-</file>
-
-<file path=customXml/item3.xml><?xml version="1.0" encoding="utf-8"?>
-<?mso-contentType ?>
-<FormTemplates xmlns="http://schemas.microsoft.com/sharepoint/v3/contenttype/forms">
-  <Display>DocumentLibraryForm</Display>
-  <Edit>DocumentLibraryForm</Edit>
-  <New>DocumentLibraryForm</New>
-</FormTemplates>
 </file>
 
 <file path=customXml/itemProps1.xml><?xml version="1.0" encoding="utf-8"?>
@@ -7576,6 +7682,14 @@
 </file>
 
 <file path=customXml/itemProps2.xml><?xml version="1.0" encoding="utf-8"?>
+<ds:datastoreItem xmlns:ds="http://schemas.openxmlformats.org/officeDocument/2006/customXml" ds:itemID="{7BA5004B-5230-4838-AF88-6BFD3EDB7B5D}">
+  <ds:schemaRefs>
+    <ds:schemaRef ds:uri="http://schemas.microsoft.com/sharepoint/v3/contenttype/forms"/>
+  </ds:schemaRefs>
+</ds:datastoreItem>
+</file>
+
+<file path=customXml/itemProps3.xml><?xml version="1.0" encoding="utf-8"?>
 <ds:datastoreItem xmlns:ds="http://schemas.openxmlformats.org/officeDocument/2006/customXml" ds:itemID="{D7CA8050-CD8D-4A56-8309-8126574BE0BA}">
   <ds:schemaRefs>
     <ds:schemaRef ds:uri="http://schemas.microsoft.com/office/2006/metadata/properties"/>
@@ -7583,12 +7697,4 @@
     <ds:schemaRef ds:uri="E91B78A9-CB0B-4A6B-986C-C3FD7F78ECCA"/>
   </ds:schemaRefs>
 </ds:datastoreItem>
-</file>
-
-<file path=customXml/itemProps3.xml><?xml version="1.0" encoding="utf-8"?>
-<ds:datastoreItem xmlns:ds="http://schemas.openxmlformats.org/officeDocument/2006/customXml" ds:itemID="{7BA5004B-5230-4838-AF88-6BFD3EDB7B5D}">
-  <ds:schemaRefs>
-    <ds:schemaRef ds:uri="http://schemas.microsoft.com/sharepoint/v3/contenttype/forms"/>
-  </ds:schemaRefs>
-</ds:datastoreItem>
 </file>